--- a/授業資料/講義資料：C言語とC++の違い.pptx
+++ b/授業資料/講義資料：C言語とC++の違い.pptx
@@ -14,17 +14,26 @@
     <p:sldId id="259" r:id="rId8"/>
     <p:sldId id="260" r:id="rId9"/>
     <p:sldId id="262" r:id="rId10"/>
-    <p:sldId id="263" r:id="rId11"/>
-    <p:sldId id="268" r:id="rId12"/>
-    <p:sldId id="264" r:id="rId13"/>
-    <p:sldId id="285" r:id="rId14"/>
-    <p:sldId id="322" r:id="rId15"/>
-    <p:sldId id="328" r:id="rId16"/>
-    <p:sldId id="323" r:id="rId17"/>
-    <p:sldId id="324" r:id="rId18"/>
-    <p:sldId id="327" r:id="rId19"/>
-    <p:sldId id="325" r:id="rId20"/>
-    <p:sldId id="265" r:id="rId21"/>
+    <p:sldId id="326" r:id="rId11"/>
+    <p:sldId id="336" r:id="rId12"/>
+    <p:sldId id="263" r:id="rId13"/>
+    <p:sldId id="268" r:id="rId14"/>
+    <p:sldId id="264" r:id="rId15"/>
+    <p:sldId id="285" r:id="rId16"/>
+    <p:sldId id="322" r:id="rId17"/>
+    <p:sldId id="328" r:id="rId18"/>
+    <p:sldId id="323" r:id="rId19"/>
+    <p:sldId id="324" r:id="rId20"/>
+    <p:sldId id="327" r:id="rId21"/>
+    <p:sldId id="325" r:id="rId22"/>
+    <p:sldId id="329" r:id="rId23"/>
+    <p:sldId id="330" r:id="rId24"/>
+    <p:sldId id="265" r:id="rId25"/>
+    <p:sldId id="331" r:id="rId26"/>
+    <p:sldId id="332" r:id="rId27"/>
+    <p:sldId id="333" r:id="rId28"/>
+    <p:sldId id="334" r:id="rId29"/>
+    <p:sldId id="335" r:id="rId30"/>
   </p:sldIdLst>
   <p:sldSz cx="12192000" cy="6858000"/>
   <p:notesSz cx="6858000" cy="9144000"/>
@@ -262,7 +271,7 @@
           <a:p>
             <a:fld id="{5B96D3F8-CD2E-4A0D-AC38-517181EABB18}" type="datetimeFigureOut">
               <a:rPr kumimoji="1" lang="ja-JP" altLang="en-US" smtClean="0"/>
-              <a:t>2024/9/1</a:t>
+              <a:t>2025/7/10</a:t>
             </a:fld>
             <a:endParaRPr kumimoji="1" lang="ja-JP" altLang="en-US"/>
           </a:p>
@@ -464,7 +473,7 @@
           <a:p>
             <a:fld id="{5B96D3F8-CD2E-4A0D-AC38-517181EABB18}" type="datetimeFigureOut">
               <a:rPr kumimoji="1" lang="ja-JP" altLang="en-US" smtClean="0"/>
-              <a:t>2024/9/1</a:t>
+              <a:t>2025/7/10</a:t>
             </a:fld>
             <a:endParaRPr kumimoji="1" lang="ja-JP" altLang="en-US"/>
           </a:p>
@@ -676,7 +685,7 @@
           <a:p>
             <a:fld id="{5B96D3F8-CD2E-4A0D-AC38-517181EABB18}" type="datetimeFigureOut">
               <a:rPr kumimoji="1" lang="ja-JP" altLang="en-US" smtClean="0"/>
-              <a:t>2024/9/1</a:t>
+              <a:t>2025/7/10</a:t>
             </a:fld>
             <a:endParaRPr kumimoji="1" lang="ja-JP" altLang="en-US"/>
           </a:p>
@@ -878,7 +887,7 @@
           <a:p>
             <a:fld id="{5B96D3F8-CD2E-4A0D-AC38-517181EABB18}" type="datetimeFigureOut">
               <a:rPr kumimoji="1" lang="ja-JP" altLang="en-US" smtClean="0"/>
-              <a:t>2024/9/1</a:t>
+              <a:t>2025/7/10</a:t>
             </a:fld>
             <a:endParaRPr kumimoji="1" lang="ja-JP" altLang="en-US"/>
           </a:p>
@@ -1124,7 +1133,7 @@
           <a:p>
             <a:fld id="{5B96D3F8-CD2E-4A0D-AC38-517181EABB18}" type="datetimeFigureOut">
               <a:rPr kumimoji="1" lang="ja-JP" altLang="en-US" smtClean="0"/>
-              <a:t>2024/9/1</a:t>
+              <a:t>2025/7/10</a:t>
             </a:fld>
             <a:endParaRPr kumimoji="1" lang="ja-JP" altLang="en-US"/>
           </a:p>
@@ -1420,7 +1429,7 @@
           <a:p>
             <a:fld id="{5B96D3F8-CD2E-4A0D-AC38-517181EABB18}" type="datetimeFigureOut">
               <a:rPr kumimoji="1" lang="ja-JP" altLang="en-US" smtClean="0"/>
-              <a:t>2024/9/1</a:t>
+              <a:t>2025/7/10</a:t>
             </a:fld>
             <a:endParaRPr kumimoji="1" lang="ja-JP" altLang="en-US"/>
           </a:p>
@@ -1851,7 +1860,7 @@
           <a:p>
             <a:fld id="{5B96D3F8-CD2E-4A0D-AC38-517181EABB18}" type="datetimeFigureOut">
               <a:rPr kumimoji="1" lang="ja-JP" altLang="en-US" smtClean="0"/>
-              <a:t>2024/9/1</a:t>
+              <a:t>2025/7/10</a:t>
             </a:fld>
             <a:endParaRPr kumimoji="1" lang="ja-JP" altLang="en-US"/>
           </a:p>
@@ -1969,7 +1978,7 @@
           <a:p>
             <a:fld id="{5B96D3F8-CD2E-4A0D-AC38-517181EABB18}" type="datetimeFigureOut">
               <a:rPr kumimoji="1" lang="ja-JP" altLang="en-US" smtClean="0"/>
-              <a:t>2024/9/1</a:t>
+              <a:t>2025/7/10</a:t>
             </a:fld>
             <a:endParaRPr kumimoji="1" lang="ja-JP" altLang="en-US"/>
           </a:p>
@@ -2064,7 +2073,7 @@
           <a:p>
             <a:fld id="{5B96D3F8-CD2E-4A0D-AC38-517181EABB18}" type="datetimeFigureOut">
               <a:rPr kumimoji="1" lang="ja-JP" altLang="en-US" smtClean="0"/>
-              <a:t>2024/9/1</a:t>
+              <a:t>2025/7/10</a:t>
             </a:fld>
             <a:endParaRPr kumimoji="1" lang="ja-JP" altLang="en-US"/>
           </a:p>
@@ -2373,7 +2382,7 @@
           <a:p>
             <a:fld id="{5B96D3F8-CD2E-4A0D-AC38-517181EABB18}" type="datetimeFigureOut">
               <a:rPr kumimoji="1" lang="ja-JP" altLang="en-US" smtClean="0"/>
-              <a:t>2024/9/1</a:t>
+              <a:t>2025/7/10</a:t>
             </a:fld>
             <a:endParaRPr kumimoji="1" lang="ja-JP" altLang="en-US"/>
           </a:p>
@@ -2630,7 +2639,7 @@
           <a:p>
             <a:fld id="{5B96D3F8-CD2E-4A0D-AC38-517181EABB18}" type="datetimeFigureOut">
               <a:rPr kumimoji="1" lang="ja-JP" altLang="en-US" smtClean="0"/>
-              <a:t>2024/9/1</a:t>
+              <a:t>2025/7/10</a:t>
             </a:fld>
             <a:endParaRPr kumimoji="1" lang="ja-JP" altLang="en-US"/>
           </a:p>
@@ -2875,7 +2884,7 @@
           <a:p>
             <a:fld id="{5B96D3F8-CD2E-4A0D-AC38-517181EABB18}" type="datetimeFigureOut">
               <a:rPr kumimoji="1" lang="ja-JP" altLang="en-US" smtClean="0"/>
-              <a:t>2024/9/1</a:t>
+              <a:t>2025/7/10</a:t>
             </a:fld>
             <a:endParaRPr kumimoji="1" lang="ja-JP" altLang="en-US"/>
           </a:p>
@@ -3516,6 +3525,552 @@
 </file>
 
 <file path=ppt/slides/slide10.xml><?xml version="1.0" encoding="utf-8"?>
+<p:sld xmlns:a="http://schemas.openxmlformats.org/drawingml/2006/main" xmlns:r="http://schemas.openxmlformats.org/officeDocument/2006/relationships" xmlns:p="http://schemas.openxmlformats.org/presentationml/2006/main">
+  <p:cSld>
+    <p:spTree>
+      <p:nvGrpSpPr>
+        <p:cNvPr id="1" name=""/>
+        <p:cNvGrpSpPr/>
+        <p:nvPr/>
+      </p:nvGrpSpPr>
+      <p:grpSpPr>
+        <a:xfrm>
+          <a:off x="0" y="0"/>
+          <a:ext cx="0" cy="0"/>
+          <a:chOff x="0" y="0"/>
+          <a:chExt cx="0" cy="0"/>
+        </a:xfrm>
+      </p:grpSpPr>
+      <p:sp>
+        <p:nvSpPr>
+          <p:cNvPr id="2" name="タイトル 1">
+            <a:extLst>
+              <a:ext uri="{FF2B5EF4-FFF2-40B4-BE49-F238E27FC236}">
+                <a16:creationId xmlns:a16="http://schemas.microsoft.com/office/drawing/2014/main" id="{DFEC204E-47F7-1206-5749-50C50E91D9F5}"/>
+              </a:ext>
+            </a:extLst>
+          </p:cNvPr>
+          <p:cNvSpPr>
+            <a:spLocks noGrp="1"/>
+          </p:cNvSpPr>
+          <p:nvPr>
+            <p:ph type="title"/>
+          </p:nvPr>
+        </p:nvSpPr>
+        <p:spPr/>
+        <p:txBody>
+          <a:bodyPr/>
+          <a:lstStyle/>
+          <a:p>
+            <a:r>
+              <a:rPr lang="en-US" altLang="ja-JP" dirty="0"/>
+              <a:t>C++</a:t>
+            </a:r>
+            <a:r>
+              <a:rPr lang="ja-JP" altLang="en-US" dirty="0"/>
+              <a:t>のための準備</a:t>
+            </a:r>
+            <a:endParaRPr kumimoji="1" lang="ja-JP" altLang="en-US" dirty="0"/>
+          </a:p>
+        </p:txBody>
+      </p:sp>
+      <p:sp>
+        <p:nvSpPr>
+          <p:cNvPr id="3" name="コンテンツ プレースホルダー 2">
+            <a:extLst>
+              <a:ext uri="{FF2B5EF4-FFF2-40B4-BE49-F238E27FC236}">
+                <a16:creationId xmlns:a16="http://schemas.microsoft.com/office/drawing/2014/main" id="{01065346-7061-05F6-5FE9-60987CC15B4D}"/>
+              </a:ext>
+            </a:extLst>
+          </p:cNvPr>
+          <p:cNvSpPr>
+            <a:spLocks noGrp="1"/>
+          </p:cNvSpPr>
+          <p:nvPr>
+            <p:ph idx="1"/>
+          </p:nvPr>
+        </p:nvSpPr>
+        <p:spPr>
+          <a:xfrm>
+            <a:off x="838200" y="1391393"/>
+            <a:ext cx="10896600" cy="4881563"/>
+          </a:xfrm>
+        </p:spPr>
+        <p:txBody>
+          <a:bodyPr>
+            <a:normAutofit/>
+          </a:bodyPr>
+          <a:lstStyle/>
+          <a:p>
+            <a:r>
+              <a:rPr lang="ja-JP" altLang="en-US" sz="3600" dirty="0"/>
+              <a:t>右ペインに</a:t>
+            </a:r>
+            <a:r>
+              <a:rPr lang="en-US" altLang="ja-JP" sz="3600" dirty="0">
+                <a:solidFill>
+                  <a:schemeClr val="bg1"/>
+                </a:solidFill>
+                <a:highlight>
+                  <a:srgbClr val="0000FF"/>
+                </a:highlight>
+                <a:latin typeface="+mj-ea"/>
+                <a:ea typeface="+mj-ea"/>
+              </a:rPr>
+              <a:t>Publish repository</a:t>
+            </a:r>
+            <a:r>
+              <a:rPr lang="ja-JP" altLang="en-US" sz="3600" dirty="0"/>
+              <a:t>ボタンが</a:t>
+            </a:r>
+            <a:br>
+              <a:rPr lang="en-US" altLang="ja-JP" sz="3600" dirty="0"/>
+            </a:br>
+            <a:r>
+              <a:rPr lang="ja-JP" altLang="en-US" sz="3600" dirty="0"/>
+              <a:t>表示されているので、このボタンをクリック</a:t>
+            </a:r>
+            <a:endParaRPr lang="en-US" altLang="ja-JP" sz="3600" dirty="0"/>
+          </a:p>
+        </p:txBody>
+      </p:sp>
+      <p:pic>
+        <p:nvPicPr>
+          <p:cNvPr id="10" name="図 9">
+            <a:extLst>
+              <a:ext uri="{FF2B5EF4-FFF2-40B4-BE49-F238E27FC236}">
+                <a16:creationId xmlns:a16="http://schemas.microsoft.com/office/drawing/2014/main" id="{A3A0004F-3E1A-D125-D5A8-2C8874FC10F2}"/>
+              </a:ext>
+            </a:extLst>
+          </p:cNvPr>
+          <p:cNvPicPr>
+            <a:picLocks noChangeAspect="1"/>
+          </p:cNvPicPr>
+          <p:nvPr/>
+        </p:nvPicPr>
+        <p:blipFill>
+          <a:blip r:embed="rId2"/>
+          <a:stretch>
+            <a:fillRect/>
+          </a:stretch>
+        </p:blipFill>
+        <p:spPr>
+          <a:xfrm>
+            <a:off x="1456360" y="2884483"/>
+            <a:ext cx="9009116" cy="1847107"/>
+          </a:xfrm>
+          <a:prstGeom prst="rect">
+            <a:avLst/>
+          </a:prstGeom>
+        </p:spPr>
+      </p:pic>
+      <p:sp>
+        <p:nvSpPr>
+          <p:cNvPr id="8" name="矢印: 下 7">
+            <a:extLst>
+              <a:ext uri="{FF2B5EF4-FFF2-40B4-BE49-F238E27FC236}">
+                <a16:creationId xmlns:a16="http://schemas.microsoft.com/office/drawing/2014/main" id="{2E09F599-70C7-3C3B-4E66-1CA9615DC6AE}"/>
+              </a:ext>
+            </a:extLst>
+          </p:cNvPr>
+          <p:cNvSpPr/>
+          <p:nvPr/>
+        </p:nvSpPr>
+        <p:spPr>
+          <a:xfrm>
+            <a:off x="8932718" y="3057262"/>
+            <a:ext cx="457200" cy="533400"/>
+          </a:xfrm>
+          <a:prstGeom prst="downArrow">
+            <a:avLst/>
+          </a:prstGeom>
+          <a:solidFill>
+            <a:srgbClr val="FF0000"/>
+          </a:solidFill>
+        </p:spPr>
+        <p:style>
+          <a:lnRef idx="2">
+            <a:schemeClr val="accent1">
+              <a:shade val="15000"/>
+            </a:schemeClr>
+          </a:lnRef>
+          <a:fillRef idx="1">
+            <a:schemeClr val="accent1"/>
+          </a:fillRef>
+          <a:effectRef idx="0">
+            <a:schemeClr val="accent1"/>
+          </a:effectRef>
+          <a:fontRef idx="minor">
+            <a:schemeClr val="lt1"/>
+          </a:fontRef>
+        </p:style>
+        <p:txBody>
+          <a:bodyPr rtlCol="0" anchor="ctr"/>
+          <a:lstStyle/>
+          <a:p>
+            <a:pPr algn="ctr"/>
+            <a:endParaRPr kumimoji="1" lang="ja-JP" altLang="en-US"/>
+          </a:p>
+        </p:txBody>
+      </p:sp>
+    </p:spTree>
+    <p:extLst>
+      <p:ext uri="{BB962C8B-B14F-4D97-AF65-F5344CB8AC3E}">
+        <p14:creationId xmlns:p14="http://schemas.microsoft.com/office/powerpoint/2010/main" val="2673914920"/>
+      </p:ext>
+    </p:extLst>
+  </p:cSld>
+  <p:clrMapOvr>
+    <a:masterClrMapping/>
+  </p:clrMapOvr>
+</p:sld>
+</file>
+
+<file path=ppt/slides/slide11.xml><?xml version="1.0" encoding="utf-8"?>
+<p:sld xmlns:a="http://schemas.openxmlformats.org/drawingml/2006/main" xmlns:r="http://schemas.openxmlformats.org/officeDocument/2006/relationships" xmlns:p="http://schemas.openxmlformats.org/presentationml/2006/main">
+  <p:cSld>
+    <p:spTree>
+      <p:nvGrpSpPr>
+        <p:cNvPr id="1" name=""/>
+        <p:cNvGrpSpPr/>
+        <p:nvPr/>
+      </p:nvGrpSpPr>
+      <p:grpSpPr>
+        <a:xfrm>
+          <a:off x="0" y="0"/>
+          <a:ext cx="0" cy="0"/>
+          <a:chOff x="0" y="0"/>
+          <a:chExt cx="0" cy="0"/>
+        </a:xfrm>
+      </p:grpSpPr>
+      <p:sp>
+        <p:nvSpPr>
+          <p:cNvPr id="2" name="タイトル 1">
+            <a:extLst>
+              <a:ext uri="{FF2B5EF4-FFF2-40B4-BE49-F238E27FC236}">
+                <a16:creationId xmlns:a16="http://schemas.microsoft.com/office/drawing/2014/main" id="{DFEC204E-47F7-1206-5749-50C50E91D9F5}"/>
+              </a:ext>
+            </a:extLst>
+          </p:cNvPr>
+          <p:cNvSpPr>
+            <a:spLocks noGrp="1"/>
+          </p:cNvSpPr>
+          <p:nvPr>
+            <p:ph type="title"/>
+          </p:nvPr>
+        </p:nvSpPr>
+        <p:spPr/>
+        <p:txBody>
+          <a:bodyPr/>
+          <a:lstStyle/>
+          <a:p>
+            <a:r>
+              <a:rPr lang="en-US" altLang="ja-JP" dirty="0"/>
+              <a:t>C++</a:t>
+            </a:r>
+            <a:r>
+              <a:rPr lang="ja-JP" altLang="en-US" dirty="0"/>
+              <a:t>のための準備</a:t>
+            </a:r>
+            <a:endParaRPr kumimoji="1" lang="ja-JP" altLang="en-US" dirty="0"/>
+          </a:p>
+        </p:txBody>
+      </p:sp>
+      <p:sp>
+        <p:nvSpPr>
+          <p:cNvPr id="3" name="コンテンツ プレースホルダー 2">
+            <a:extLst>
+              <a:ext uri="{FF2B5EF4-FFF2-40B4-BE49-F238E27FC236}">
+                <a16:creationId xmlns:a16="http://schemas.microsoft.com/office/drawing/2014/main" id="{01065346-7061-05F6-5FE9-60987CC15B4D}"/>
+              </a:ext>
+            </a:extLst>
+          </p:cNvPr>
+          <p:cNvSpPr>
+            <a:spLocks noGrp="1"/>
+          </p:cNvSpPr>
+          <p:nvPr>
+            <p:ph idx="1"/>
+          </p:nvPr>
+        </p:nvSpPr>
+        <p:spPr>
+          <a:xfrm>
+            <a:off x="838200" y="1391393"/>
+            <a:ext cx="10896600" cy="5227616"/>
+          </a:xfrm>
+        </p:spPr>
+        <p:txBody>
+          <a:bodyPr>
+            <a:normAutofit/>
+          </a:bodyPr>
+          <a:lstStyle/>
+          <a:p>
+            <a:r>
+              <a:rPr lang="en-US" altLang="ja-JP" sz="3600" dirty="0"/>
+              <a:t>Name</a:t>
+            </a:r>
+            <a:r>
+              <a:rPr lang="ja-JP" altLang="en-US" sz="3600" dirty="0"/>
+              <a:t>にリポジトリ名が</a:t>
+            </a:r>
+            <a:br>
+              <a:rPr lang="en-US" altLang="ja-JP" sz="3600" dirty="0"/>
+            </a:br>
+            <a:r>
+              <a:rPr lang="ja-JP" altLang="en-US" sz="3600" dirty="0"/>
+              <a:t>入っていることを確認</a:t>
+            </a:r>
+            <a:br>
+              <a:rPr lang="en-US" altLang="ja-JP" sz="3600" dirty="0"/>
+            </a:br>
+            <a:r>
+              <a:rPr lang="ja-JP" altLang="en-US" sz="3600" dirty="0"/>
+              <a:t>してから</a:t>
+            </a:r>
+            <a:br>
+              <a:rPr lang="en-US" altLang="ja-JP" sz="3600" dirty="0"/>
+            </a:br>
+            <a:br>
+              <a:rPr lang="en-US" altLang="ja-JP" sz="3600" dirty="0"/>
+            </a:br>
+            <a:r>
+              <a:rPr lang="en-US" altLang="ja-JP" b="1" dirty="0">
+                <a:solidFill>
+                  <a:schemeClr val="bg1"/>
+                </a:solidFill>
+                <a:highlight>
+                  <a:srgbClr val="0000FF"/>
+                </a:highlight>
+                <a:latin typeface="+mj-ea"/>
+                <a:ea typeface="+mj-ea"/>
+              </a:rPr>
+              <a:t>Publish Repository</a:t>
+            </a:r>
+            <a:br>
+              <a:rPr lang="en-US" altLang="ja-JP" b="1" dirty="0">
+                <a:solidFill>
+                  <a:schemeClr val="bg1"/>
+                </a:solidFill>
+                <a:highlight>
+                  <a:srgbClr val="0000FF"/>
+                </a:highlight>
+              </a:rPr>
+            </a:br>
+            <a:br>
+              <a:rPr lang="en-US" altLang="ja-JP" b="1" dirty="0">
+                <a:solidFill>
+                  <a:srgbClr val="00B0F0"/>
+                </a:solidFill>
+              </a:rPr>
+            </a:br>
+            <a:r>
+              <a:rPr lang="ja-JP" altLang="en-US" sz="3600" dirty="0"/>
+              <a:t>をクリック</a:t>
+            </a:r>
+            <a:br>
+              <a:rPr lang="en-US" altLang="ja-JP" sz="3600" dirty="0"/>
+            </a:br>
+            <a:br>
+              <a:rPr lang="en-US" altLang="ja-JP" sz="3600" dirty="0"/>
+            </a:br>
+            <a:r>
+              <a:rPr lang="ja-JP" altLang="en-US" sz="3200" dirty="0"/>
+              <a:t>以上で、</a:t>
+            </a:r>
+            <a:r>
+              <a:rPr lang="en-US" altLang="ja-JP" sz="3200" dirty="0"/>
+              <a:t>C++</a:t>
+            </a:r>
+            <a:r>
+              <a:rPr lang="ja-JP" altLang="en-US" sz="3200" dirty="0"/>
+              <a:t>ファイルを</a:t>
+            </a:r>
+            <a:br>
+              <a:rPr lang="en-US" altLang="ja-JP" sz="3200" dirty="0"/>
+            </a:br>
+            <a:r>
+              <a:rPr lang="ja-JP" altLang="en-US" sz="3200" dirty="0"/>
+              <a:t>保存する準備が完了</a:t>
+            </a:r>
+            <a:endParaRPr lang="en-US" altLang="ja-JP" sz="3600" dirty="0"/>
+          </a:p>
+        </p:txBody>
+      </p:sp>
+      <p:graphicFrame>
+        <p:nvGraphicFramePr>
+          <p:cNvPr id="4" name="オブジェクト 3">
+            <a:extLst>
+              <a:ext uri="{FF2B5EF4-FFF2-40B4-BE49-F238E27FC236}">
+                <a16:creationId xmlns:a16="http://schemas.microsoft.com/office/drawing/2014/main" id="{DDD7AF69-33A5-1355-DD0B-EBE5F9C1ADB1}"/>
+              </a:ext>
+            </a:extLst>
+          </p:cNvPr>
+          <p:cNvGraphicFramePr>
+            <a:graphicFrameLocks noChangeAspect="1"/>
+          </p:cNvGraphicFramePr>
+          <p:nvPr>
+            <p:extLst>
+              <p:ext uri="{D42A27DB-BD31-4B8C-83A1-F6EECF244321}">
+                <p14:modId xmlns:p14="http://schemas.microsoft.com/office/powerpoint/2010/main" val="2372096287"/>
+              </p:ext>
+            </p:extLst>
+          </p:nvPr>
+        </p:nvGraphicFramePr>
+        <p:xfrm>
+          <a:off x="6096000" y="1825337"/>
+          <a:ext cx="5943600" cy="4142436"/>
+        </p:xfrm>
+        <a:graphic>
+          <a:graphicData uri="http://schemas.openxmlformats.org/presentationml/2006/ole">
+            <mc:AlternateContent xmlns:mc="http://schemas.openxmlformats.org/markup-compatibility/2006">
+              <mc:Choice xmlns:v="urn:schemas-microsoft-com:vml" Requires="v">
+                <p:oleObj spid="_x0000_s1028" r:id="rId3" imgW="12511119" imgH="8719558" progId="">
+                  <p:embed/>
+                </p:oleObj>
+              </mc:Choice>
+              <mc:Fallback>
+                <p:oleObj r:id="rId3" imgW="12511119" imgH="8719558" progId="">
+                  <p:embed/>
+                  <p:pic>
+                    <p:nvPicPr>
+                      <p:cNvPr id="4" name="オブジェクト 3">
+                        <a:extLst>
+                          <a:ext uri="{FF2B5EF4-FFF2-40B4-BE49-F238E27FC236}">
+                            <a16:creationId xmlns:a16="http://schemas.microsoft.com/office/drawing/2014/main" id="{DDD7AF69-33A5-1355-DD0B-EBE5F9C1ADB1}"/>
+                          </a:ext>
+                        </a:extLst>
+                      </p:cNvPr>
+                      <p:cNvPicPr/>
+                      <p:nvPr/>
+                    </p:nvPicPr>
+                    <p:blipFill>
+                      <a:blip r:embed="rId4"/>
+                      <a:stretch>
+                        <a:fillRect/>
+                      </a:stretch>
+                    </p:blipFill>
+                    <p:spPr>
+                      <a:xfrm>
+                        <a:off x="6096000" y="1825337"/>
+                        <a:ext cx="5943600" cy="4142436"/>
+                      </a:xfrm>
+                      <a:prstGeom prst="rect">
+                        <a:avLst/>
+                      </a:prstGeom>
+                      <a:ln>
+                        <a:solidFill>
+                          <a:schemeClr val="tx1"/>
+                        </a:solidFill>
+                      </a:ln>
+                    </p:spPr>
+                  </p:pic>
+                </p:oleObj>
+              </mc:Fallback>
+            </mc:AlternateContent>
+          </a:graphicData>
+        </a:graphic>
+      </p:graphicFrame>
+      <p:sp>
+        <p:nvSpPr>
+          <p:cNvPr id="8" name="矢印: 下 7">
+            <a:extLst>
+              <a:ext uri="{FF2B5EF4-FFF2-40B4-BE49-F238E27FC236}">
+                <a16:creationId xmlns:a16="http://schemas.microsoft.com/office/drawing/2014/main" id="{2E09F599-70C7-3C3B-4E66-1CA9615DC6AE}"/>
+              </a:ext>
+            </a:extLst>
+          </p:cNvPr>
+          <p:cNvSpPr/>
+          <p:nvPr/>
+        </p:nvSpPr>
+        <p:spPr>
+          <a:xfrm>
+            <a:off x="10744200" y="4873337"/>
+            <a:ext cx="457200" cy="533400"/>
+          </a:xfrm>
+          <a:prstGeom prst="downArrow">
+            <a:avLst/>
+          </a:prstGeom>
+          <a:solidFill>
+            <a:srgbClr val="FF0000"/>
+          </a:solidFill>
+        </p:spPr>
+        <p:style>
+          <a:lnRef idx="2">
+            <a:schemeClr val="accent1">
+              <a:shade val="15000"/>
+            </a:schemeClr>
+          </a:lnRef>
+          <a:fillRef idx="1">
+            <a:schemeClr val="accent1"/>
+          </a:fillRef>
+          <a:effectRef idx="0">
+            <a:schemeClr val="accent1"/>
+          </a:effectRef>
+          <a:fontRef idx="minor">
+            <a:schemeClr val="lt1"/>
+          </a:fontRef>
+        </p:style>
+        <p:txBody>
+          <a:bodyPr rtlCol="0" anchor="ctr"/>
+          <a:lstStyle/>
+          <a:p>
+            <a:pPr algn="ctr"/>
+            <a:endParaRPr kumimoji="1" lang="ja-JP" altLang="en-US"/>
+          </a:p>
+        </p:txBody>
+      </p:sp>
+      <p:sp>
+        <p:nvSpPr>
+          <p:cNvPr id="5" name="テキスト ボックス 4">
+            <a:extLst>
+              <a:ext uri="{FF2B5EF4-FFF2-40B4-BE49-F238E27FC236}">
+                <a16:creationId xmlns:a16="http://schemas.microsoft.com/office/drawing/2014/main" id="{B9816B12-086E-88B6-1645-80F93C06FA89}"/>
+              </a:ext>
+            </a:extLst>
+          </p:cNvPr>
+          <p:cNvSpPr txBox="1"/>
+          <p:nvPr/>
+        </p:nvSpPr>
+        <p:spPr>
+          <a:xfrm>
+            <a:off x="6365352" y="3393638"/>
+            <a:ext cx="2084225" cy="369332"/>
+          </a:xfrm>
+          <a:prstGeom prst="rect">
+            <a:avLst/>
+          </a:prstGeom>
+          <a:noFill/>
+        </p:spPr>
+        <p:txBody>
+          <a:bodyPr wrap="none" rtlCol="0">
+            <a:spAutoFit/>
+          </a:bodyPr>
+          <a:lstStyle/>
+          <a:p>
+            <a:r>
+              <a:rPr kumimoji="1" lang="ja-JP" altLang="en-US" dirty="0">
+                <a:solidFill>
+                  <a:srgbClr val="FF0000"/>
+                </a:solidFill>
+              </a:rPr>
+              <a:t>リポジトリ名と同じ</a:t>
+            </a:r>
+          </a:p>
+        </p:txBody>
+      </p:sp>
+    </p:spTree>
+    <p:extLst>
+      <p:ext uri="{BB962C8B-B14F-4D97-AF65-F5344CB8AC3E}">
+        <p14:creationId xmlns:p14="http://schemas.microsoft.com/office/powerpoint/2010/main" val="1166361037"/>
+      </p:ext>
+    </p:extLst>
+  </p:cSld>
+  <p:clrMapOvr>
+    <a:masterClrMapping/>
+  </p:clrMapOvr>
+</p:sld>
+</file>
+
+<file path=ppt/slides/slide12.xml><?xml version="1.0" encoding="utf-8"?>
 <p:sld xmlns:a="http://schemas.openxmlformats.org/drawingml/2006/main" xmlns:r="http://schemas.openxmlformats.org/officeDocument/2006/relationships" xmlns:p="http://schemas.openxmlformats.org/presentationml/2006/main" show="0">
   <p:cSld>
     <p:spTree>
@@ -3693,7 +4248,7 @@
 </p:sld>
 </file>
 
-<file path=ppt/slides/slide11.xml><?xml version="1.0" encoding="utf-8"?>
+<file path=ppt/slides/slide13.xml><?xml version="1.0" encoding="utf-8"?>
 <p:sld xmlns:a="http://schemas.openxmlformats.org/drawingml/2006/main" xmlns:r="http://schemas.openxmlformats.org/officeDocument/2006/relationships" xmlns:p="http://schemas.openxmlformats.org/presentationml/2006/main" show="0">
   <p:cSld>
     <p:spTree>
@@ -3871,400 +4426,6 @@
     <p:extLst>
       <p:ext uri="{BB962C8B-B14F-4D97-AF65-F5344CB8AC3E}">
         <p14:creationId xmlns:p14="http://schemas.microsoft.com/office/powerpoint/2010/main" val="1436055635"/>
-      </p:ext>
-    </p:extLst>
-  </p:cSld>
-  <p:clrMapOvr>
-    <a:masterClrMapping/>
-  </p:clrMapOvr>
-</p:sld>
-</file>
-
-<file path=ppt/slides/slide12.xml><?xml version="1.0" encoding="utf-8"?>
-<p:sld xmlns:a="http://schemas.openxmlformats.org/drawingml/2006/main" xmlns:r="http://schemas.openxmlformats.org/officeDocument/2006/relationships" xmlns:p="http://schemas.openxmlformats.org/presentationml/2006/main">
-  <p:cSld>
-    <p:spTree>
-      <p:nvGrpSpPr>
-        <p:cNvPr id="1" name=""/>
-        <p:cNvGrpSpPr/>
-        <p:nvPr/>
-      </p:nvGrpSpPr>
-      <p:grpSpPr>
-        <a:xfrm>
-          <a:off x="0" y="0"/>
-          <a:ext cx="0" cy="0"/>
-          <a:chOff x="0" y="0"/>
-          <a:chExt cx="0" cy="0"/>
-        </a:xfrm>
-      </p:grpSpPr>
-      <p:sp>
-        <p:nvSpPr>
-          <p:cNvPr id="2" name="タイトル 1">
-            <a:extLst>
-              <a:ext uri="{FF2B5EF4-FFF2-40B4-BE49-F238E27FC236}">
-                <a16:creationId xmlns:a16="http://schemas.microsoft.com/office/drawing/2014/main" id="{EC1D9B36-FFC2-4D52-A2A6-FEEE7804F5FA}"/>
-              </a:ext>
-            </a:extLst>
-          </p:cNvPr>
-          <p:cNvSpPr>
-            <a:spLocks noGrp="1"/>
-          </p:cNvSpPr>
-          <p:nvPr>
-            <p:ph type="title"/>
-          </p:nvPr>
-        </p:nvSpPr>
-        <p:spPr/>
-        <p:txBody>
-          <a:bodyPr/>
-          <a:lstStyle/>
-          <a:p>
-            <a:r>
-              <a:rPr kumimoji="1" lang="en-US" altLang="ja-JP" dirty="0"/>
-              <a:t>C++</a:t>
-            </a:r>
-            <a:r>
-              <a:rPr kumimoji="1" lang="ja-JP" altLang="en-US" dirty="0"/>
-              <a:t>のための準備</a:t>
-            </a:r>
-          </a:p>
-        </p:txBody>
-      </p:sp>
-      <p:sp>
-        <p:nvSpPr>
-          <p:cNvPr id="3" name="コンテンツ プレースホルダー 2">
-            <a:extLst>
-              <a:ext uri="{FF2B5EF4-FFF2-40B4-BE49-F238E27FC236}">
-                <a16:creationId xmlns:a16="http://schemas.microsoft.com/office/drawing/2014/main" id="{534285BC-9209-40FB-8017-B7672579046F}"/>
-              </a:ext>
-            </a:extLst>
-          </p:cNvPr>
-          <p:cNvSpPr>
-            <a:spLocks noGrp="1"/>
-          </p:cNvSpPr>
-          <p:nvPr>
-            <p:ph idx="1"/>
-          </p:nvPr>
-        </p:nvSpPr>
-        <p:spPr>
-          <a:xfrm>
-            <a:off x="838200" y="1376038"/>
-            <a:ext cx="10941424" cy="4980311"/>
-          </a:xfrm>
-        </p:spPr>
-        <p:txBody>
-          <a:bodyPr/>
-          <a:lstStyle/>
-          <a:p>
-            <a:r>
-              <a:rPr lang="ja-JP" altLang="en-US" dirty="0"/>
-              <a:t>課題ごとにフォルダを作成する</a:t>
-            </a:r>
-            <a:br>
-              <a:rPr lang="en-US" altLang="ja-JP" dirty="0"/>
-            </a:br>
-            <a:br>
-              <a:rPr lang="en-US" altLang="ja-JP" dirty="0"/>
-            </a:br>
-            <a:r>
-              <a:rPr lang="ja-JP" altLang="en-US" dirty="0"/>
-              <a:t>例えば教科書</a:t>
-            </a:r>
-            <a:r>
-              <a:rPr lang="en-US" altLang="ja-JP" dirty="0"/>
-              <a:t>P.57</a:t>
-            </a:r>
-            <a:r>
-              <a:rPr lang="ja-JP" altLang="en-US" dirty="0"/>
-              <a:t>のプログラムなら</a:t>
-            </a:r>
-            <a:r>
-              <a:rPr lang="en-US" altLang="ja-JP" dirty="0"/>
-              <a:t>…</a:t>
-            </a:r>
-            <a:br>
-              <a:rPr lang="en-US" altLang="ja-JP" dirty="0"/>
-            </a:br>
-            <a:br>
-              <a:rPr lang="en-US" altLang="ja-JP" dirty="0"/>
-            </a:br>
-            <a:r>
-              <a:rPr lang="ja-JP" altLang="en-US" dirty="0"/>
-              <a:t>「</a:t>
-            </a:r>
-            <a:r>
-              <a:rPr lang="en-US" altLang="ja-JP" dirty="0">
-                <a:solidFill>
-                  <a:srgbClr val="00B0F0"/>
-                </a:solidFill>
-              </a:rPr>
-              <a:t>Sample201</a:t>
-            </a:r>
-            <a:r>
-              <a:rPr lang="ja-JP" altLang="en-US" dirty="0"/>
-              <a:t>」というフォルダを作成して、</a:t>
-            </a:r>
-            <a:br>
-              <a:rPr lang="en-US" altLang="ja-JP" dirty="0"/>
-            </a:br>
-            <a:r>
-              <a:rPr lang="ja-JP" altLang="en-US" dirty="0"/>
-              <a:t>その中に「</a:t>
-            </a:r>
-            <a:r>
-              <a:rPr lang="en-US" altLang="ja-JP" dirty="0">
-                <a:solidFill>
-                  <a:srgbClr val="00B050"/>
-                </a:solidFill>
-              </a:rPr>
-              <a:t>main.cpp</a:t>
-            </a:r>
-            <a:r>
-              <a:rPr lang="ja-JP" altLang="en-US" dirty="0"/>
-              <a:t>」を作成する</a:t>
-            </a:r>
-            <a:br>
-              <a:rPr lang="en-US" altLang="ja-JP" dirty="0"/>
-            </a:br>
-            <a:br>
-              <a:rPr lang="en-US" altLang="ja-JP" dirty="0"/>
-            </a:br>
-            <a:endParaRPr kumimoji="1" lang="ja-JP" altLang="en-US" dirty="0">
-              <a:solidFill>
-                <a:srgbClr val="00B050"/>
-              </a:solidFill>
-            </a:endParaRPr>
-          </a:p>
-        </p:txBody>
-      </p:sp>
-    </p:spTree>
-    <p:extLst>
-      <p:ext uri="{BB962C8B-B14F-4D97-AF65-F5344CB8AC3E}">
-        <p14:creationId xmlns:p14="http://schemas.microsoft.com/office/powerpoint/2010/main" val="778066559"/>
-      </p:ext>
-    </p:extLst>
-  </p:cSld>
-  <p:clrMapOvr>
-    <a:masterClrMapping/>
-  </p:clrMapOvr>
-</p:sld>
-</file>
-
-<file path=ppt/slides/slide13.xml><?xml version="1.0" encoding="utf-8"?>
-<p:sld xmlns:a="http://schemas.openxmlformats.org/drawingml/2006/main" xmlns:r="http://schemas.openxmlformats.org/officeDocument/2006/relationships" xmlns:p="http://schemas.openxmlformats.org/presentationml/2006/main">
-  <p:cSld>
-    <p:spTree>
-      <p:nvGrpSpPr>
-        <p:cNvPr id="1" name=""/>
-        <p:cNvGrpSpPr/>
-        <p:nvPr/>
-      </p:nvGrpSpPr>
-      <p:grpSpPr>
-        <a:xfrm>
-          <a:off x="0" y="0"/>
-          <a:ext cx="0" cy="0"/>
-          <a:chOff x="0" y="0"/>
-          <a:chExt cx="0" cy="0"/>
-        </a:xfrm>
-      </p:grpSpPr>
-      <p:sp>
-        <p:nvSpPr>
-          <p:cNvPr id="2" name="タイトル 1">
-            <a:extLst>
-              <a:ext uri="{FF2B5EF4-FFF2-40B4-BE49-F238E27FC236}">
-                <a16:creationId xmlns:a16="http://schemas.microsoft.com/office/drawing/2014/main" id="{F11F3668-F205-48C5-AC01-19611EFE561B}"/>
-              </a:ext>
-            </a:extLst>
-          </p:cNvPr>
-          <p:cNvSpPr>
-            <a:spLocks noGrp="1"/>
-          </p:cNvSpPr>
-          <p:nvPr>
-            <p:ph type="title"/>
-          </p:nvPr>
-        </p:nvSpPr>
-        <p:spPr/>
-        <p:txBody>
-          <a:bodyPr/>
-          <a:lstStyle/>
-          <a:p>
-            <a:r>
-              <a:rPr kumimoji="1" lang="en-US" altLang="ja-JP" dirty="0"/>
-              <a:t>C++</a:t>
-            </a:r>
-            <a:r>
-              <a:rPr kumimoji="1" lang="ja-JP" altLang="en-US" dirty="0"/>
-              <a:t>のための準備</a:t>
-            </a:r>
-          </a:p>
-        </p:txBody>
-      </p:sp>
-      <p:sp>
-        <p:nvSpPr>
-          <p:cNvPr id="3" name="コンテンツ プレースホルダー 2">
-            <a:extLst>
-              <a:ext uri="{FF2B5EF4-FFF2-40B4-BE49-F238E27FC236}">
-                <a16:creationId xmlns:a16="http://schemas.microsoft.com/office/drawing/2014/main" id="{64DBE417-57E9-44A6-BB52-B2F9986BB7B2}"/>
-              </a:ext>
-            </a:extLst>
-          </p:cNvPr>
-          <p:cNvSpPr>
-            <a:spLocks noGrp="1"/>
-          </p:cNvSpPr>
-          <p:nvPr>
-            <p:ph idx="1"/>
-          </p:nvPr>
-        </p:nvSpPr>
-        <p:spPr/>
-        <p:txBody>
-          <a:bodyPr>
-            <a:normAutofit lnSpcReduction="10000"/>
-          </a:bodyPr>
-          <a:lstStyle/>
-          <a:p>
-            <a:r>
-              <a:rPr lang="en-US" altLang="ja-JP" dirty="0"/>
-              <a:t>C++</a:t>
-            </a:r>
-            <a:r>
-              <a:rPr lang="ja-JP" altLang="en-US" dirty="0"/>
-              <a:t>用フォルダに</a:t>
-            </a:r>
-            <a:r>
-              <a:rPr lang="en-US" altLang="ja-JP" b="1" dirty="0"/>
-              <a:t>Sample201</a:t>
-            </a:r>
-            <a:r>
-              <a:rPr lang="ja-JP" altLang="en-US" dirty="0"/>
-              <a:t>フォルダを作成する</a:t>
-            </a:r>
-            <a:br>
-              <a:rPr lang="en-US" altLang="ja-JP" dirty="0"/>
-            </a:br>
-            <a:r>
-              <a:rPr lang="ja-JP" altLang="en-US" dirty="0"/>
-              <a:t>にはコマンドプロンプトで</a:t>
-            </a:r>
-            <a:br>
-              <a:rPr lang="en-US" altLang="ja-JP" dirty="0"/>
-            </a:br>
-            <a:r>
-              <a:rPr lang="en-US" altLang="ja-JP" dirty="0" err="1">
-                <a:solidFill>
-                  <a:srgbClr val="00B0F0"/>
-                </a:solidFill>
-              </a:rPr>
-              <a:t>mkdir</a:t>
-            </a:r>
-            <a:r>
-              <a:rPr lang="en-US" altLang="ja-JP" dirty="0">
-                <a:solidFill>
-                  <a:srgbClr val="00B0F0"/>
-                </a:solidFill>
-              </a:rPr>
-              <a:t> Sample201</a:t>
-            </a:r>
-            <a:br>
-              <a:rPr lang="en-US" altLang="ja-JP" dirty="0"/>
-            </a:br>
-            <a:r>
-              <a:rPr lang="en-US" altLang="ja-JP" dirty="0">
-                <a:solidFill>
-                  <a:srgbClr val="00B0F0"/>
-                </a:solidFill>
-              </a:rPr>
-              <a:t>cd Sample201</a:t>
-            </a:r>
-            <a:br>
-              <a:rPr lang="en-US" altLang="ja-JP" dirty="0"/>
-            </a:br>
-            <a:endParaRPr lang="en-US" altLang="ja-JP" dirty="0"/>
-          </a:p>
-          <a:p>
-            <a:r>
-              <a:rPr lang="en-US" altLang="ja-JP" dirty="0"/>
-              <a:t>main.cpp</a:t>
-            </a:r>
-            <a:r>
-              <a:rPr lang="ja-JP" altLang="en-US" dirty="0"/>
-              <a:t>を新規作成</a:t>
-            </a:r>
-            <a:br>
-              <a:rPr lang="en-US" altLang="ja-JP" dirty="0"/>
-            </a:br>
-            <a:r>
-              <a:rPr lang="en-US" altLang="ja-JP" dirty="0">
-                <a:solidFill>
-                  <a:srgbClr val="00B0F0"/>
-                </a:solidFill>
-              </a:rPr>
-              <a:t>copy </a:t>
-            </a:r>
-            <a:r>
-              <a:rPr lang="en-US" altLang="ja-JP" dirty="0" err="1">
-                <a:solidFill>
-                  <a:srgbClr val="00B0F0"/>
-                </a:solidFill>
-              </a:rPr>
-              <a:t>nul</a:t>
-            </a:r>
-            <a:r>
-              <a:rPr lang="en-US" altLang="ja-JP" dirty="0">
-                <a:solidFill>
-                  <a:srgbClr val="00B0F0"/>
-                </a:solidFill>
-              </a:rPr>
-              <a:t> main.cpp</a:t>
-            </a:r>
-          </a:p>
-          <a:p>
-            <a:pPr marL="0" indent="0">
-              <a:buNone/>
-            </a:pPr>
-            <a:endParaRPr lang="en-US" altLang="ja-JP" dirty="0"/>
-          </a:p>
-          <a:p>
-            <a:pPr marL="0" indent="0">
-              <a:buNone/>
-            </a:pPr>
-            <a:r>
-              <a:rPr lang="ja-JP" altLang="en-US" dirty="0"/>
-              <a:t>フォルダ構成やファイルの場所はこのようになる</a:t>
-            </a:r>
-            <a:br>
-              <a:rPr lang="en-US" altLang="ja-JP" dirty="0"/>
-            </a:br>
-            <a:r>
-              <a:rPr lang="en-US" altLang="ja-JP" dirty="0"/>
-              <a:t>C:¥GitHub\cpp2024\</a:t>
-            </a:r>
-            <a:r>
-              <a:rPr lang="en-US" altLang="ja-JP" dirty="0">
-                <a:solidFill>
-                  <a:srgbClr val="00B0F0"/>
-                </a:solidFill>
-              </a:rPr>
-              <a:t>Sample201</a:t>
-            </a:r>
-            <a:r>
-              <a:rPr lang="en-US" altLang="ja-JP" dirty="0"/>
-              <a:t>\</a:t>
-            </a:r>
-            <a:r>
-              <a:rPr lang="en-US" altLang="ja-JP" dirty="0">
-                <a:solidFill>
-                  <a:srgbClr val="00B050"/>
-                </a:solidFill>
-              </a:rPr>
-              <a:t>main.cpp</a:t>
-            </a:r>
-            <a:endParaRPr lang="en-US" altLang="ja-JP" dirty="0"/>
-          </a:p>
-        </p:txBody>
-      </p:sp>
-    </p:spTree>
-    <p:extLst>
-      <p:ext uri="{BB962C8B-B14F-4D97-AF65-F5344CB8AC3E}">
-        <p14:creationId xmlns:p14="http://schemas.microsoft.com/office/powerpoint/2010/main" val="985874444"/>
       </p:ext>
     </p:extLst>
   </p:cSld>
@@ -4296,7 +4457,7 @@
           <p:cNvPr id="2" name="タイトル 1">
             <a:extLst>
               <a:ext uri="{FF2B5EF4-FFF2-40B4-BE49-F238E27FC236}">
-                <a16:creationId xmlns:a16="http://schemas.microsoft.com/office/drawing/2014/main" id="{F11F3668-F205-48C5-AC01-19611EFE561B}"/>
+                <a16:creationId xmlns:a16="http://schemas.microsoft.com/office/drawing/2014/main" id="{EC1D9B36-FFC2-4D52-A2A6-FEEE7804F5FA}"/>
               </a:ext>
             </a:extLst>
           </p:cNvPr>
@@ -4328,7 +4489,7 @@
           <p:cNvPr id="3" name="コンテンツ プレースホルダー 2">
             <a:extLst>
               <a:ext uri="{FF2B5EF4-FFF2-40B4-BE49-F238E27FC236}">
-                <a16:creationId xmlns:a16="http://schemas.microsoft.com/office/drawing/2014/main" id="{64DBE417-57E9-44A6-BB52-B2F9986BB7B2}"/>
+                <a16:creationId xmlns:a16="http://schemas.microsoft.com/office/drawing/2014/main" id="{534285BC-9209-40FB-8017-B7672579046F}"/>
               </a:ext>
             </a:extLst>
           </p:cNvPr>
@@ -4339,180 +4500,101 @@
             <p:ph idx="1"/>
           </p:nvPr>
         </p:nvSpPr>
-        <p:spPr/>
-        <p:txBody>
-          <a:bodyPr>
-            <a:normAutofit/>
-          </a:bodyPr>
-          <a:lstStyle/>
-          <a:p>
-            <a:r>
-              <a:rPr kumimoji="1" lang="en-US" altLang="ja-JP" dirty="0"/>
+        <p:spPr>
+          <a:xfrm>
+            <a:off x="838200" y="1376038"/>
+            <a:ext cx="10941424" cy="4980311"/>
+          </a:xfrm>
+        </p:spPr>
+        <p:txBody>
+          <a:bodyPr/>
+          <a:lstStyle/>
+          <a:p>
+            <a:r>
+              <a:rPr lang="ja-JP" altLang="en-US" dirty="0"/>
+              <a:t>課題ごとにフォルダを作成する</a:t>
+            </a:r>
+            <a:br>
+              <a:rPr lang="en-US" altLang="ja-JP" dirty="0"/>
+            </a:br>
+            <a:br>
+              <a:rPr lang="en-US" altLang="ja-JP" dirty="0"/>
+            </a:br>
+            <a:r>
+              <a:rPr lang="ja-JP" altLang="en-US" dirty="0"/>
+              <a:t>例えば教科書</a:t>
+            </a:r>
+            <a:r>
+              <a:rPr lang="en-US" altLang="ja-JP" dirty="0"/>
+              <a:t>P.57</a:t>
+            </a:r>
+            <a:r>
+              <a:rPr lang="ja-JP" altLang="en-US" dirty="0"/>
+              <a:t>のプログラムなら</a:t>
+            </a:r>
+            <a:r>
+              <a:rPr lang="en-US" altLang="ja-JP" dirty="0"/>
+              <a:t>…</a:t>
+            </a:r>
+            <a:br>
+              <a:rPr lang="en-US" altLang="ja-JP" dirty="0"/>
+            </a:br>
+            <a:br>
+              <a:rPr lang="en-US" altLang="ja-JP" dirty="0"/>
+            </a:br>
+            <a:r>
+              <a:rPr lang="ja-JP" altLang="en-US" dirty="0"/>
+              <a:t>「</a:t>
+            </a:r>
+            <a:r>
+              <a:rPr lang="en-US" altLang="ja-JP" dirty="0">
+                <a:solidFill>
+                  <a:srgbClr val="00B0F0"/>
+                </a:solidFill>
+              </a:rPr>
+              <a:t>Sample201</a:t>
+            </a:r>
+            <a:r>
+              <a:rPr lang="ja-JP" altLang="en-US" dirty="0"/>
+              <a:t>」というフォルダを作成して、</a:t>
+            </a:r>
+            <a:br>
+              <a:rPr lang="en-US" altLang="ja-JP" dirty="0"/>
+            </a:br>
+            <a:r>
+              <a:rPr lang="ja-JP" altLang="en-US" dirty="0"/>
+              <a:t>その中に「</a:t>
+            </a:r>
+            <a:r>
+              <a:rPr lang="en-US" altLang="ja-JP" dirty="0">
+                <a:solidFill>
+                  <a:srgbClr val="00B050"/>
+                </a:solidFill>
+              </a:rPr>
               <a:t>main.cpp</a:t>
             </a:r>
-            <a:br>
-              <a:rPr lang="en-US" altLang="ja-JP" dirty="0"/>
-            </a:br>
-            <a:endParaRPr lang="en-US" altLang="ja-JP" dirty="0"/>
-          </a:p>
-          <a:p>
-            <a:pPr marL="0" indent="0">
-              <a:buNone/>
-            </a:pPr>
-            <a:br>
-              <a:rPr lang="en-US" altLang="ja-JP" dirty="0"/>
-            </a:br>
-            <a:br>
-              <a:rPr lang="en-US" altLang="ja-JP" dirty="0"/>
-            </a:br>
-            <a:br>
-              <a:rPr lang="en-US" altLang="ja-JP" dirty="0"/>
-            </a:br>
-            <a:br>
-              <a:rPr lang="en-US" altLang="ja-JP" sz="2400" dirty="0"/>
-            </a:br>
-            <a:br>
-              <a:rPr lang="en-US" altLang="ja-JP" sz="2400" dirty="0"/>
-            </a:br>
-            <a:endParaRPr lang="en-US" altLang="ja-JP" sz="2400" dirty="0"/>
-          </a:p>
-          <a:p>
-            <a:pPr marL="0" indent="0">
-              <a:buNone/>
-            </a:pPr>
-            <a:br>
-              <a:rPr lang="en-US" altLang="ja-JP" sz="2400" dirty="0"/>
-            </a:br>
-            <a:br>
-              <a:rPr lang="en-US" altLang="ja-JP" sz="2400" dirty="0"/>
-            </a:br>
-            <a:endParaRPr lang="en-US" altLang="ja-JP" dirty="0">
+            <a:r>
+              <a:rPr lang="ja-JP" altLang="en-US" dirty="0"/>
+              <a:t>」を作成する</a:t>
+            </a:r>
+            <a:br>
+              <a:rPr lang="en-US" altLang="ja-JP" dirty="0"/>
+            </a:br>
+            <a:br>
+              <a:rPr lang="en-US" altLang="ja-JP" dirty="0"/>
+            </a:br>
+            <a:endParaRPr kumimoji="1" lang="ja-JP" altLang="en-US" dirty="0">
               <a:solidFill>
-                <a:srgbClr val="FF0000"/>
+                <a:srgbClr val="00B050"/>
               </a:solidFill>
             </a:endParaRPr>
-          </a:p>
-        </p:txBody>
-      </p:sp>
-      <p:sp>
-        <p:nvSpPr>
-          <p:cNvPr id="5" name="テキスト ボックス 4">
-            <a:extLst>
-              <a:ext uri="{FF2B5EF4-FFF2-40B4-BE49-F238E27FC236}">
-                <a16:creationId xmlns:a16="http://schemas.microsoft.com/office/drawing/2014/main" id="{9E32883C-0E37-4F07-9861-27609819CE8C}"/>
-              </a:ext>
-            </a:extLst>
-          </p:cNvPr>
-          <p:cNvSpPr txBox="1"/>
-          <p:nvPr/>
-        </p:nvSpPr>
-        <p:spPr>
-          <a:xfrm>
-            <a:off x="1048254" y="1942532"/>
-            <a:ext cx="10768607" cy="2677656"/>
-          </a:xfrm>
-          <a:prstGeom prst="rect">
-            <a:avLst/>
-          </a:prstGeom>
-          <a:noFill/>
-          <a:ln>
-            <a:solidFill>
-              <a:schemeClr val="tx1"/>
-            </a:solidFill>
-          </a:ln>
-        </p:spPr>
-        <p:txBody>
-          <a:bodyPr wrap="square" rtlCol="0">
-            <a:spAutoFit/>
-          </a:bodyPr>
-          <a:lstStyle/>
-          <a:p>
-            <a:r>
-              <a:rPr kumimoji="1" lang="en-US" altLang="ja-JP" sz="2400" dirty="0"/>
-              <a:t>#include &lt;iostream&gt;</a:t>
-            </a:r>
-          </a:p>
-          <a:p>
-            <a:r>
-              <a:rPr kumimoji="1" lang="en-US" altLang="ja-JP" sz="2400" dirty="0"/>
-              <a:t>using namespace std;</a:t>
-            </a:r>
-          </a:p>
-          <a:p>
-            <a:endParaRPr kumimoji="1" lang="en-US" altLang="ja-JP" sz="2400" dirty="0"/>
-          </a:p>
-          <a:p>
-            <a:r>
-              <a:rPr kumimoji="1" lang="en-US" altLang="ja-JP" sz="2400" dirty="0"/>
-              <a:t>int main(int </a:t>
-            </a:r>
-            <a:r>
-              <a:rPr kumimoji="1" lang="en-US" altLang="ja-JP" sz="2400" dirty="0" err="1"/>
-              <a:t>argc</a:t>
-            </a:r>
-            <a:r>
-              <a:rPr kumimoji="1" lang="en-US" altLang="ja-JP" sz="2400" dirty="0"/>
-              <a:t>, char** </a:t>
-            </a:r>
-            <a:r>
-              <a:rPr kumimoji="1" lang="en-US" altLang="ja-JP" sz="2400" dirty="0" err="1"/>
-              <a:t>argv</a:t>
-            </a:r>
-            <a:r>
-              <a:rPr kumimoji="1" lang="en-US" altLang="ja-JP" sz="2400" dirty="0"/>
-              <a:t>) {</a:t>
-            </a:r>
-          </a:p>
-          <a:p>
-            <a:r>
-              <a:rPr kumimoji="1" lang="ja-JP" altLang="en-US" sz="2400" dirty="0"/>
-              <a:t>    </a:t>
-            </a:r>
-            <a:r>
-              <a:rPr kumimoji="1" lang="en-US" altLang="ja-JP" sz="2400" dirty="0" err="1"/>
-              <a:t>cout</a:t>
-            </a:r>
-            <a:r>
-              <a:rPr kumimoji="1" lang="en-US" altLang="ja-JP" sz="2400" dirty="0"/>
-              <a:t> &lt;&lt; “Hello World.” &lt;&lt; </a:t>
-            </a:r>
-            <a:r>
-              <a:rPr kumimoji="1" lang="en-US" altLang="ja-JP" sz="2400" dirty="0" err="1"/>
-              <a:t>endl</a:t>
-            </a:r>
-            <a:r>
-              <a:rPr kumimoji="1" lang="en-US" altLang="ja-JP" sz="2400" dirty="0"/>
-              <a:t>;</a:t>
-            </a:r>
-            <a:r>
-              <a:rPr kumimoji="1" lang="ja-JP" altLang="en-US" sz="2400" dirty="0"/>
-              <a:t>    </a:t>
-            </a:r>
-            <a:endParaRPr kumimoji="1" lang="en-US" altLang="ja-JP" sz="2400" dirty="0"/>
-          </a:p>
-          <a:p>
-            <a:r>
-              <a:rPr kumimoji="1" lang="en-US" altLang="ja-JP" sz="2400" dirty="0"/>
-              <a:t>    return 0;</a:t>
-            </a:r>
-            <a:r>
-              <a:rPr kumimoji="1" lang="ja-JP" altLang="en-US" sz="2400" dirty="0"/>
-              <a:t>　　　　</a:t>
-            </a:r>
-            <a:endParaRPr kumimoji="1" lang="en-US" altLang="ja-JP" sz="2400" dirty="0"/>
-          </a:p>
-          <a:p>
-            <a:r>
-              <a:rPr kumimoji="1" lang="en-US" altLang="ja-JP" sz="2400" dirty="0"/>
-              <a:t>}</a:t>
-            </a:r>
           </a:p>
         </p:txBody>
       </p:sp>
     </p:spTree>
     <p:extLst>
       <p:ext uri="{BB962C8B-B14F-4D97-AF65-F5344CB8AC3E}">
-        <p14:creationId xmlns:p14="http://schemas.microsoft.com/office/powerpoint/2010/main" val="1146918669"/>
+        <p14:creationId xmlns:p14="http://schemas.microsoft.com/office/powerpoint/2010/main" val="778066559"/>
       </p:ext>
     </p:extLst>
   </p:cSld>
@@ -4590,270 +4672,154 @@
         <p:spPr/>
         <p:txBody>
           <a:bodyPr>
-            <a:normAutofit/>
+            <a:normAutofit lnSpcReduction="10000"/>
           </a:bodyPr>
           <a:lstStyle/>
           <a:p>
             <a:r>
-              <a:rPr kumimoji="1" lang="en-US" altLang="ja-JP" dirty="0"/>
+              <a:rPr lang="en-US" altLang="ja-JP" dirty="0"/>
+              <a:t>C++</a:t>
+            </a:r>
+            <a:r>
+              <a:rPr lang="ja-JP" altLang="en-US" dirty="0"/>
+              <a:t>用フォルダに</a:t>
+            </a:r>
+            <a:r>
+              <a:rPr lang="en-US" altLang="ja-JP" b="1" dirty="0"/>
+              <a:t>Sample201</a:t>
+            </a:r>
+            <a:r>
+              <a:rPr lang="ja-JP" altLang="en-US" dirty="0"/>
+              <a:t>フォルダを作成する</a:t>
+            </a:r>
+            <a:br>
+              <a:rPr lang="en-US" altLang="ja-JP" dirty="0"/>
+            </a:br>
+            <a:r>
+              <a:rPr lang="ja-JP" altLang="en-US" dirty="0"/>
+              <a:t>にはコマンドプロンプトで</a:t>
+            </a:r>
+            <a:br>
+              <a:rPr lang="en-US" altLang="ja-JP" dirty="0"/>
+            </a:br>
+            <a:r>
+              <a:rPr lang="en-US" altLang="ja-JP" dirty="0" err="1">
+                <a:solidFill>
+                  <a:srgbClr val="00B0F0"/>
+                </a:solidFill>
+              </a:rPr>
+              <a:t>mkdir</a:t>
+            </a:r>
+            <a:r>
+              <a:rPr lang="en-US" altLang="ja-JP" dirty="0">
+                <a:solidFill>
+                  <a:srgbClr val="00B0F0"/>
+                </a:solidFill>
+              </a:rPr>
+              <a:t> Sample201</a:t>
+            </a:r>
+            <a:br>
+              <a:rPr lang="en-US" altLang="ja-JP" dirty="0"/>
+            </a:br>
+            <a:r>
+              <a:rPr lang="en-US" altLang="ja-JP" dirty="0">
+                <a:solidFill>
+                  <a:srgbClr val="00B0F0"/>
+                </a:solidFill>
+              </a:rPr>
+              <a:t>cd Sample201</a:t>
+            </a:r>
+            <a:br>
+              <a:rPr lang="en-US" altLang="ja-JP" dirty="0"/>
+            </a:br>
+            <a:endParaRPr lang="en-US" altLang="ja-JP" dirty="0"/>
+          </a:p>
+          <a:p>
+            <a:r>
+              <a:rPr lang="en-US" altLang="ja-JP" dirty="0"/>
               <a:t>main.cpp</a:t>
             </a:r>
-            <a:br>
-              <a:rPr lang="en-US" altLang="ja-JP" dirty="0"/>
-            </a:br>
-            <a:endParaRPr lang="en-US" altLang="ja-JP" dirty="0"/>
+            <a:r>
+              <a:rPr lang="ja-JP" altLang="en-US" dirty="0"/>
+              <a:t>を新規作成</a:t>
+            </a:r>
+            <a:br>
+              <a:rPr lang="en-US" altLang="ja-JP" dirty="0"/>
+            </a:br>
+            <a:r>
+              <a:rPr lang="en-US" altLang="ja-JP" dirty="0">
+                <a:solidFill>
+                  <a:srgbClr val="00B0F0"/>
+                </a:solidFill>
+              </a:rPr>
+              <a:t>copy </a:t>
+            </a:r>
+            <a:r>
+              <a:rPr lang="en-US" altLang="ja-JP" dirty="0" err="1">
+                <a:solidFill>
+                  <a:srgbClr val="00B0F0"/>
+                </a:solidFill>
+              </a:rPr>
+              <a:t>nul</a:t>
+            </a:r>
+            <a:r>
+              <a:rPr lang="en-US" altLang="ja-JP" dirty="0">
+                <a:solidFill>
+                  <a:srgbClr val="00B0F0"/>
+                </a:solidFill>
+              </a:rPr>
+              <a:t> main.cpp</a:t>
+            </a:r>
           </a:p>
           <a:p>
             <a:pPr marL="0" indent="0">
               <a:buNone/>
             </a:pPr>
-            <a:br>
-              <a:rPr lang="en-US" altLang="ja-JP" dirty="0"/>
-            </a:br>
-            <a:br>
-              <a:rPr lang="en-US" altLang="ja-JP" dirty="0"/>
-            </a:br>
-            <a:br>
-              <a:rPr lang="en-US" altLang="ja-JP" dirty="0"/>
-            </a:br>
-            <a:br>
-              <a:rPr lang="en-US" altLang="ja-JP" sz="2400" dirty="0"/>
-            </a:br>
-            <a:br>
-              <a:rPr lang="en-US" altLang="ja-JP" sz="2400" dirty="0"/>
-            </a:br>
-            <a:endParaRPr lang="en-US" altLang="ja-JP" sz="2400" dirty="0"/>
+            <a:endParaRPr lang="en-US" altLang="ja-JP" dirty="0"/>
           </a:p>
           <a:p>
             <a:pPr marL="0" indent="0">
               <a:buNone/>
             </a:pPr>
-            <a:br>
-              <a:rPr lang="en-US" altLang="ja-JP" sz="2400" dirty="0"/>
-            </a:br>
-            <a:br>
-              <a:rPr lang="en-US" altLang="ja-JP" sz="2400" dirty="0"/>
-            </a:br>
-            <a:endParaRPr lang="en-US" altLang="ja-JP" dirty="0">
-              <a:solidFill>
-                <a:srgbClr val="FF0000"/>
-              </a:solidFill>
-            </a:endParaRPr>
-          </a:p>
-        </p:txBody>
-      </p:sp>
-      <p:sp>
-        <p:nvSpPr>
-          <p:cNvPr id="5" name="テキスト ボックス 4">
-            <a:extLst>
-              <a:ext uri="{FF2B5EF4-FFF2-40B4-BE49-F238E27FC236}">
-                <a16:creationId xmlns:a16="http://schemas.microsoft.com/office/drawing/2014/main" id="{9E32883C-0E37-4F07-9861-27609819CE8C}"/>
-              </a:ext>
-            </a:extLst>
-          </p:cNvPr>
-          <p:cNvSpPr txBox="1"/>
-          <p:nvPr/>
-        </p:nvSpPr>
-        <p:spPr>
-          <a:xfrm>
-            <a:off x="1048254" y="1942532"/>
-            <a:ext cx="10768607" cy="2677656"/>
-          </a:xfrm>
-          <a:prstGeom prst="rect">
-            <a:avLst/>
-          </a:prstGeom>
-          <a:noFill/>
-          <a:ln>
-            <a:solidFill>
-              <a:schemeClr val="tx1"/>
-            </a:solidFill>
-          </a:ln>
-        </p:spPr>
-        <p:txBody>
-          <a:bodyPr wrap="square" rtlCol="0">
-            <a:spAutoFit/>
-          </a:bodyPr>
-          <a:lstStyle/>
-          <a:p>
-            <a:r>
-              <a:rPr kumimoji="1" lang="en-US" altLang="ja-JP" sz="2400" dirty="0"/>
-              <a:t>#include &lt;iostream&gt;</a:t>
-            </a:r>
-          </a:p>
-          <a:p>
-            <a:r>
-              <a:rPr kumimoji="1" lang="en-US" altLang="ja-JP" sz="2400" dirty="0"/>
-              <a:t>using namespace std;</a:t>
-            </a:r>
-          </a:p>
-          <a:p>
-            <a:endParaRPr kumimoji="1" lang="en-US" altLang="ja-JP" sz="2400" dirty="0"/>
-          </a:p>
-          <a:p>
-            <a:r>
-              <a:rPr kumimoji="1" lang="en-US" altLang="ja-JP" sz="2400" dirty="0"/>
-              <a:t>int main(</a:t>
-            </a:r>
-            <a:r>
-              <a:rPr kumimoji="1" lang="en-US" altLang="ja-JP" sz="2400" strike="sngStrike" dirty="0"/>
-              <a:t>int </a:t>
-            </a:r>
-            <a:r>
-              <a:rPr kumimoji="1" lang="en-US" altLang="ja-JP" sz="2400" strike="sngStrike" dirty="0" err="1"/>
-              <a:t>argc</a:t>
-            </a:r>
-            <a:r>
-              <a:rPr kumimoji="1" lang="en-US" altLang="ja-JP" sz="2400" strike="sngStrike" dirty="0"/>
-              <a:t>, char** </a:t>
-            </a:r>
-            <a:r>
-              <a:rPr kumimoji="1" lang="en-US" altLang="ja-JP" sz="2400" strike="sngStrike" dirty="0" err="1"/>
-              <a:t>argv</a:t>
-            </a:r>
-            <a:r>
-              <a:rPr kumimoji="1" lang="en-US" altLang="ja-JP" sz="2400" dirty="0"/>
-              <a:t>) {</a:t>
-            </a:r>
-          </a:p>
-          <a:p>
-            <a:r>
-              <a:rPr kumimoji="1" lang="ja-JP" altLang="en-US" sz="2400" dirty="0"/>
-              <a:t>    </a:t>
-            </a:r>
-            <a:r>
-              <a:rPr kumimoji="1" lang="en-US" altLang="ja-JP" sz="2400" dirty="0" err="1"/>
-              <a:t>cout</a:t>
-            </a:r>
-            <a:r>
-              <a:rPr kumimoji="1" lang="en-US" altLang="ja-JP" sz="2400" dirty="0"/>
-              <a:t> &lt;&lt; “Hello World.” &lt;&lt; </a:t>
-            </a:r>
-            <a:r>
-              <a:rPr kumimoji="1" lang="en-US" altLang="ja-JP" sz="2400" dirty="0" err="1"/>
-              <a:t>endl</a:t>
-            </a:r>
-            <a:r>
-              <a:rPr kumimoji="1" lang="en-US" altLang="ja-JP" sz="2400" dirty="0"/>
-              <a:t>;</a:t>
-            </a:r>
-            <a:r>
-              <a:rPr kumimoji="1" lang="ja-JP" altLang="en-US" sz="2400" dirty="0"/>
-              <a:t>    </a:t>
-            </a:r>
-            <a:endParaRPr kumimoji="1" lang="en-US" altLang="ja-JP" sz="2400" dirty="0"/>
-          </a:p>
-          <a:p>
-            <a:r>
-              <a:rPr kumimoji="1" lang="en-US" altLang="ja-JP" sz="2400" dirty="0"/>
-              <a:t>    return 0;</a:t>
-            </a:r>
-            <a:r>
-              <a:rPr kumimoji="1" lang="ja-JP" altLang="en-US" sz="2400" dirty="0"/>
-              <a:t>　　　　</a:t>
-            </a:r>
-            <a:endParaRPr kumimoji="1" lang="en-US" altLang="ja-JP" sz="2400" dirty="0"/>
-          </a:p>
-          <a:p>
-            <a:r>
-              <a:rPr kumimoji="1" lang="en-US" altLang="ja-JP" sz="2400" dirty="0"/>
-              <a:t>}</a:t>
-            </a:r>
-          </a:p>
-        </p:txBody>
-      </p:sp>
-      <p:sp>
-        <p:nvSpPr>
-          <p:cNvPr id="6" name="テキスト ボックス 5">
-            <a:extLst>
-              <a:ext uri="{FF2B5EF4-FFF2-40B4-BE49-F238E27FC236}">
-                <a16:creationId xmlns:a16="http://schemas.microsoft.com/office/drawing/2014/main" id="{9CA1F6EF-34A6-9328-46AC-4EEA682E85C3}"/>
-              </a:ext>
-            </a:extLst>
-          </p:cNvPr>
-          <p:cNvSpPr txBox="1"/>
-          <p:nvPr/>
-        </p:nvSpPr>
-        <p:spPr>
-          <a:xfrm>
-            <a:off x="5858797" y="2125585"/>
-            <a:ext cx="4663456" cy="954107"/>
-          </a:xfrm>
-          <a:prstGeom prst="rect">
-            <a:avLst/>
-          </a:prstGeom>
-          <a:solidFill>
-            <a:schemeClr val="bg1"/>
-          </a:solidFill>
-          <a:ln w="19050">
-            <a:solidFill>
-              <a:srgbClr val="FF0000"/>
-            </a:solidFill>
-          </a:ln>
-        </p:spPr>
-        <p:txBody>
-          <a:bodyPr wrap="none" rtlCol="0">
-            <a:spAutoFit/>
-          </a:bodyPr>
-          <a:lstStyle/>
-          <a:p>
-            <a:r>
-              <a:rPr kumimoji="1" lang="en-US" altLang="ja-JP" sz="2800" dirty="0"/>
-              <a:t>main</a:t>
-            </a:r>
-            <a:r>
-              <a:rPr kumimoji="1" lang="ja-JP" altLang="en-US" sz="2800" dirty="0"/>
-              <a:t>関数の引数は当分使用</a:t>
-            </a:r>
-            <a:endParaRPr kumimoji="1" lang="en-US" altLang="ja-JP" sz="2800" dirty="0"/>
-          </a:p>
-          <a:p>
-            <a:r>
-              <a:rPr kumimoji="1" lang="ja-JP" altLang="en-US" sz="2800" dirty="0"/>
-              <a:t>しないので引数は省略する</a:t>
-            </a:r>
-          </a:p>
-        </p:txBody>
-      </p:sp>
-      <p:cxnSp>
-        <p:nvCxnSpPr>
-          <p:cNvPr id="7" name="直線コネクタ 6">
-            <a:extLst>
-              <a:ext uri="{FF2B5EF4-FFF2-40B4-BE49-F238E27FC236}">
-                <a16:creationId xmlns:a16="http://schemas.microsoft.com/office/drawing/2014/main" id="{D5789B0A-E2A4-0CB8-2420-CFF297A424F0}"/>
-              </a:ext>
-            </a:extLst>
-          </p:cNvPr>
-          <p:cNvCxnSpPr/>
-          <p:nvPr/>
-        </p:nvCxnSpPr>
-        <p:spPr>
-          <a:xfrm>
-            <a:off x="2836718" y="3262745"/>
-            <a:ext cx="3938155" cy="0"/>
-          </a:xfrm>
-          <a:prstGeom prst="line">
-            <a:avLst/>
-          </a:prstGeom>
-        </p:spPr>
-        <p:style>
-          <a:lnRef idx="1">
-            <a:schemeClr val="accent1"/>
-          </a:lnRef>
-          <a:fillRef idx="0">
-            <a:schemeClr val="accent1"/>
-          </a:fillRef>
-          <a:effectRef idx="0">
-            <a:schemeClr val="accent1"/>
-          </a:effectRef>
-          <a:fontRef idx="minor">
-            <a:schemeClr val="tx1"/>
-          </a:fontRef>
-        </p:style>
-      </p:cxnSp>
+            <a:r>
+              <a:rPr lang="ja-JP" altLang="en-US" dirty="0"/>
+              <a:t>フォルダ構成やファイルの場所はこのようになる</a:t>
+            </a:r>
+            <a:br>
+              <a:rPr lang="en-US" altLang="ja-JP" dirty="0"/>
+            </a:br>
+            <a:r>
+              <a:rPr lang="en-US" altLang="ja-JP" dirty="0"/>
+              <a:t>C:¥GitHub\cpp2025\</a:t>
+            </a:r>
+            <a:r>
+              <a:rPr lang="en-US" altLang="ja-JP" dirty="0">
+                <a:solidFill>
+                  <a:srgbClr val="00B0F0"/>
+                </a:solidFill>
+              </a:rPr>
+              <a:t>Sample201</a:t>
+            </a:r>
+            <a:r>
+              <a:rPr lang="en-US" altLang="ja-JP" dirty="0"/>
+              <a:t>\</a:t>
+            </a:r>
+            <a:r>
+              <a:rPr lang="en-US" altLang="ja-JP" dirty="0">
+                <a:solidFill>
+                  <a:srgbClr val="00B050"/>
+                </a:solidFill>
+              </a:rPr>
+              <a:t>main.cpp</a:t>
+            </a:r>
+            <a:endParaRPr lang="en-US" altLang="ja-JP" dirty="0"/>
+          </a:p>
+        </p:txBody>
+      </p:sp>
     </p:spTree>
     <p:extLst>
       <p:ext uri="{BB962C8B-B14F-4D97-AF65-F5344CB8AC3E}">
-        <p14:creationId xmlns:p14="http://schemas.microsoft.com/office/powerpoint/2010/main" val="2115190363"/>
+        <p14:creationId xmlns:p14="http://schemas.microsoft.com/office/powerpoint/2010/main" val="985874444"/>
       </p:ext>
     </p:extLst>
   </p:cSld>
@@ -5018,19 +4984,7 @@
           <a:p>
             <a:r>
               <a:rPr kumimoji="1" lang="en-US" altLang="ja-JP" sz="2400" dirty="0"/>
-              <a:t>#include &lt;</a:t>
-            </a:r>
-            <a:r>
-              <a:rPr kumimoji="1" lang="en-US" altLang="ja-JP" sz="2400" dirty="0">
-                <a:solidFill>
-                  <a:srgbClr val="FF0000"/>
-                </a:solidFill>
-              </a:rPr>
-              <a:t>iostream</a:t>
-            </a:r>
-            <a:r>
-              <a:rPr kumimoji="1" lang="en-US" altLang="ja-JP" sz="2400" dirty="0"/>
-              <a:t>&gt; </a:t>
+              <a:t>#include &lt;iostream&gt;</a:t>
             </a:r>
           </a:p>
           <a:p>
@@ -5045,7 +4999,23 @@
           <a:p>
             <a:r>
               <a:rPr kumimoji="1" lang="en-US" altLang="ja-JP" sz="2400" dirty="0"/>
-              <a:t>int main() {</a:t>
+              <a:t>int main(int </a:t>
+            </a:r>
+            <a:r>
+              <a:rPr kumimoji="1" lang="en-US" altLang="ja-JP" sz="2400" dirty="0" err="1"/>
+              <a:t>argc</a:t>
+            </a:r>
+            <a:r>
+              <a:rPr kumimoji="1" lang="en-US" altLang="ja-JP" sz="2400" dirty="0"/>
+              <a:t>, char** </a:t>
+            </a:r>
+            <a:r>
+              <a:rPr kumimoji="1" lang="en-US" altLang="ja-JP" sz="2400" dirty="0" err="1"/>
+              <a:t>argv</a:t>
+            </a:r>
+            <a:r>
+              <a:rPr kumimoji="1" lang="en-US" altLang="ja-JP" sz="2400" dirty="0"/>
+              <a:t>) {</a:t>
             </a:r>
           </a:p>
           <a:p>
@@ -5090,59 +5060,6 @@
             <a:r>
               <a:rPr kumimoji="1" lang="en-US" altLang="ja-JP" sz="2400" dirty="0"/>
               <a:t>}</a:t>
-            </a:r>
-          </a:p>
-        </p:txBody>
-      </p:sp>
-      <p:sp>
-        <p:nvSpPr>
-          <p:cNvPr id="4" name="テキスト ボックス 3">
-            <a:extLst>
-              <a:ext uri="{FF2B5EF4-FFF2-40B4-BE49-F238E27FC236}">
-                <a16:creationId xmlns:a16="http://schemas.microsoft.com/office/drawing/2014/main" id="{05B52B40-6336-287D-8C5D-9B262CD0CCBC}"/>
-              </a:ext>
-            </a:extLst>
-          </p:cNvPr>
-          <p:cNvSpPr txBox="1"/>
-          <p:nvPr/>
-        </p:nvSpPr>
-        <p:spPr>
-          <a:xfrm>
-            <a:off x="5014926" y="1554003"/>
-            <a:ext cx="6412333" cy="954107"/>
-          </a:xfrm>
-          <a:prstGeom prst="rect">
-            <a:avLst/>
-          </a:prstGeom>
-          <a:solidFill>
-            <a:schemeClr val="bg1"/>
-          </a:solidFill>
-          <a:ln w="19050">
-            <a:solidFill>
-              <a:srgbClr val="FF0000"/>
-            </a:solidFill>
-          </a:ln>
-        </p:spPr>
-        <p:txBody>
-          <a:bodyPr wrap="none" rtlCol="0">
-            <a:spAutoFit/>
-          </a:bodyPr>
-          <a:lstStyle/>
-          <a:p>
-            <a:r>
-              <a:rPr kumimoji="1" lang="en-US" altLang="ja-JP" sz="2800" dirty="0"/>
-              <a:t>Input/Output</a:t>
-            </a:r>
-            <a:r>
-              <a:rPr kumimoji="1" lang="ja-JP" altLang="en-US" sz="2800" dirty="0"/>
-              <a:t>用インクルードファイル</a:t>
-            </a:r>
-            <a:endParaRPr kumimoji="1" lang="en-US" altLang="ja-JP" sz="2800" dirty="0"/>
-          </a:p>
-          <a:p>
-            <a:r>
-              <a:rPr kumimoji="1" lang="ja-JP" altLang="en-US" sz="2800" dirty="0"/>
-              <a:t>の読み込み</a:t>
             </a:r>
           </a:p>
         </p:txBody>
@@ -5150,7 +5067,7 @@
     </p:spTree>
     <p:extLst>
       <p:ext uri="{BB962C8B-B14F-4D97-AF65-F5344CB8AC3E}">
-        <p14:creationId xmlns:p14="http://schemas.microsoft.com/office/powerpoint/2010/main" val="4092806438"/>
+        <p14:creationId xmlns:p14="http://schemas.microsoft.com/office/powerpoint/2010/main" val="1146918669"/>
       </p:ext>
     </p:extLst>
   </p:cSld>
@@ -5321,31 +5238,7 @@
           <a:p>
             <a:r>
               <a:rPr kumimoji="1" lang="en-US" altLang="ja-JP" sz="2400" dirty="0"/>
-              <a:t>using </a:t>
-            </a:r>
-            <a:r>
-              <a:rPr kumimoji="1" lang="en-US" altLang="ja-JP" sz="2400" dirty="0">
-                <a:solidFill>
-                  <a:srgbClr val="00B0F0"/>
-                </a:solidFill>
-              </a:rPr>
-              <a:t>namespace</a:t>
-            </a:r>
-            <a:r>
-              <a:rPr kumimoji="1" lang="en-US" altLang="ja-JP" sz="2400" dirty="0"/>
-              <a:t> </a:t>
-            </a:r>
-            <a:r>
-              <a:rPr kumimoji="1" lang="en-US" altLang="ja-JP" sz="2400" dirty="0">
-                <a:solidFill>
-                  <a:srgbClr val="FF0000"/>
-                </a:solidFill>
-              </a:rPr>
-              <a:t>std</a:t>
-            </a:r>
-            <a:r>
-              <a:rPr kumimoji="1" lang="en-US" altLang="ja-JP" sz="2400" dirty="0"/>
-              <a:t>;</a:t>
+              <a:t>using namespace std;</a:t>
             </a:r>
           </a:p>
           <a:p>
@@ -5354,7 +5247,27 @@
           <a:p>
             <a:r>
               <a:rPr kumimoji="1" lang="en-US" altLang="ja-JP" sz="2400" dirty="0"/>
-              <a:t>int main() {</a:t>
+              <a:t>int main(</a:t>
+            </a:r>
+            <a:r>
+              <a:rPr kumimoji="1" lang="en-US" altLang="ja-JP" sz="2400" strike="sngStrike" dirty="0"/>
+              <a:t>int </a:t>
+            </a:r>
+            <a:r>
+              <a:rPr kumimoji="1" lang="en-US" altLang="ja-JP" sz="2400" strike="sngStrike" dirty="0" err="1"/>
+              <a:t>argc</a:t>
+            </a:r>
+            <a:r>
+              <a:rPr kumimoji="1" lang="en-US" altLang="ja-JP" sz="2400" strike="sngStrike" dirty="0"/>
+              <a:t>, char** </a:t>
+            </a:r>
+            <a:r>
+              <a:rPr kumimoji="1" lang="en-US" altLang="ja-JP" sz="2400" strike="sngStrike" dirty="0" err="1"/>
+              <a:t>argv</a:t>
+            </a:r>
+            <a:r>
+              <a:rPr kumimoji="1" lang="en-US" altLang="ja-JP" sz="2400" dirty="0"/>
+              <a:t>) {</a:t>
             </a:r>
           </a:p>
           <a:p>
@@ -5405,10 +5318,10 @@
       </p:sp>
       <p:sp>
         <p:nvSpPr>
-          <p:cNvPr id="4" name="テキスト ボックス 3">
+          <p:cNvPr id="6" name="テキスト ボックス 5">
             <a:extLst>
               <a:ext uri="{FF2B5EF4-FFF2-40B4-BE49-F238E27FC236}">
-                <a16:creationId xmlns:a16="http://schemas.microsoft.com/office/drawing/2014/main" id="{3E301F5F-384A-2A63-A843-048432FA6D4B}"/>
+                <a16:creationId xmlns:a16="http://schemas.microsoft.com/office/drawing/2014/main" id="{9CA1F6EF-34A6-9328-46AC-4EEA682E85C3}"/>
               </a:ext>
             </a:extLst>
           </p:cNvPr>
@@ -5417,8 +5330,8 @@
         </p:nvSpPr>
         <p:spPr>
           <a:xfrm>
-            <a:off x="5035708" y="2160489"/>
-            <a:ext cx="4095993" cy="523220"/>
+            <a:off x="5839089" y="1194147"/>
+            <a:ext cx="5304657" cy="1077218"/>
           </a:xfrm>
           <a:prstGeom prst="rect">
             <a:avLst/>
@@ -5439,32 +5352,155 @@
           <a:lstStyle/>
           <a:p>
             <a:r>
-              <a:rPr kumimoji="1" lang="ja-JP" altLang="en-US" sz="2800" dirty="0">
-                <a:solidFill>
-                  <a:srgbClr val="FF0000"/>
-                </a:solidFill>
-              </a:rPr>
-              <a:t>標準</a:t>
-            </a:r>
-            <a:r>
-              <a:rPr kumimoji="1" lang="ja-JP" altLang="en-US" sz="2800" dirty="0">
-                <a:solidFill>
-                  <a:srgbClr val="00B0F0"/>
-                </a:solidFill>
-              </a:rPr>
-              <a:t>名前空間</a:t>
-            </a:r>
-            <a:r>
-              <a:rPr kumimoji="1" lang="ja-JP" altLang="en-US" sz="2800" dirty="0"/>
-              <a:t>を利用する</a:t>
-            </a:r>
+              <a:rPr kumimoji="1" lang="en-US" altLang="ja-JP" sz="3200" dirty="0"/>
+              <a:t>main</a:t>
+            </a:r>
+            <a:r>
+              <a:rPr kumimoji="1" lang="ja-JP" altLang="en-US" sz="3200" dirty="0"/>
+              <a:t>関数の引数は当分使用</a:t>
+            </a:r>
+            <a:endParaRPr kumimoji="1" lang="en-US" altLang="ja-JP" sz="3200" dirty="0"/>
+          </a:p>
+          <a:p>
+            <a:r>
+              <a:rPr kumimoji="1" lang="ja-JP" altLang="en-US" sz="3200" dirty="0"/>
+              <a:t>しないので引数は省略する</a:t>
+            </a:r>
+          </a:p>
+        </p:txBody>
+      </p:sp>
+      <p:cxnSp>
+        <p:nvCxnSpPr>
+          <p:cNvPr id="7" name="直線コネクタ 6">
+            <a:extLst>
+              <a:ext uri="{FF2B5EF4-FFF2-40B4-BE49-F238E27FC236}">
+                <a16:creationId xmlns:a16="http://schemas.microsoft.com/office/drawing/2014/main" id="{D5789B0A-E2A4-0CB8-2420-CFF297A424F0}"/>
+              </a:ext>
+            </a:extLst>
+          </p:cNvPr>
+          <p:cNvCxnSpPr/>
+          <p:nvPr/>
+        </p:nvCxnSpPr>
+        <p:spPr>
+          <a:xfrm>
+            <a:off x="2836718" y="3262745"/>
+            <a:ext cx="3938155" cy="0"/>
+          </a:xfrm>
+          <a:prstGeom prst="line">
+            <a:avLst/>
+          </a:prstGeom>
+          <a:ln w="19050">
+            <a:solidFill>
+              <a:schemeClr val="tx1"/>
+            </a:solidFill>
+          </a:ln>
+        </p:spPr>
+        <p:style>
+          <a:lnRef idx="1">
+            <a:schemeClr val="accent1"/>
+          </a:lnRef>
+          <a:fillRef idx="0">
+            <a:schemeClr val="accent1"/>
+          </a:fillRef>
+          <a:effectRef idx="0">
+            <a:schemeClr val="accent1"/>
+          </a:effectRef>
+          <a:fontRef idx="minor">
+            <a:schemeClr val="tx1"/>
+          </a:fontRef>
+        </p:style>
+      </p:cxnSp>
+      <p:cxnSp>
+        <p:nvCxnSpPr>
+          <p:cNvPr id="8" name="直線コネクタ 7">
+            <a:extLst>
+              <a:ext uri="{FF2B5EF4-FFF2-40B4-BE49-F238E27FC236}">
+                <a16:creationId xmlns:a16="http://schemas.microsoft.com/office/drawing/2014/main" id="{01E88675-5C0B-4037-8DC7-46CD1777CDA8}"/>
+              </a:ext>
+            </a:extLst>
+          </p:cNvPr>
+          <p:cNvCxnSpPr/>
+          <p:nvPr/>
+        </p:nvCxnSpPr>
+        <p:spPr>
+          <a:xfrm>
+            <a:off x="2812473" y="3293917"/>
+            <a:ext cx="3938155" cy="0"/>
+          </a:xfrm>
+          <a:prstGeom prst="line">
+            <a:avLst/>
+          </a:prstGeom>
+          <a:ln w="19050">
+            <a:solidFill>
+              <a:schemeClr val="tx1"/>
+            </a:solidFill>
+          </a:ln>
+        </p:spPr>
+        <p:style>
+          <a:lnRef idx="1">
+            <a:schemeClr val="accent1"/>
+          </a:lnRef>
+          <a:fillRef idx="0">
+            <a:schemeClr val="accent1"/>
+          </a:fillRef>
+          <a:effectRef idx="0">
+            <a:schemeClr val="accent1"/>
+          </a:effectRef>
+          <a:fontRef idx="minor">
+            <a:schemeClr val="tx1"/>
+          </a:fontRef>
+        </p:style>
+      </p:cxnSp>
+      <p:sp>
+        <p:nvSpPr>
+          <p:cNvPr id="4" name="矢印: 下 3">
+            <a:extLst>
+              <a:ext uri="{FF2B5EF4-FFF2-40B4-BE49-F238E27FC236}">
+                <a16:creationId xmlns:a16="http://schemas.microsoft.com/office/drawing/2014/main" id="{5D113D26-2340-4B3D-9A46-DBF84B13B4BD}"/>
+              </a:ext>
+            </a:extLst>
+          </p:cNvPr>
+          <p:cNvSpPr/>
+          <p:nvPr/>
+        </p:nvSpPr>
+        <p:spPr>
+          <a:xfrm rot="1872037">
+            <a:off x="5654890" y="2408469"/>
+            <a:ext cx="457200" cy="717174"/>
+          </a:xfrm>
+          <a:prstGeom prst="downArrow">
+            <a:avLst/>
+          </a:prstGeom>
+        </p:spPr>
+        <p:style>
+          <a:lnRef idx="2">
+            <a:schemeClr val="accent1">
+              <a:shade val="50000"/>
+            </a:schemeClr>
+          </a:lnRef>
+          <a:fillRef idx="1">
+            <a:schemeClr val="accent1"/>
+          </a:fillRef>
+          <a:effectRef idx="0">
+            <a:schemeClr val="accent1"/>
+          </a:effectRef>
+          <a:fontRef idx="minor">
+            <a:schemeClr val="lt1"/>
+          </a:fontRef>
+        </p:style>
+        <p:txBody>
+          <a:bodyPr rtlCol="0" anchor="ctr"/>
+          <a:lstStyle/>
+          <a:p>
+            <a:pPr algn="ctr"/>
+            <a:endParaRPr kumimoji="1" lang="ja-JP" altLang="en-US"/>
           </a:p>
         </p:txBody>
       </p:sp>
     </p:spTree>
     <p:extLst>
       <p:ext uri="{BB962C8B-B14F-4D97-AF65-F5344CB8AC3E}">
-        <p14:creationId xmlns:p14="http://schemas.microsoft.com/office/powerpoint/2010/main" val="554936771"/>
+        <p14:creationId xmlns:p14="http://schemas.microsoft.com/office/powerpoint/2010/main" val="2115190363"/>
       </p:ext>
     </p:extLst>
   </p:cSld>
@@ -5550,34 +5586,6 @@
               <a:rPr kumimoji="1" lang="en-US" altLang="ja-JP" dirty="0"/>
               <a:t>main.cpp</a:t>
             </a:r>
-            <a:r>
-              <a:rPr kumimoji="1" lang="ja-JP" altLang="en-US" dirty="0"/>
-              <a:t>（</a:t>
-            </a:r>
-            <a:r>
-              <a:rPr kumimoji="1" lang="en-US" altLang="ja-JP" sz="3200" dirty="0"/>
-              <a:t>using namespace</a:t>
-            </a:r>
-            <a:r>
-              <a:rPr kumimoji="1" lang="ja-JP" altLang="en-US" sz="3200" dirty="0"/>
-              <a:t>を</a:t>
-            </a:r>
-            <a:r>
-              <a:rPr kumimoji="1" lang="ja-JP" altLang="en-US" sz="3200" dirty="0">
-                <a:solidFill>
-                  <a:srgbClr val="FF0000"/>
-                </a:solidFill>
-              </a:rPr>
-              <a:t>使用しない</a:t>
-            </a:r>
-            <a:r>
-              <a:rPr kumimoji="1" lang="ja-JP" altLang="en-US" sz="3200" dirty="0"/>
-              <a:t>場合</a:t>
-            </a:r>
-            <a:r>
-              <a:rPr kumimoji="1" lang="ja-JP" altLang="en-US" dirty="0"/>
-              <a:t>）</a:t>
-            </a:r>
             <a:br>
               <a:rPr lang="en-US" altLang="ja-JP" dirty="0"/>
             </a:br>
@@ -5637,7 +5645,7 @@
         <p:spPr>
           <a:xfrm>
             <a:off x="1048254" y="1942532"/>
-            <a:ext cx="10768607" cy="2308324"/>
+            <a:ext cx="10768607" cy="2677656"/>
           </a:xfrm>
           <a:prstGeom prst="rect">
             <a:avLst/>
@@ -5657,7 +5665,25 @@
           <a:p>
             <a:r>
               <a:rPr kumimoji="1" lang="en-US" altLang="ja-JP" sz="2400" dirty="0"/>
-              <a:t>#include &lt;iostream&gt;</a:t>
+              <a:t>#include &lt;</a:t>
+            </a:r>
+            <a:r>
+              <a:rPr kumimoji="1" lang="en-US" altLang="ja-JP" sz="2400" dirty="0">
+                <a:solidFill>
+                  <a:srgbClr val="FF0000"/>
+                </a:solidFill>
+              </a:rPr>
+              <a:t>iostream</a:t>
+            </a:r>
+            <a:r>
+              <a:rPr kumimoji="1" lang="en-US" altLang="ja-JP" sz="2400" dirty="0"/>
+              <a:t>&gt; </a:t>
+            </a:r>
+          </a:p>
+          <a:p>
+            <a:r>
+              <a:rPr kumimoji="1" lang="en-US" altLang="ja-JP" sz="2400" dirty="0"/>
+              <a:t>using namespace std;</a:t>
             </a:r>
           </a:p>
           <a:p>
@@ -5675,14 +5701,6 @@
               <a:t>    </a:t>
             </a:r>
             <a:r>
-              <a:rPr kumimoji="1" lang="en-US" altLang="ja-JP" sz="2400" dirty="0">
-                <a:solidFill>
-                  <a:srgbClr val="FF0000"/>
-                </a:solidFill>
-              </a:rPr>
-              <a:t>std::</a:t>
-            </a:r>
-            <a:r>
               <a:rPr kumimoji="1" lang="en-US" altLang="ja-JP" sz="2400" dirty="0" err="1"/>
               <a:t>cout</a:t>
             </a:r>
@@ -5691,14 +5709,6 @@
               <a:t> &lt;&lt; “Hello World.” &lt;&lt; </a:t>
             </a:r>
             <a:r>
-              <a:rPr kumimoji="1" lang="en-US" altLang="ja-JP" sz="2400" dirty="0">
-                <a:solidFill>
-                  <a:srgbClr val="FF0000"/>
-                </a:solidFill>
-              </a:rPr>
-              <a:t>std::</a:t>
-            </a:r>
-            <a:r>
               <a:rPr kumimoji="1" lang="en-US" altLang="ja-JP" sz="2400" dirty="0" err="1"/>
               <a:t>endl</a:t>
             </a:r>
@@ -5733,10 +5743,10 @@
       </p:sp>
       <p:sp>
         <p:nvSpPr>
-          <p:cNvPr id="6" name="テキスト ボックス 5">
+          <p:cNvPr id="4" name="テキスト ボックス 3">
             <a:extLst>
               <a:ext uri="{FF2B5EF4-FFF2-40B4-BE49-F238E27FC236}">
-                <a16:creationId xmlns:a16="http://schemas.microsoft.com/office/drawing/2014/main" id="{B1660340-801D-1FA9-872A-2E60E2A506D3}"/>
+                <a16:creationId xmlns:a16="http://schemas.microsoft.com/office/drawing/2014/main" id="{05B52B40-6336-287D-8C5D-9B262CD0CCBC}"/>
               </a:ext>
             </a:extLst>
           </p:cNvPr>
@@ -5745,8 +5755,8 @@
         </p:nvSpPr>
         <p:spPr>
           <a:xfrm>
-            <a:off x="4257152" y="3771420"/>
-            <a:ext cx="4796506" cy="1384995"/>
+            <a:off x="5014926" y="1554003"/>
+            <a:ext cx="6412333" cy="954107"/>
           </a:xfrm>
           <a:prstGeom prst="rect">
             <a:avLst/>
@@ -5767,55 +5777,27 @@
           <a:lstStyle/>
           <a:p>
             <a:r>
+              <a:rPr kumimoji="1" lang="en-US" altLang="ja-JP" sz="2800" dirty="0"/>
+              <a:t>Input/Output</a:t>
+            </a:r>
+            <a:r>
               <a:rPr kumimoji="1" lang="ja-JP" altLang="en-US" sz="2800" dirty="0"/>
-              <a:t>標準名前空間で定義されて</a:t>
+              <a:t>用インクルードファイル</a:t>
             </a:r>
             <a:endParaRPr kumimoji="1" lang="en-US" altLang="ja-JP" sz="2800" dirty="0"/>
           </a:p>
           <a:p>
             <a:r>
               <a:rPr kumimoji="1" lang="ja-JP" altLang="en-US" sz="2800" dirty="0"/>
-              <a:t>いる命令等を利用する場合は</a:t>
-            </a:r>
-            <a:endParaRPr kumimoji="1" lang="en-US" altLang="ja-JP" sz="2800" dirty="0"/>
-          </a:p>
-          <a:p>
-            <a:r>
-              <a:rPr kumimoji="1" lang="en-US" altLang="ja-JP" sz="2800" dirty="0">
-                <a:solidFill>
-                  <a:srgbClr val="FF0000"/>
-                </a:solidFill>
-              </a:rPr>
-              <a:t>【</a:t>
-            </a:r>
-            <a:r>
-              <a:rPr kumimoji="1" lang="ja-JP" altLang="en-US" sz="2800" dirty="0">
-                <a:solidFill>
-                  <a:srgbClr val="FF0000"/>
-                </a:solidFill>
-              </a:rPr>
-              <a:t>名前空間：：</a:t>
-            </a:r>
-            <a:r>
-              <a:rPr kumimoji="1" lang="en-US" altLang="ja-JP" sz="2800" dirty="0">
-                <a:solidFill>
-                  <a:srgbClr val="FF0000"/>
-                </a:solidFill>
-              </a:rPr>
-              <a:t>】</a:t>
-            </a:r>
-            <a:r>
-              <a:rPr kumimoji="1" lang="ja-JP" altLang="en-US" sz="2800" dirty="0"/>
-              <a:t>を書く必要あり</a:t>
-            </a:r>
-            <a:endParaRPr kumimoji="1" lang="en-US" altLang="ja-JP" sz="2800" dirty="0"/>
+              <a:t>の読み込み</a:t>
+            </a:r>
           </a:p>
         </p:txBody>
       </p:sp>
     </p:spTree>
     <p:extLst>
       <p:ext uri="{BB962C8B-B14F-4D97-AF65-F5344CB8AC3E}">
-        <p14:creationId xmlns:p14="http://schemas.microsoft.com/office/powerpoint/2010/main" val="2219674303"/>
+        <p14:creationId xmlns:p14="http://schemas.microsoft.com/office/powerpoint/2010/main" val="4092806438"/>
       </p:ext>
     </p:extLst>
   </p:cSld>
@@ -5986,7 +5968,31 @@
           <a:p>
             <a:r>
               <a:rPr kumimoji="1" lang="en-US" altLang="ja-JP" sz="2400" dirty="0"/>
-              <a:t>using namespace std;</a:t>
+              <a:t>using </a:t>
+            </a:r>
+            <a:r>
+              <a:rPr kumimoji="1" lang="en-US" altLang="ja-JP" sz="2400" dirty="0">
+                <a:solidFill>
+                  <a:srgbClr val="00B0F0"/>
+                </a:solidFill>
+              </a:rPr>
+              <a:t>namespace</a:t>
+            </a:r>
+            <a:r>
+              <a:rPr kumimoji="1" lang="en-US" altLang="ja-JP" sz="2400" dirty="0"/>
+              <a:t> </a:t>
+            </a:r>
+            <a:r>
+              <a:rPr kumimoji="1" lang="en-US" altLang="ja-JP" sz="2400" dirty="0">
+                <a:solidFill>
+                  <a:srgbClr val="FF0000"/>
+                </a:solidFill>
+              </a:rPr>
+              <a:t>std</a:t>
+            </a:r>
+            <a:r>
+              <a:rPr kumimoji="1" lang="en-US" altLang="ja-JP" sz="2400" dirty="0"/>
+              <a:t>;</a:t>
             </a:r>
           </a:p>
           <a:p>
@@ -6004,11 +6010,7 @@
               <a:t>    </a:t>
             </a:r>
             <a:r>
-              <a:rPr kumimoji="1" lang="en-US" altLang="ja-JP" sz="2400" dirty="0" err="1">
-                <a:solidFill>
-                  <a:srgbClr val="FF0000"/>
-                </a:solidFill>
-              </a:rPr>
+              <a:rPr kumimoji="1" lang="en-US" altLang="ja-JP" sz="2400" dirty="0" err="1"/>
               <a:t>cout</a:t>
             </a:r>
             <a:r>
@@ -6016,11 +6018,7 @@
               <a:t> &lt;&lt; “Hello World.” &lt;&lt; </a:t>
             </a:r>
             <a:r>
-              <a:rPr kumimoji="1" lang="en-US" altLang="ja-JP" sz="2400" dirty="0" err="1">
-                <a:solidFill>
-                  <a:srgbClr val="FF0000"/>
-                </a:solidFill>
-              </a:rPr>
+              <a:rPr kumimoji="1" lang="en-US" altLang="ja-JP" sz="2400" dirty="0" err="1"/>
               <a:t>endl</a:t>
             </a:r>
             <a:r>
@@ -6057,7 +6055,7 @@
           <p:cNvPr id="4" name="テキスト ボックス 3">
             <a:extLst>
               <a:ext uri="{FF2B5EF4-FFF2-40B4-BE49-F238E27FC236}">
-                <a16:creationId xmlns:a16="http://schemas.microsoft.com/office/drawing/2014/main" id="{EFEFF581-A511-C134-78ED-11278F8C9B33}"/>
+                <a16:creationId xmlns:a16="http://schemas.microsoft.com/office/drawing/2014/main" id="{3E301F5F-384A-2A63-A843-048432FA6D4B}"/>
               </a:ext>
             </a:extLst>
           </p:cNvPr>
@@ -6066,8 +6064,8 @@
         </p:nvSpPr>
         <p:spPr>
           <a:xfrm>
-            <a:off x="3372897" y="4384369"/>
-            <a:ext cx="5556329" cy="954107"/>
+            <a:off x="5035708" y="2160489"/>
+            <a:ext cx="4095993" cy="523220"/>
           </a:xfrm>
           <a:prstGeom prst="rect">
             <a:avLst/>
@@ -6088,52 +6086,32 @@
           <a:lstStyle/>
           <a:p>
             <a:r>
-              <a:rPr kumimoji="1" lang="en-US" altLang="ja-JP" sz="2800" b="1" dirty="0" err="1">
+              <a:rPr kumimoji="1" lang="ja-JP" altLang="en-US" sz="2800" dirty="0">
                 <a:solidFill>
                   <a:srgbClr val="FF0000"/>
                 </a:solidFill>
               </a:rPr>
-              <a:t>cout</a:t>
+              <a:t>標準</a:t>
+            </a:r>
+            <a:r>
+              <a:rPr kumimoji="1" lang="ja-JP" altLang="en-US" sz="2800" dirty="0">
+                <a:solidFill>
+                  <a:srgbClr val="00B0F0"/>
+                </a:solidFill>
+              </a:rPr>
+              <a:t>名前空間</a:t>
             </a:r>
             <a:r>
               <a:rPr kumimoji="1" lang="ja-JP" altLang="en-US" sz="2800" dirty="0"/>
-              <a:t> はコンソール画面への出力</a:t>
-            </a:r>
-            <a:endParaRPr kumimoji="1" lang="en-US" altLang="ja-JP" sz="2800" dirty="0"/>
-          </a:p>
-          <a:p>
-            <a:r>
-              <a:rPr kumimoji="1" lang="en-US" altLang="ja-JP" sz="2800" b="1" dirty="0" err="1">
-                <a:solidFill>
-                  <a:srgbClr val="FF0000"/>
-                </a:solidFill>
-              </a:rPr>
-              <a:t>endl</a:t>
-            </a:r>
-            <a:r>
-              <a:rPr kumimoji="1" lang="en-US" altLang="ja-JP" sz="2800" dirty="0"/>
-              <a:t> </a:t>
-            </a:r>
-            <a:r>
-              <a:rPr kumimoji="1" lang="ja-JP" altLang="en-US" sz="2800" dirty="0"/>
-              <a:t>は改行（</a:t>
-            </a:r>
-            <a:r>
-              <a:rPr kumimoji="1" lang="en-US" altLang="ja-JP" sz="2800" dirty="0"/>
-              <a:t>”\n”</a:t>
-            </a:r>
-            <a:r>
-              <a:rPr kumimoji="1" lang="ja-JP" altLang="en-US" sz="2800" dirty="0"/>
-              <a:t>で代用可）</a:t>
-            </a:r>
-            <a:endParaRPr kumimoji="1" lang="en-US" altLang="ja-JP" sz="2800" dirty="0"/>
+              <a:t>を利用する</a:t>
+            </a:r>
           </a:p>
         </p:txBody>
       </p:sp>
     </p:spTree>
     <p:extLst>
       <p:ext uri="{BB962C8B-B14F-4D97-AF65-F5344CB8AC3E}">
-        <p14:creationId xmlns:p14="http://schemas.microsoft.com/office/powerpoint/2010/main" val="134303883"/>
+        <p14:creationId xmlns:p14="http://schemas.microsoft.com/office/powerpoint/2010/main" val="554936771"/>
       </p:ext>
     </p:extLst>
   </p:cSld>
@@ -6225,7 +6203,11 @@
           <a:lstStyle/>
           <a:p>
             <a:r>
-              <a:rPr kumimoji="1" lang="ja-JP" altLang="en-US" b="1" dirty="0"/>
+              <a:rPr kumimoji="1" lang="ja-JP" altLang="en-US" b="1" dirty="0">
+                <a:solidFill>
+                  <a:srgbClr val="00B050"/>
+                </a:solidFill>
+              </a:rPr>
               <a:t>名前空間の概念</a:t>
             </a:r>
             <a:br>
@@ -6245,7 +6227,7 @@
             <a:r>
               <a:rPr lang="en-US" altLang="ja-JP" b="1" dirty="0">
                 <a:solidFill>
-                  <a:srgbClr val="00B050"/>
+                  <a:srgbClr val="FF0000"/>
                 </a:solidFill>
               </a:rPr>
               <a:t>std</a:t>
@@ -6257,7 +6239,7 @@
             <a:r>
               <a:rPr lang="ja-JP" altLang="en-US" b="1" dirty="0">
                 <a:solidFill>
-                  <a:srgbClr val="00B050"/>
+                  <a:srgbClr val="FF0000"/>
                 </a:solidFill>
               </a:rPr>
               <a:t>標準名前空間</a:t>
@@ -6280,16 +6262,32 @@
               <a:rPr lang="en-US" altLang="ja-JP" dirty="0"/>
             </a:br>
             <a:r>
-              <a:rPr lang="en-US" altLang="ja-JP" b="1" dirty="0"/>
+              <a:rPr lang="en-US" altLang="ja-JP" b="1" dirty="0">
+                <a:solidFill>
+                  <a:srgbClr val="00B050"/>
+                </a:solidFill>
+              </a:rPr>
               <a:t>namespace</a:t>
             </a:r>
             <a:r>
-              <a:rPr lang="en-US" altLang="ja-JP" dirty="0"/>
+              <a:rPr lang="en-US" altLang="ja-JP" dirty="0">
+                <a:solidFill>
+                  <a:srgbClr val="00B050"/>
+                </a:solidFill>
+              </a:rPr>
               <a:t> </a:t>
             </a:r>
             <a:r>
+              <a:rPr lang="ja-JP" altLang="en-US" dirty="0">
+                <a:solidFill>
+                  <a:srgbClr val="00B050"/>
+                </a:solidFill>
+              </a:rPr>
+              <a:t>〇〇</a:t>
+            </a:r>
+            <a:r>
               <a:rPr lang="ja-JP" altLang="en-US" dirty="0"/>
-              <a:t>〇〇というように名前空間を自分で</a:t>
+              <a:t>というように名前空間を自分で</a:t>
             </a:r>
             <a:br>
               <a:rPr lang="en-US" altLang="ja-JP" dirty="0"/>
@@ -6337,6 +6335,1519 @@
           <p:cNvPr id="2" name="タイトル 1">
             <a:extLst>
               <a:ext uri="{FF2B5EF4-FFF2-40B4-BE49-F238E27FC236}">
+                <a16:creationId xmlns:a16="http://schemas.microsoft.com/office/drawing/2014/main" id="{F11F3668-F205-48C5-AC01-19611EFE561B}"/>
+              </a:ext>
+            </a:extLst>
+          </p:cNvPr>
+          <p:cNvSpPr>
+            <a:spLocks noGrp="1"/>
+          </p:cNvSpPr>
+          <p:nvPr>
+            <p:ph type="title"/>
+          </p:nvPr>
+        </p:nvSpPr>
+        <p:spPr/>
+        <p:txBody>
+          <a:bodyPr/>
+          <a:lstStyle/>
+          <a:p>
+            <a:r>
+              <a:rPr kumimoji="1" lang="en-US" altLang="ja-JP" dirty="0"/>
+              <a:t>C++</a:t>
+            </a:r>
+            <a:r>
+              <a:rPr kumimoji="1" lang="ja-JP" altLang="en-US" dirty="0"/>
+              <a:t>のための準備</a:t>
+            </a:r>
+          </a:p>
+        </p:txBody>
+      </p:sp>
+      <p:sp>
+        <p:nvSpPr>
+          <p:cNvPr id="3" name="コンテンツ プレースホルダー 2">
+            <a:extLst>
+              <a:ext uri="{FF2B5EF4-FFF2-40B4-BE49-F238E27FC236}">
+                <a16:creationId xmlns:a16="http://schemas.microsoft.com/office/drawing/2014/main" id="{64DBE417-57E9-44A6-BB52-B2F9986BB7B2}"/>
+              </a:ext>
+            </a:extLst>
+          </p:cNvPr>
+          <p:cNvSpPr>
+            <a:spLocks noGrp="1"/>
+          </p:cNvSpPr>
+          <p:nvPr>
+            <p:ph idx="1"/>
+          </p:nvPr>
+        </p:nvSpPr>
+        <p:spPr/>
+        <p:txBody>
+          <a:bodyPr>
+            <a:normAutofit/>
+          </a:bodyPr>
+          <a:lstStyle/>
+          <a:p>
+            <a:r>
+              <a:rPr kumimoji="1" lang="en-US" altLang="ja-JP" dirty="0"/>
+              <a:t>main.cpp</a:t>
+            </a:r>
+            <a:r>
+              <a:rPr kumimoji="1" lang="ja-JP" altLang="en-US" dirty="0"/>
+              <a:t>（</a:t>
+            </a:r>
+            <a:r>
+              <a:rPr kumimoji="1" lang="en-US" altLang="ja-JP" sz="3200" dirty="0"/>
+              <a:t>using namespace</a:t>
+            </a:r>
+            <a:r>
+              <a:rPr kumimoji="1" lang="ja-JP" altLang="en-US" sz="3200" dirty="0"/>
+              <a:t>を</a:t>
+            </a:r>
+            <a:r>
+              <a:rPr kumimoji="1" lang="ja-JP" altLang="en-US" sz="3200" dirty="0">
+                <a:solidFill>
+                  <a:srgbClr val="FF0000"/>
+                </a:solidFill>
+              </a:rPr>
+              <a:t>使用しない</a:t>
+            </a:r>
+            <a:r>
+              <a:rPr kumimoji="1" lang="ja-JP" altLang="en-US" sz="3200" dirty="0"/>
+              <a:t>場合</a:t>
+            </a:r>
+            <a:r>
+              <a:rPr kumimoji="1" lang="ja-JP" altLang="en-US" dirty="0"/>
+              <a:t>）</a:t>
+            </a:r>
+            <a:br>
+              <a:rPr lang="en-US" altLang="ja-JP" dirty="0"/>
+            </a:br>
+            <a:endParaRPr lang="en-US" altLang="ja-JP" dirty="0"/>
+          </a:p>
+          <a:p>
+            <a:pPr marL="0" indent="0">
+              <a:buNone/>
+            </a:pPr>
+            <a:br>
+              <a:rPr lang="en-US" altLang="ja-JP" dirty="0"/>
+            </a:br>
+            <a:br>
+              <a:rPr lang="en-US" altLang="ja-JP" dirty="0"/>
+            </a:br>
+            <a:br>
+              <a:rPr lang="en-US" altLang="ja-JP" dirty="0"/>
+            </a:br>
+            <a:br>
+              <a:rPr lang="en-US" altLang="ja-JP" sz="2400" dirty="0"/>
+            </a:br>
+            <a:br>
+              <a:rPr lang="en-US" altLang="ja-JP" sz="2400" dirty="0"/>
+            </a:br>
+            <a:endParaRPr lang="en-US" altLang="ja-JP" sz="2400" dirty="0"/>
+          </a:p>
+          <a:p>
+            <a:pPr marL="0" indent="0">
+              <a:buNone/>
+            </a:pPr>
+            <a:br>
+              <a:rPr lang="en-US" altLang="ja-JP" sz="2400" dirty="0"/>
+            </a:br>
+            <a:br>
+              <a:rPr lang="en-US" altLang="ja-JP" sz="2400" dirty="0"/>
+            </a:br>
+            <a:endParaRPr lang="en-US" altLang="ja-JP" dirty="0">
+              <a:solidFill>
+                <a:srgbClr val="FF0000"/>
+              </a:solidFill>
+            </a:endParaRPr>
+          </a:p>
+        </p:txBody>
+      </p:sp>
+      <p:sp>
+        <p:nvSpPr>
+          <p:cNvPr id="5" name="テキスト ボックス 4">
+            <a:extLst>
+              <a:ext uri="{FF2B5EF4-FFF2-40B4-BE49-F238E27FC236}">
+                <a16:creationId xmlns:a16="http://schemas.microsoft.com/office/drawing/2014/main" id="{9E32883C-0E37-4F07-9861-27609819CE8C}"/>
+              </a:ext>
+            </a:extLst>
+          </p:cNvPr>
+          <p:cNvSpPr txBox="1"/>
+          <p:nvPr/>
+        </p:nvSpPr>
+        <p:spPr>
+          <a:xfrm>
+            <a:off x="1048254" y="1942532"/>
+            <a:ext cx="10768607" cy="2308324"/>
+          </a:xfrm>
+          <a:prstGeom prst="rect">
+            <a:avLst/>
+          </a:prstGeom>
+          <a:noFill/>
+          <a:ln>
+            <a:solidFill>
+              <a:schemeClr val="tx1"/>
+            </a:solidFill>
+          </a:ln>
+        </p:spPr>
+        <p:txBody>
+          <a:bodyPr wrap="square" rtlCol="0">
+            <a:spAutoFit/>
+          </a:bodyPr>
+          <a:lstStyle/>
+          <a:p>
+            <a:r>
+              <a:rPr kumimoji="1" lang="en-US" altLang="ja-JP" sz="2400" dirty="0"/>
+              <a:t>#include &lt;iostream&gt;</a:t>
+            </a:r>
+          </a:p>
+          <a:p>
+            <a:endParaRPr kumimoji="1" lang="en-US" altLang="ja-JP" sz="2400" dirty="0"/>
+          </a:p>
+          <a:p>
+            <a:r>
+              <a:rPr kumimoji="1" lang="en-US" altLang="ja-JP" sz="2400" dirty="0"/>
+              <a:t>int main() {</a:t>
+            </a:r>
+          </a:p>
+          <a:p>
+            <a:r>
+              <a:rPr kumimoji="1" lang="ja-JP" altLang="en-US" sz="2400" dirty="0"/>
+              <a:t>    </a:t>
+            </a:r>
+            <a:r>
+              <a:rPr kumimoji="1" lang="en-US" altLang="ja-JP" sz="2400" dirty="0">
+                <a:solidFill>
+                  <a:srgbClr val="FF0000"/>
+                </a:solidFill>
+              </a:rPr>
+              <a:t>std::</a:t>
+            </a:r>
+            <a:r>
+              <a:rPr kumimoji="1" lang="en-US" altLang="ja-JP" sz="2400" dirty="0" err="1"/>
+              <a:t>cout</a:t>
+            </a:r>
+            <a:r>
+              <a:rPr kumimoji="1" lang="en-US" altLang="ja-JP" sz="2400" dirty="0"/>
+              <a:t> &lt;&lt; “Hello World.” &lt;&lt; </a:t>
+            </a:r>
+            <a:r>
+              <a:rPr kumimoji="1" lang="en-US" altLang="ja-JP" sz="2400" dirty="0">
+                <a:solidFill>
+                  <a:srgbClr val="FF0000"/>
+                </a:solidFill>
+              </a:rPr>
+              <a:t>std::</a:t>
+            </a:r>
+            <a:r>
+              <a:rPr kumimoji="1" lang="en-US" altLang="ja-JP" sz="2400" dirty="0" err="1"/>
+              <a:t>endl</a:t>
+            </a:r>
+            <a:r>
+              <a:rPr kumimoji="1" lang="en-US" altLang="ja-JP" sz="2400" dirty="0"/>
+              <a:t>;</a:t>
+            </a:r>
+            <a:r>
+              <a:rPr kumimoji="1" lang="ja-JP" altLang="en-US" sz="2400" dirty="0"/>
+              <a:t>    </a:t>
+            </a:r>
+            <a:endParaRPr kumimoji="1" lang="en-US" altLang="ja-JP" sz="2400" dirty="0"/>
+          </a:p>
+          <a:p>
+            <a:r>
+              <a:rPr kumimoji="1" lang="en-US" altLang="ja-JP" sz="2400" dirty="0"/>
+              <a:t>    return 0;</a:t>
+            </a:r>
+            <a:r>
+              <a:rPr kumimoji="1" lang="ja-JP" altLang="en-US" sz="2400" dirty="0"/>
+              <a:t>　　　　</a:t>
+            </a:r>
+            <a:endParaRPr kumimoji="1" lang="en-US" altLang="ja-JP" sz="2400" dirty="0"/>
+          </a:p>
+          <a:p>
+            <a:r>
+              <a:rPr kumimoji="1" lang="en-US" altLang="ja-JP" sz="2400" dirty="0"/>
+              <a:t>}</a:t>
+            </a:r>
+          </a:p>
+        </p:txBody>
+      </p:sp>
+      <p:sp>
+        <p:nvSpPr>
+          <p:cNvPr id="6" name="テキスト ボックス 5">
+            <a:extLst>
+              <a:ext uri="{FF2B5EF4-FFF2-40B4-BE49-F238E27FC236}">
+                <a16:creationId xmlns:a16="http://schemas.microsoft.com/office/drawing/2014/main" id="{B1660340-801D-1FA9-872A-2E60E2A506D3}"/>
+              </a:ext>
+            </a:extLst>
+          </p:cNvPr>
+          <p:cNvSpPr txBox="1"/>
+          <p:nvPr/>
+        </p:nvSpPr>
+        <p:spPr>
+          <a:xfrm>
+            <a:off x="4257152" y="3771420"/>
+            <a:ext cx="4796506" cy="1384995"/>
+          </a:xfrm>
+          <a:prstGeom prst="rect">
+            <a:avLst/>
+          </a:prstGeom>
+          <a:solidFill>
+            <a:schemeClr val="bg1"/>
+          </a:solidFill>
+          <a:ln w="19050">
+            <a:solidFill>
+              <a:srgbClr val="FF0000"/>
+            </a:solidFill>
+          </a:ln>
+        </p:spPr>
+        <p:txBody>
+          <a:bodyPr wrap="none" rtlCol="0">
+            <a:spAutoFit/>
+          </a:bodyPr>
+          <a:lstStyle/>
+          <a:p>
+            <a:r>
+              <a:rPr kumimoji="1" lang="ja-JP" altLang="en-US" sz="2800" dirty="0"/>
+              <a:t>標準名前空間で定義されて</a:t>
+            </a:r>
+            <a:endParaRPr kumimoji="1" lang="en-US" altLang="ja-JP" sz="2800" dirty="0"/>
+          </a:p>
+          <a:p>
+            <a:r>
+              <a:rPr kumimoji="1" lang="ja-JP" altLang="en-US" sz="2800" dirty="0"/>
+              <a:t>いる命令等を利用する場合は</a:t>
+            </a:r>
+            <a:endParaRPr kumimoji="1" lang="en-US" altLang="ja-JP" sz="2800" dirty="0"/>
+          </a:p>
+          <a:p>
+            <a:r>
+              <a:rPr kumimoji="1" lang="en-US" altLang="ja-JP" sz="2800" dirty="0">
+                <a:solidFill>
+                  <a:srgbClr val="FF0000"/>
+                </a:solidFill>
+              </a:rPr>
+              <a:t>【</a:t>
+            </a:r>
+            <a:r>
+              <a:rPr kumimoji="1" lang="ja-JP" altLang="en-US" sz="2800" dirty="0">
+                <a:solidFill>
+                  <a:srgbClr val="FF0000"/>
+                </a:solidFill>
+              </a:rPr>
+              <a:t>名前空間：：</a:t>
+            </a:r>
+            <a:r>
+              <a:rPr kumimoji="1" lang="en-US" altLang="ja-JP" sz="2800" dirty="0">
+                <a:solidFill>
+                  <a:srgbClr val="FF0000"/>
+                </a:solidFill>
+              </a:rPr>
+              <a:t>】</a:t>
+            </a:r>
+            <a:r>
+              <a:rPr kumimoji="1" lang="ja-JP" altLang="en-US" sz="2800" dirty="0"/>
+              <a:t>を書く必要あり</a:t>
+            </a:r>
+            <a:endParaRPr kumimoji="1" lang="en-US" altLang="ja-JP" sz="2800" dirty="0"/>
+          </a:p>
+        </p:txBody>
+      </p:sp>
+    </p:spTree>
+    <p:extLst>
+      <p:ext uri="{BB962C8B-B14F-4D97-AF65-F5344CB8AC3E}">
+        <p14:creationId xmlns:p14="http://schemas.microsoft.com/office/powerpoint/2010/main" val="2219674303"/>
+      </p:ext>
+    </p:extLst>
+  </p:cSld>
+  <p:clrMapOvr>
+    <a:masterClrMapping/>
+  </p:clrMapOvr>
+</p:sld>
+</file>
+
+<file path=ppt/slides/slide21.xml><?xml version="1.0" encoding="utf-8"?>
+<p:sld xmlns:a="http://schemas.openxmlformats.org/drawingml/2006/main" xmlns:r="http://schemas.openxmlformats.org/officeDocument/2006/relationships" xmlns:p="http://schemas.openxmlformats.org/presentationml/2006/main">
+  <p:cSld>
+    <p:spTree>
+      <p:nvGrpSpPr>
+        <p:cNvPr id="1" name=""/>
+        <p:cNvGrpSpPr/>
+        <p:nvPr/>
+      </p:nvGrpSpPr>
+      <p:grpSpPr>
+        <a:xfrm>
+          <a:off x="0" y="0"/>
+          <a:ext cx="0" cy="0"/>
+          <a:chOff x="0" y="0"/>
+          <a:chExt cx="0" cy="0"/>
+        </a:xfrm>
+      </p:grpSpPr>
+      <p:sp>
+        <p:nvSpPr>
+          <p:cNvPr id="2" name="タイトル 1">
+            <a:extLst>
+              <a:ext uri="{FF2B5EF4-FFF2-40B4-BE49-F238E27FC236}">
+                <a16:creationId xmlns:a16="http://schemas.microsoft.com/office/drawing/2014/main" id="{F11F3668-F205-48C5-AC01-19611EFE561B}"/>
+              </a:ext>
+            </a:extLst>
+          </p:cNvPr>
+          <p:cNvSpPr>
+            <a:spLocks noGrp="1"/>
+          </p:cNvSpPr>
+          <p:nvPr>
+            <p:ph type="title"/>
+          </p:nvPr>
+        </p:nvSpPr>
+        <p:spPr/>
+        <p:txBody>
+          <a:bodyPr/>
+          <a:lstStyle/>
+          <a:p>
+            <a:r>
+              <a:rPr kumimoji="1" lang="en-US" altLang="ja-JP" dirty="0"/>
+              <a:t>C++</a:t>
+            </a:r>
+            <a:r>
+              <a:rPr kumimoji="1" lang="ja-JP" altLang="en-US" dirty="0"/>
+              <a:t>のための準備</a:t>
+            </a:r>
+          </a:p>
+        </p:txBody>
+      </p:sp>
+      <p:sp>
+        <p:nvSpPr>
+          <p:cNvPr id="3" name="コンテンツ プレースホルダー 2">
+            <a:extLst>
+              <a:ext uri="{FF2B5EF4-FFF2-40B4-BE49-F238E27FC236}">
+                <a16:creationId xmlns:a16="http://schemas.microsoft.com/office/drawing/2014/main" id="{64DBE417-57E9-44A6-BB52-B2F9986BB7B2}"/>
+              </a:ext>
+            </a:extLst>
+          </p:cNvPr>
+          <p:cNvSpPr>
+            <a:spLocks noGrp="1"/>
+          </p:cNvSpPr>
+          <p:nvPr>
+            <p:ph idx="1"/>
+          </p:nvPr>
+        </p:nvSpPr>
+        <p:spPr/>
+        <p:txBody>
+          <a:bodyPr>
+            <a:normAutofit/>
+          </a:bodyPr>
+          <a:lstStyle/>
+          <a:p>
+            <a:r>
+              <a:rPr kumimoji="1" lang="en-US" altLang="ja-JP" dirty="0"/>
+              <a:t>main.cpp</a:t>
+            </a:r>
+            <a:br>
+              <a:rPr lang="en-US" altLang="ja-JP" dirty="0"/>
+            </a:br>
+            <a:endParaRPr lang="en-US" altLang="ja-JP" dirty="0"/>
+          </a:p>
+          <a:p>
+            <a:pPr marL="0" indent="0">
+              <a:buNone/>
+            </a:pPr>
+            <a:br>
+              <a:rPr lang="en-US" altLang="ja-JP" dirty="0"/>
+            </a:br>
+            <a:br>
+              <a:rPr lang="en-US" altLang="ja-JP" dirty="0"/>
+            </a:br>
+            <a:br>
+              <a:rPr lang="en-US" altLang="ja-JP" dirty="0"/>
+            </a:br>
+            <a:br>
+              <a:rPr lang="en-US" altLang="ja-JP" sz="2400" dirty="0"/>
+            </a:br>
+            <a:br>
+              <a:rPr lang="en-US" altLang="ja-JP" sz="2400" dirty="0"/>
+            </a:br>
+            <a:endParaRPr lang="en-US" altLang="ja-JP" sz="2400" dirty="0"/>
+          </a:p>
+          <a:p>
+            <a:pPr marL="0" indent="0">
+              <a:buNone/>
+            </a:pPr>
+            <a:br>
+              <a:rPr lang="en-US" altLang="ja-JP" sz="2400" dirty="0"/>
+            </a:br>
+            <a:br>
+              <a:rPr lang="en-US" altLang="ja-JP" sz="2400" dirty="0"/>
+            </a:br>
+            <a:endParaRPr lang="en-US" altLang="ja-JP" dirty="0">
+              <a:solidFill>
+                <a:srgbClr val="FF0000"/>
+              </a:solidFill>
+            </a:endParaRPr>
+          </a:p>
+        </p:txBody>
+      </p:sp>
+      <p:sp>
+        <p:nvSpPr>
+          <p:cNvPr id="5" name="テキスト ボックス 4">
+            <a:extLst>
+              <a:ext uri="{FF2B5EF4-FFF2-40B4-BE49-F238E27FC236}">
+                <a16:creationId xmlns:a16="http://schemas.microsoft.com/office/drawing/2014/main" id="{9E32883C-0E37-4F07-9861-27609819CE8C}"/>
+              </a:ext>
+            </a:extLst>
+          </p:cNvPr>
+          <p:cNvSpPr txBox="1"/>
+          <p:nvPr/>
+        </p:nvSpPr>
+        <p:spPr>
+          <a:xfrm>
+            <a:off x="1048254" y="1942532"/>
+            <a:ext cx="10768607" cy="2677656"/>
+          </a:xfrm>
+          <a:prstGeom prst="rect">
+            <a:avLst/>
+          </a:prstGeom>
+          <a:noFill/>
+          <a:ln>
+            <a:solidFill>
+              <a:schemeClr val="tx1"/>
+            </a:solidFill>
+          </a:ln>
+        </p:spPr>
+        <p:txBody>
+          <a:bodyPr wrap="square" rtlCol="0">
+            <a:spAutoFit/>
+          </a:bodyPr>
+          <a:lstStyle/>
+          <a:p>
+            <a:r>
+              <a:rPr kumimoji="1" lang="en-US" altLang="ja-JP" sz="2400" dirty="0"/>
+              <a:t>#include &lt;iostream&gt;</a:t>
+            </a:r>
+          </a:p>
+          <a:p>
+            <a:r>
+              <a:rPr kumimoji="1" lang="en-US" altLang="ja-JP" sz="2400" dirty="0"/>
+              <a:t>using namespace std;</a:t>
+            </a:r>
+          </a:p>
+          <a:p>
+            <a:endParaRPr kumimoji="1" lang="en-US" altLang="ja-JP" sz="2400" dirty="0"/>
+          </a:p>
+          <a:p>
+            <a:r>
+              <a:rPr kumimoji="1" lang="en-US" altLang="ja-JP" sz="2400" dirty="0"/>
+              <a:t>int main() {</a:t>
+            </a:r>
+          </a:p>
+          <a:p>
+            <a:r>
+              <a:rPr kumimoji="1" lang="ja-JP" altLang="en-US" sz="2400" dirty="0"/>
+              <a:t>    </a:t>
+            </a:r>
+            <a:r>
+              <a:rPr kumimoji="1" lang="en-US" altLang="ja-JP" sz="2400" dirty="0" err="1">
+                <a:solidFill>
+                  <a:srgbClr val="FF0000"/>
+                </a:solidFill>
+              </a:rPr>
+              <a:t>cout</a:t>
+            </a:r>
+            <a:r>
+              <a:rPr kumimoji="1" lang="en-US" altLang="ja-JP" sz="2400" dirty="0"/>
+              <a:t> &lt;&lt; “Hello World.” &lt;&lt; </a:t>
+            </a:r>
+            <a:r>
+              <a:rPr kumimoji="1" lang="en-US" altLang="ja-JP" sz="2400" dirty="0" err="1">
+                <a:solidFill>
+                  <a:srgbClr val="FF0000"/>
+                </a:solidFill>
+              </a:rPr>
+              <a:t>endl</a:t>
+            </a:r>
+            <a:r>
+              <a:rPr kumimoji="1" lang="en-US" altLang="ja-JP" sz="2400" dirty="0"/>
+              <a:t>;</a:t>
+            </a:r>
+            <a:r>
+              <a:rPr kumimoji="1" lang="ja-JP" altLang="en-US" sz="2400" dirty="0"/>
+              <a:t>    </a:t>
+            </a:r>
+            <a:endParaRPr kumimoji="1" lang="en-US" altLang="ja-JP" sz="2400" dirty="0"/>
+          </a:p>
+          <a:p>
+            <a:r>
+              <a:rPr kumimoji="1" lang="en-US" altLang="ja-JP" sz="2400" dirty="0"/>
+              <a:t>    return 0;</a:t>
+            </a:r>
+            <a:r>
+              <a:rPr kumimoji="1" lang="ja-JP" altLang="en-US" sz="2400" dirty="0"/>
+              <a:t>　　　　</a:t>
+            </a:r>
+            <a:endParaRPr kumimoji="1" lang="en-US" altLang="ja-JP" sz="2400" dirty="0"/>
+          </a:p>
+          <a:p>
+            <a:r>
+              <a:rPr kumimoji="1" lang="en-US" altLang="ja-JP" sz="2400" dirty="0"/>
+              <a:t>}</a:t>
+            </a:r>
+          </a:p>
+        </p:txBody>
+      </p:sp>
+      <p:sp>
+        <p:nvSpPr>
+          <p:cNvPr id="4" name="テキスト ボックス 3">
+            <a:extLst>
+              <a:ext uri="{FF2B5EF4-FFF2-40B4-BE49-F238E27FC236}">
+                <a16:creationId xmlns:a16="http://schemas.microsoft.com/office/drawing/2014/main" id="{EFEFF581-A511-C134-78ED-11278F8C9B33}"/>
+              </a:ext>
+            </a:extLst>
+          </p:cNvPr>
+          <p:cNvSpPr txBox="1"/>
+          <p:nvPr/>
+        </p:nvSpPr>
+        <p:spPr>
+          <a:xfrm>
+            <a:off x="3372897" y="4384369"/>
+            <a:ext cx="5556329" cy="954107"/>
+          </a:xfrm>
+          <a:prstGeom prst="rect">
+            <a:avLst/>
+          </a:prstGeom>
+          <a:solidFill>
+            <a:schemeClr val="bg1"/>
+          </a:solidFill>
+          <a:ln w="19050">
+            <a:solidFill>
+              <a:srgbClr val="FF0000"/>
+            </a:solidFill>
+          </a:ln>
+        </p:spPr>
+        <p:txBody>
+          <a:bodyPr wrap="none" rtlCol="0">
+            <a:spAutoFit/>
+          </a:bodyPr>
+          <a:lstStyle/>
+          <a:p>
+            <a:r>
+              <a:rPr kumimoji="1" lang="en-US" altLang="ja-JP" sz="2800" b="1" dirty="0" err="1">
+                <a:solidFill>
+                  <a:srgbClr val="FF0000"/>
+                </a:solidFill>
+              </a:rPr>
+              <a:t>cout</a:t>
+            </a:r>
+            <a:r>
+              <a:rPr kumimoji="1" lang="ja-JP" altLang="en-US" sz="2800" dirty="0"/>
+              <a:t> はコンソール画面への出力</a:t>
+            </a:r>
+            <a:endParaRPr kumimoji="1" lang="en-US" altLang="ja-JP" sz="2800" dirty="0"/>
+          </a:p>
+          <a:p>
+            <a:r>
+              <a:rPr kumimoji="1" lang="en-US" altLang="ja-JP" sz="2800" b="1" dirty="0" err="1">
+                <a:solidFill>
+                  <a:srgbClr val="FF0000"/>
+                </a:solidFill>
+              </a:rPr>
+              <a:t>endl</a:t>
+            </a:r>
+            <a:r>
+              <a:rPr kumimoji="1" lang="en-US" altLang="ja-JP" sz="2800" dirty="0"/>
+              <a:t> </a:t>
+            </a:r>
+            <a:r>
+              <a:rPr kumimoji="1" lang="ja-JP" altLang="en-US" sz="2800" dirty="0"/>
+              <a:t>は改行（</a:t>
+            </a:r>
+            <a:r>
+              <a:rPr kumimoji="1" lang="en-US" altLang="ja-JP" sz="2800" dirty="0"/>
+              <a:t>”\n”</a:t>
+            </a:r>
+            <a:r>
+              <a:rPr kumimoji="1" lang="ja-JP" altLang="en-US" sz="2800" dirty="0"/>
+              <a:t>で代用可）</a:t>
+            </a:r>
+            <a:endParaRPr kumimoji="1" lang="en-US" altLang="ja-JP" sz="2800" dirty="0"/>
+          </a:p>
+        </p:txBody>
+      </p:sp>
+    </p:spTree>
+    <p:extLst>
+      <p:ext uri="{BB962C8B-B14F-4D97-AF65-F5344CB8AC3E}">
+        <p14:creationId xmlns:p14="http://schemas.microsoft.com/office/powerpoint/2010/main" val="134303883"/>
+      </p:ext>
+    </p:extLst>
+  </p:cSld>
+  <p:clrMapOvr>
+    <a:masterClrMapping/>
+  </p:clrMapOvr>
+</p:sld>
+</file>
+
+<file path=ppt/slides/slide22.xml><?xml version="1.0" encoding="utf-8"?>
+<p:sld xmlns:a="http://schemas.openxmlformats.org/drawingml/2006/main" xmlns:r="http://schemas.openxmlformats.org/officeDocument/2006/relationships" xmlns:p="http://schemas.openxmlformats.org/presentationml/2006/main">
+  <p:cSld>
+    <p:spTree>
+      <p:nvGrpSpPr>
+        <p:cNvPr id="1" name=""/>
+        <p:cNvGrpSpPr/>
+        <p:nvPr/>
+      </p:nvGrpSpPr>
+      <p:grpSpPr>
+        <a:xfrm>
+          <a:off x="0" y="0"/>
+          <a:ext cx="0" cy="0"/>
+          <a:chOff x="0" y="0"/>
+          <a:chExt cx="0" cy="0"/>
+        </a:xfrm>
+      </p:grpSpPr>
+      <p:sp>
+        <p:nvSpPr>
+          <p:cNvPr id="2" name="タイトル 1">
+            <a:extLst>
+              <a:ext uri="{FF2B5EF4-FFF2-40B4-BE49-F238E27FC236}">
+                <a16:creationId xmlns:a16="http://schemas.microsoft.com/office/drawing/2014/main" id="{F11F3668-F205-48C5-AC01-19611EFE561B}"/>
+              </a:ext>
+            </a:extLst>
+          </p:cNvPr>
+          <p:cNvSpPr>
+            <a:spLocks noGrp="1"/>
+          </p:cNvSpPr>
+          <p:nvPr>
+            <p:ph type="title"/>
+          </p:nvPr>
+        </p:nvSpPr>
+        <p:spPr/>
+        <p:txBody>
+          <a:bodyPr/>
+          <a:lstStyle/>
+          <a:p>
+            <a:r>
+              <a:rPr kumimoji="1" lang="en-US" altLang="ja-JP" dirty="0"/>
+              <a:t>C++</a:t>
+            </a:r>
+            <a:r>
+              <a:rPr kumimoji="1" lang="ja-JP" altLang="en-US" dirty="0"/>
+              <a:t>のための準備</a:t>
+            </a:r>
+          </a:p>
+        </p:txBody>
+      </p:sp>
+      <p:sp>
+        <p:nvSpPr>
+          <p:cNvPr id="3" name="コンテンツ プレースホルダー 2">
+            <a:extLst>
+              <a:ext uri="{FF2B5EF4-FFF2-40B4-BE49-F238E27FC236}">
+                <a16:creationId xmlns:a16="http://schemas.microsoft.com/office/drawing/2014/main" id="{64DBE417-57E9-44A6-BB52-B2F9986BB7B2}"/>
+              </a:ext>
+            </a:extLst>
+          </p:cNvPr>
+          <p:cNvSpPr>
+            <a:spLocks noGrp="1"/>
+          </p:cNvSpPr>
+          <p:nvPr>
+            <p:ph idx="1"/>
+          </p:nvPr>
+        </p:nvSpPr>
+        <p:spPr/>
+        <p:txBody>
+          <a:bodyPr>
+            <a:normAutofit/>
+          </a:bodyPr>
+          <a:lstStyle/>
+          <a:p>
+            <a:r>
+              <a:rPr kumimoji="1" lang="en-US" altLang="ja-JP" dirty="0"/>
+              <a:t>main.cpp</a:t>
+            </a:r>
+            <a:br>
+              <a:rPr lang="en-US" altLang="ja-JP" dirty="0"/>
+            </a:br>
+            <a:endParaRPr lang="en-US" altLang="ja-JP" dirty="0"/>
+          </a:p>
+          <a:p>
+            <a:pPr marL="0" indent="0">
+              <a:buNone/>
+            </a:pPr>
+            <a:br>
+              <a:rPr lang="en-US" altLang="ja-JP" dirty="0"/>
+            </a:br>
+            <a:br>
+              <a:rPr lang="en-US" altLang="ja-JP" dirty="0"/>
+            </a:br>
+            <a:br>
+              <a:rPr lang="en-US" altLang="ja-JP" dirty="0"/>
+            </a:br>
+            <a:br>
+              <a:rPr lang="en-US" altLang="ja-JP" sz="2400" dirty="0"/>
+            </a:br>
+            <a:br>
+              <a:rPr lang="en-US" altLang="ja-JP" sz="2400" dirty="0"/>
+            </a:br>
+            <a:endParaRPr lang="en-US" altLang="ja-JP" sz="2400" dirty="0"/>
+          </a:p>
+          <a:p>
+            <a:pPr marL="0" indent="0">
+              <a:buNone/>
+            </a:pPr>
+            <a:br>
+              <a:rPr lang="en-US" altLang="ja-JP" sz="2400" dirty="0"/>
+            </a:br>
+            <a:br>
+              <a:rPr lang="en-US" altLang="ja-JP" sz="2400" dirty="0"/>
+            </a:br>
+            <a:endParaRPr lang="en-US" altLang="ja-JP" dirty="0">
+              <a:solidFill>
+                <a:srgbClr val="FF0000"/>
+              </a:solidFill>
+            </a:endParaRPr>
+          </a:p>
+        </p:txBody>
+      </p:sp>
+      <p:sp>
+        <p:nvSpPr>
+          <p:cNvPr id="5" name="テキスト ボックス 4">
+            <a:extLst>
+              <a:ext uri="{FF2B5EF4-FFF2-40B4-BE49-F238E27FC236}">
+                <a16:creationId xmlns:a16="http://schemas.microsoft.com/office/drawing/2014/main" id="{9E32883C-0E37-4F07-9861-27609819CE8C}"/>
+              </a:ext>
+            </a:extLst>
+          </p:cNvPr>
+          <p:cNvSpPr txBox="1"/>
+          <p:nvPr/>
+        </p:nvSpPr>
+        <p:spPr>
+          <a:xfrm>
+            <a:off x="1048254" y="1942532"/>
+            <a:ext cx="10768607" cy="2677656"/>
+          </a:xfrm>
+          <a:prstGeom prst="rect">
+            <a:avLst/>
+          </a:prstGeom>
+          <a:noFill/>
+          <a:ln>
+            <a:solidFill>
+              <a:schemeClr val="tx1"/>
+            </a:solidFill>
+          </a:ln>
+        </p:spPr>
+        <p:txBody>
+          <a:bodyPr wrap="square" rtlCol="0">
+            <a:spAutoFit/>
+          </a:bodyPr>
+          <a:lstStyle/>
+          <a:p>
+            <a:r>
+              <a:rPr kumimoji="1" lang="en-US" altLang="ja-JP" sz="2400" dirty="0"/>
+              <a:t>#include &lt;iostream&gt;</a:t>
+            </a:r>
+          </a:p>
+          <a:p>
+            <a:r>
+              <a:rPr kumimoji="1" lang="en-US" altLang="ja-JP" sz="2400" dirty="0"/>
+              <a:t>using namespace std;</a:t>
+            </a:r>
+          </a:p>
+          <a:p>
+            <a:endParaRPr kumimoji="1" lang="en-US" altLang="ja-JP" sz="2400" dirty="0"/>
+          </a:p>
+          <a:p>
+            <a:r>
+              <a:rPr kumimoji="1" lang="en-US" altLang="ja-JP" sz="2400" dirty="0">
+                <a:solidFill>
+                  <a:srgbClr val="FF0000"/>
+                </a:solidFill>
+              </a:rPr>
+              <a:t>int</a:t>
+            </a:r>
+            <a:r>
+              <a:rPr kumimoji="1" lang="en-US" altLang="ja-JP" sz="2400" dirty="0"/>
+              <a:t> main() {</a:t>
+            </a:r>
+          </a:p>
+          <a:p>
+            <a:r>
+              <a:rPr kumimoji="1" lang="ja-JP" altLang="en-US" sz="2400" dirty="0"/>
+              <a:t>    </a:t>
+            </a:r>
+            <a:r>
+              <a:rPr kumimoji="1" lang="en-US" altLang="ja-JP" sz="2400" dirty="0" err="1"/>
+              <a:t>cout</a:t>
+            </a:r>
+            <a:r>
+              <a:rPr kumimoji="1" lang="en-US" altLang="ja-JP" sz="2400" dirty="0"/>
+              <a:t> &lt;&lt; “Hello World.” &lt;&lt; </a:t>
+            </a:r>
+            <a:r>
+              <a:rPr kumimoji="1" lang="en-US" altLang="ja-JP" sz="2400" dirty="0" err="1"/>
+              <a:t>endl</a:t>
+            </a:r>
+            <a:r>
+              <a:rPr kumimoji="1" lang="en-US" altLang="ja-JP" sz="2400" dirty="0"/>
+              <a:t>;</a:t>
+            </a:r>
+            <a:r>
+              <a:rPr kumimoji="1" lang="ja-JP" altLang="en-US" sz="2400" dirty="0"/>
+              <a:t>    </a:t>
+            </a:r>
+            <a:endParaRPr kumimoji="1" lang="en-US" altLang="ja-JP" sz="2400" dirty="0"/>
+          </a:p>
+          <a:p>
+            <a:r>
+              <a:rPr kumimoji="1" lang="en-US" altLang="ja-JP" sz="2400" dirty="0"/>
+              <a:t>    return </a:t>
+            </a:r>
+            <a:r>
+              <a:rPr kumimoji="1" lang="en-US" altLang="ja-JP" sz="2400" dirty="0">
+                <a:solidFill>
+                  <a:srgbClr val="FF0000"/>
+                </a:solidFill>
+              </a:rPr>
+              <a:t>0</a:t>
+            </a:r>
+            <a:r>
+              <a:rPr kumimoji="1" lang="en-US" altLang="ja-JP" sz="2400" dirty="0"/>
+              <a:t>;</a:t>
+            </a:r>
+            <a:r>
+              <a:rPr kumimoji="1" lang="ja-JP" altLang="en-US" sz="2400" dirty="0"/>
+              <a:t>　　　　</a:t>
+            </a:r>
+            <a:endParaRPr kumimoji="1" lang="en-US" altLang="ja-JP" sz="2400" dirty="0"/>
+          </a:p>
+          <a:p>
+            <a:r>
+              <a:rPr kumimoji="1" lang="en-US" altLang="ja-JP" sz="2400" dirty="0"/>
+              <a:t>}</a:t>
+            </a:r>
+          </a:p>
+        </p:txBody>
+      </p:sp>
+      <p:sp>
+        <p:nvSpPr>
+          <p:cNvPr id="6" name="テキスト ボックス 5">
+            <a:extLst>
+              <a:ext uri="{FF2B5EF4-FFF2-40B4-BE49-F238E27FC236}">
+                <a16:creationId xmlns:a16="http://schemas.microsoft.com/office/drawing/2014/main" id="{5FE01240-008A-407D-9645-0544EAAE4D39}"/>
+              </a:ext>
+            </a:extLst>
+          </p:cNvPr>
+          <p:cNvSpPr txBox="1"/>
+          <p:nvPr/>
+        </p:nvSpPr>
+        <p:spPr>
+          <a:xfrm>
+            <a:off x="2243134" y="4358578"/>
+            <a:ext cx="7705732" cy="523220"/>
+          </a:xfrm>
+          <a:prstGeom prst="rect">
+            <a:avLst/>
+          </a:prstGeom>
+          <a:solidFill>
+            <a:schemeClr val="bg1"/>
+          </a:solidFill>
+          <a:ln w="19050">
+            <a:solidFill>
+              <a:srgbClr val="FF0000"/>
+            </a:solidFill>
+          </a:ln>
+        </p:spPr>
+        <p:txBody>
+          <a:bodyPr wrap="square" rtlCol="0">
+            <a:spAutoFit/>
+          </a:bodyPr>
+          <a:lstStyle/>
+          <a:p>
+            <a:r>
+              <a:rPr kumimoji="1" lang="en-US" altLang="ja-JP" sz="2800" b="1" dirty="0"/>
+              <a:t>main</a:t>
+            </a:r>
+            <a:r>
+              <a:rPr kumimoji="1" lang="ja-JP" altLang="en-US" sz="2800" b="1" dirty="0"/>
+              <a:t>関数が</a:t>
+            </a:r>
+            <a:r>
+              <a:rPr kumimoji="1" lang="en-US" altLang="ja-JP" sz="2800" b="1" dirty="0">
+                <a:solidFill>
+                  <a:srgbClr val="FF0000"/>
+                </a:solidFill>
+              </a:rPr>
+              <a:t>int</a:t>
+            </a:r>
+            <a:r>
+              <a:rPr kumimoji="1" lang="ja-JP" altLang="en-US" sz="2800" b="1" dirty="0">
+                <a:solidFill>
+                  <a:srgbClr val="FF0000"/>
+                </a:solidFill>
+              </a:rPr>
+              <a:t>型</a:t>
+            </a:r>
+            <a:r>
+              <a:rPr kumimoji="1" lang="ja-JP" altLang="en-US" sz="2800" b="1" dirty="0"/>
+              <a:t>なので</a:t>
+            </a:r>
+            <a:r>
+              <a:rPr kumimoji="1" lang="ja-JP" altLang="en-US" sz="2800" b="1" dirty="0">
+                <a:solidFill>
+                  <a:srgbClr val="FF0000"/>
+                </a:solidFill>
+              </a:rPr>
+              <a:t>戻り値</a:t>
+            </a:r>
+            <a:r>
+              <a:rPr kumimoji="1" lang="ja-JP" altLang="en-US" sz="2800" b="1" dirty="0"/>
+              <a:t>の設定が必要</a:t>
+            </a:r>
+            <a:endParaRPr kumimoji="1" lang="en-US" altLang="ja-JP" sz="2800" dirty="0"/>
+          </a:p>
+        </p:txBody>
+      </p:sp>
+    </p:spTree>
+    <p:extLst>
+      <p:ext uri="{BB962C8B-B14F-4D97-AF65-F5344CB8AC3E}">
+        <p14:creationId xmlns:p14="http://schemas.microsoft.com/office/powerpoint/2010/main" val="4290850212"/>
+      </p:ext>
+    </p:extLst>
+  </p:cSld>
+  <p:clrMapOvr>
+    <a:masterClrMapping/>
+  </p:clrMapOvr>
+</p:sld>
+</file>
+
+<file path=ppt/slides/slide23.xml><?xml version="1.0" encoding="utf-8"?>
+<p:sld xmlns:a="http://schemas.openxmlformats.org/drawingml/2006/main" xmlns:r="http://schemas.openxmlformats.org/officeDocument/2006/relationships" xmlns:p="http://schemas.openxmlformats.org/presentationml/2006/main">
+  <p:cSld>
+    <p:spTree>
+      <p:nvGrpSpPr>
+        <p:cNvPr id="1" name=""/>
+        <p:cNvGrpSpPr/>
+        <p:nvPr/>
+      </p:nvGrpSpPr>
+      <p:grpSpPr>
+        <a:xfrm>
+          <a:off x="0" y="0"/>
+          <a:ext cx="0" cy="0"/>
+          <a:chOff x="0" y="0"/>
+          <a:chExt cx="0" cy="0"/>
+        </a:xfrm>
+      </p:grpSpPr>
+      <p:sp>
+        <p:nvSpPr>
+          <p:cNvPr id="2" name="タイトル 1">
+            <a:extLst>
+              <a:ext uri="{FF2B5EF4-FFF2-40B4-BE49-F238E27FC236}">
+                <a16:creationId xmlns:a16="http://schemas.microsoft.com/office/drawing/2014/main" id="{F11F3668-F205-48C5-AC01-19611EFE561B}"/>
+              </a:ext>
+            </a:extLst>
+          </p:cNvPr>
+          <p:cNvSpPr>
+            <a:spLocks noGrp="1"/>
+          </p:cNvSpPr>
+          <p:nvPr>
+            <p:ph type="title"/>
+          </p:nvPr>
+        </p:nvSpPr>
+        <p:spPr/>
+        <p:txBody>
+          <a:bodyPr/>
+          <a:lstStyle/>
+          <a:p>
+            <a:r>
+              <a:rPr kumimoji="1" lang="en-US" altLang="ja-JP" dirty="0"/>
+              <a:t>main</a:t>
+            </a:r>
+            <a:r>
+              <a:rPr kumimoji="1" lang="ja-JP" altLang="en-US" dirty="0"/>
+              <a:t>関数の戻り値</a:t>
+            </a:r>
+          </a:p>
+        </p:txBody>
+      </p:sp>
+      <p:sp>
+        <p:nvSpPr>
+          <p:cNvPr id="3" name="コンテンツ プレースホルダー 2">
+            <a:extLst>
+              <a:ext uri="{FF2B5EF4-FFF2-40B4-BE49-F238E27FC236}">
+                <a16:creationId xmlns:a16="http://schemas.microsoft.com/office/drawing/2014/main" id="{64DBE417-57E9-44A6-BB52-B2F9986BB7B2}"/>
+              </a:ext>
+            </a:extLst>
+          </p:cNvPr>
+          <p:cNvSpPr>
+            <a:spLocks noGrp="1"/>
+          </p:cNvSpPr>
+          <p:nvPr>
+            <p:ph idx="1"/>
+          </p:nvPr>
+        </p:nvSpPr>
+        <p:spPr/>
+        <p:txBody>
+          <a:bodyPr>
+            <a:normAutofit/>
+          </a:bodyPr>
+          <a:lstStyle/>
+          <a:p>
+            <a:r>
+              <a:rPr kumimoji="1" lang="en-US" altLang="ja-JP" dirty="0"/>
+              <a:t>main.cpp</a:t>
+            </a:r>
+            <a:r>
+              <a:rPr kumimoji="1" lang="ja-JP" altLang="en-US" dirty="0"/>
+              <a:t>（参考）</a:t>
+            </a:r>
+            <a:br>
+              <a:rPr lang="en-US" altLang="ja-JP" dirty="0"/>
+            </a:br>
+            <a:endParaRPr lang="en-US" altLang="ja-JP" dirty="0"/>
+          </a:p>
+          <a:p>
+            <a:pPr marL="0" indent="0">
+              <a:buNone/>
+            </a:pPr>
+            <a:br>
+              <a:rPr lang="en-US" altLang="ja-JP" dirty="0"/>
+            </a:br>
+            <a:br>
+              <a:rPr lang="en-US" altLang="ja-JP" dirty="0"/>
+            </a:br>
+            <a:br>
+              <a:rPr lang="en-US" altLang="ja-JP" dirty="0"/>
+            </a:br>
+            <a:br>
+              <a:rPr lang="en-US" altLang="ja-JP" sz="2400" dirty="0"/>
+            </a:br>
+            <a:br>
+              <a:rPr lang="en-US" altLang="ja-JP" sz="2400" dirty="0"/>
+            </a:br>
+            <a:endParaRPr lang="en-US" altLang="ja-JP" sz="2400" dirty="0"/>
+          </a:p>
+          <a:p>
+            <a:pPr marL="0" indent="0">
+              <a:buNone/>
+            </a:pPr>
+            <a:br>
+              <a:rPr lang="en-US" altLang="ja-JP" sz="2400" dirty="0"/>
+            </a:br>
+            <a:br>
+              <a:rPr lang="en-US" altLang="ja-JP" sz="2400" dirty="0"/>
+            </a:br>
+            <a:endParaRPr lang="en-US" altLang="ja-JP" dirty="0">
+              <a:solidFill>
+                <a:srgbClr val="FF0000"/>
+              </a:solidFill>
+            </a:endParaRPr>
+          </a:p>
+        </p:txBody>
+      </p:sp>
+      <p:sp>
+        <p:nvSpPr>
+          <p:cNvPr id="5" name="テキスト ボックス 4">
+            <a:extLst>
+              <a:ext uri="{FF2B5EF4-FFF2-40B4-BE49-F238E27FC236}">
+                <a16:creationId xmlns:a16="http://schemas.microsoft.com/office/drawing/2014/main" id="{9E32883C-0E37-4F07-9861-27609819CE8C}"/>
+              </a:ext>
+            </a:extLst>
+          </p:cNvPr>
+          <p:cNvSpPr txBox="1"/>
+          <p:nvPr/>
+        </p:nvSpPr>
+        <p:spPr>
+          <a:xfrm>
+            <a:off x="1048254" y="1942532"/>
+            <a:ext cx="10768607" cy="4524315"/>
+          </a:xfrm>
+          <a:prstGeom prst="rect">
+            <a:avLst/>
+          </a:prstGeom>
+          <a:noFill/>
+          <a:ln>
+            <a:solidFill>
+              <a:schemeClr val="tx1"/>
+            </a:solidFill>
+          </a:ln>
+        </p:spPr>
+        <p:txBody>
+          <a:bodyPr wrap="square" rtlCol="0">
+            <a:spAutoFit/>
+          </a:bodyPr>
+          <a:lstStyle/>
+          <a:p>
+            <a:r>
+              <a:rPr lang="en-US" altLang="ja-JP" sz="2400" dirty="0">
+                <a:solidFill>
+                  <a:srgbClr val="FF0000"/>
+                </a:solidFill>
+              </a:rPr>
+              <a:t>int</a:t>
+            </a:r>
+            <a:r>
+              <a:rPr lang="en-US" altLang="ja-JP" sz="2400" dirty="0"/>
+              <a:t> main() {</a:t>
+            </a:r>
+          </a:p>
+          <a:p>
+            <a:r>
+              <a:rPr lang="ja-JP" altLang="en-US" sz="2400" dirty="0"/>
+              <a:t>　　</a:t>
+            </a:r>
+            <a:r>
+              <a:rPr lang="en-US" altLang="ja-JP" sz="2400" dirty="0"/>
+              <a:t>FILE* </a:t>
+            </a:r>
+            <a:r>
+              <a:rPr lang="en-US" altLang="ja-JP" sz="2400" dirty="0" err="1"/>
+              <a:t>fp</a:t>
+            </a:r>
+            <a:r>
+              <a:rPr lang="en-US" altLang="ja-JP" sz="2400" dirty="0"/>
+              <a:t>;</a:t>
+            </a:r>
+          </a:p>
+          <a:p>
+            <a:r>
+              <a:rPr lang="ja-JP" altLang="en-US" sz="2400" dirty="0"/>
+              <a:t>　　</a:t>
+            </a:r>
+            <a:r>
+              <a:rPr lang="en-US" altLang="ja-JP" sz="2400" dirty="0"/>
+              <a:t>if (</a:t>
+            </a:r>
+            <a:r>
+              <a:rPr lang="en-US" altLang="ja-JP" sz="2400" dirty="0" err="1"/>
+              <a:t>fp</a:t>
+            </a:r>
+            <a:r>
+              <a:rPr lang="en-US" altLang="ja-JP" sz="2400" dirty="0"/>
+              <a:t> = </a:t>
+            </a:r>
+            <a:r>
+              <a:rPr lang="en-US" altLang="ja-JP" sz="2400" dirty="0" err="1"/>
+              <a:t>fopen</a:t>
+            </a:r>
+            <a:r>
+              <a:rPr lang="en-US" altLang="ja-JP" sz="2400" dirty="0"/>
+              <a:t>("data.txt", "r")) {</a:t>
+            </a:r>
+          </a:p>
+          <a:p>
+            <a:r>
+              <a:rPr lang="ja-JP" altLang="en-US" sz="2400" dirty="0"/>
+              <a:t>　　　　</a:t>
+            </a:r>
+            <a:r>
+              <a:rPr lang="en-US" altLang="ja-JP" sz="2400" dirty="0" err="1"/>
+              <a:t>fclose</a:t>
+            </a:r>
+            <a:r>
+              <a:rPr lang="en-US" altLang="ja-JP" sz="2400" dirty="0"/>
+              <a:t>(</a:t>
+            </a:r>
+            <a:r>
+              <a:rPr lang="en-US" altLang="ja-JP" sz="2400" dirty="0" err="1"/>
+              <a:t>fp</a:t>
+            </a:r>
+            <a:r>
+              <a:rPr lang="en-US" altLang="ja-JP" sz="2400" dirty="0"/>
+              <a:t>);</a:t>
+            </a:r>
+          </a:p>
+          <a:p>
+            <a:r>
+              <a:rPr lang="ja-JP" altLang="en-US" sz="2400" dirty="0"/>
+              <a:t>　　</a:t>
+            </a:r>
+            <a:r>
+              <a:rPr lang="en-US" altLang="ja-JP" sz="2400" dirty="0"/>
+              <a:t>}</a:t>
+            </a:r>
+          </a:p>
+          <a:p>
+            <a:r>
+              <a:rPr lang="ja-JP" altLang="en-US" sz="2400" dirty="0"/>
+              <a:t>　　</a:t>
+            </a:r>
+            <a:r>
+              <a:rPr lang="en-US" altLang="ja-JP" sz="2400" dirty="0"/>
+              <a:t>else {</a:t>
+            </a:r>
+          </a:p>
+          <a:p>
+            <a:r>
+              <a:rPr lang="ja-JP" altLang="en-US" sz="2400" dirty="0"/>
+              <a:t>　　　　</a:t>
+            </a:r>
+            <a:r>
+              <a:rPr lang="nn-NO" altLang="ja-JP" sz="2400" dirty="0"/>
+              <a:t>cout &lt;&lt; "File Open Error!" &lt;&lt; endl;</a:t>
+            </a:r>
+          </a:p>
+          <a:p>
+            <a:r>
+              <a:rPr lang="ja-JP" altLang="en-US" sz="2400" dirty="0"/>
+              <a:t>　　　　</a:t>
+            </a:r>
+            <a:r>
+              <a:rPr lang="en-US" altLang="ja-JP" sz="2400" dirty="0"/>
+              <a:t>return </a:t>
+            </a:r>
+            <a:r>
+              <a:rPr lang="en-US" altLang="ja-JP" sz="2400" dirty="0">
+                <a:solidFill>
+                  <a:srgbClr val="FF0000"/>
+                </a:solidFill>
+              </a:rPr>
+              <a:t>-1</a:t>
+            </a:r>
+            <a:r>
+              <a:rPr lang="en-US" altLang="ja-JP" sz="2400" dirty="0"/>
+              <a:t>;</a:t>
+            </a:r>
+          </a:p>
+          <a:p>
+            <a:r>
+              <a:rPr lang="ja-JP" altLang="en-US" sz="2400" dirty="0"/>
+              <a:t>　　</a:t>
+            </a:r>
+            <a:r>
+              <a:rPr lang="en-US" altLang="ja-JP" sz="2400" dirty="0"/>
+              <a:t>}</a:t>
+            </a:r>
+          </a:p>
+          <a:p>
+            <a:r>
+              <a:rPr lang="ja-JP" altLang="en-US" sz="2400" dirty="0"/>
+              <a:t>　　</a:t>
+            </a:r>
+            <a:r>
+              <a:rPr lang="en-US" altLang="ja-JP" sz="2400" dirty="0" err="1"/>
+              <a:t>cout</a:t>
+            </a:r>
+            <a:r>
+              <a:rPr lang="en-US" altLang="ja-JP" sz="2400" dirty="0"/>
+              <a:t> &lt;&lt; “File Open Success!" &lt;&lt; </a:t>
+            </a:r>
+            <a:r>
+              <a:rPr lang="en-US" altLang="ja-JP" sz="2400" dirty="0" err="1"/>
+              <a:t>endl</a:t>
+            </a:r>
+            <a:r>
+              <a:rPr lang="en-US" altLang="ja-JP" sz="2400" dirty="0"/>
+              <a:t>;</a:t>
+            </a:r>
+          </a:p>
+          <a:p>
+            <a:r>
+              <a:rPr lang="ja-JP" altLang="en-US" sz="2400" dirty="0"/>
+              <a:t>　　</a:t>
+            </a:r>
+            <a:r>
+              <a:rPr lang="en-US" altLang="ja-JP" sz="2400" dirty="0"/>
+              <a:t>return </a:t>
+            </a:r>
+            <a:r>
+              <a:rPr lang="en-US" altLang="ja-JP" sz="2400" dirty="0">
+                <a:solidFill>
+                  <a:srgbClr val="FF0000"/>
+                </a:solidFill>
+              </a:rPr>
+              <a:t>0</a:t>
+            </a:r>
+            <a:r>
+              <a:rPr lang="en-US" altLang="ja-JP" sz="2400" dirty="0"/>
+              <a:t>;</a:t>
+            </a:r>
+          </a:p>
+          <a:p>
+            <a:r>
+              <a:rPr lang="en-US" altLang="ja-JP" sz="2400" dirty="0"/>
+              <a:t>}</a:t>
+            </a:r>
+            <a:endParaRPr kumimoji="1" lang="en-US" altLang="ja-JP" sz="3200" dirty="0"/>
+          </a:p>
+        </p:txBody>
+      </p:sp>
+      <p:sp>
+        <p:nvSpPr>
+          <p:cNvPr id="6" name="テキスト ボックス 5">
+            <a:extLst>
+              <a:ext uri="{FF2B5EF4-FFF2-40B4-BE49-F238E27FC236}">
+                <a16:creationId xmlns:a16="http://schemas.microsoft.com/office/drawing/2014/main" id="{5FE01240-008A-407D-9645-0544EAAE4D39}"/>
+              </a:ext>
+            </a:extLst>
+          </p:cNvPr>
+          <p:cNvSpPr txBox="1"/>
+          <p:nvPr/>
+        </p:nvSpPr>
+        <p:spPr>
+          <a:xfrm>
+            <a:off x="8365644" y="224090"/>
+            <a:ext cx="3528483" cy="3849145"/>
+          </a:xfrm>
+          <a:prstGeom prst="rect">
+            <a:avLst/>
+          </a:prstGeom>
+          <a:solidFill>
+            <a:schemeClr val="bg1"/>
+          </a:solidFill>
+          <a:ln w="19050">
+            <a:solidFill>
+              <a:srgbClr val="FF0000"/>
+            </a:solidFill>
+          </a:ln>
+        </p:spPr>
+        <p:txBody>
+          <a:bodyPr wrap="square" rtlCol="0">
+            <a:spAutoFit/>
+          </a:bodyPr>
+          <a:lstStyle/>
+          <a:p>
+            <a:r>
+              <a:rPr kumimoji="1" lang="ja-JP" altLang="en-US" sz="2400" dirty="0"/>
+              <a:t>ファイルオープンに</a:t>
+            </a:r>
+            <a:endParaRPr kumimoji="1" lang="en-US" altLang="ja-JP" sz="2400" dirty="0"/>
+          </a:p>
+          <a:p>
+            <a:r>
+              <a:rPr kumimoji="1" lang="ja-JP" altLang="en-US" sz="2400" dirty="0"/>
+              <a:t>失敗したら</a:t>
+            </a:r>
+            <a:r>
+              <a:rPr kumimoji="1" lang="en-US" altLang="ja-JP" sz="2400" dirty="0">
+                <a:solidFill>
+                  <a:srgbClr val="FF0000"/>
+                </a:solidFill>
+              </a:rPr>
+              <a:t>-1</a:t>
+            </a:r>
+            <a:endParaRPr kumimoji="1" lang="en-US" altLang="ja-JP" sz="2400" dirty="0"/>
+          </a:p>
+          <a:p>
+            <a:r>
+              <a:rPr kumimoji="1" lang="ja-JP" altLang="en-US" sz="2400" dirty="0"/>
+              <a:t>成功したら</a:t>
+            </a:r>
+            <a:r>
+              <a:rPr kumimoji="1" lang="en-US" altLang="ja-JP" sz="2400" dirty="0">
+                <a:solidFill>
+                  <a:srgbClr val="FF0000"/>
+                </a:solidFill>
+              </a:rPr>
+              <a:t>0</a:t>
+            </a:r>
+          </a:p>
+          <a:p>
+            <a:r>
+              <a:rPr kumimoji="1" lang="ja-JP" altLang="en-US" sz="2400" dirty="0"/>
+              <a:t>を返すプログラム</a:t>
+            </a:r>
+            <a:endParaRPr kumimoji="1" lang="en-US" altLang="ja-JP" sz="2400" dirty="0"/>
+          </a:p>
+          <a:p>
+            <a:r>
+              <a:rPr kumimoji="1" lang="ja-JP" altLang="en-US" sz="2400" dirty="0"/>
+              <a:t>コマンドプロンプトで</a:t>
+            </a:r>
+            <a:endParaRPr kumimoji="1" lang="en-US" altLang="ja-JP" sz="2400" dirty="0"/>
+          </a:p>
+          <a:p>
+            <a:r>
+              <a:rPr kumimoji="1" lang="en-US" altLang="ja-JP" sz="2400" dirty="0"/>
+              <a:t>main.exe</a:t>
+            </a:r>
+            <a:r>
+              <a:rPr kumimoji="1" lang="ja-JP" altLang="en-US" sz="2400" dirty="0"/>
+              <a:t>を実行後に</a:t>
+            </a:r>
+            <a:endParaRPr kumimoji="1" lang="en-US" altLang="ja-JP" sz="2400" dirty="0"/>
+          </a:p>
+          <a:p>
+            <a:endParaRPr kumimoji="1" lang="en-US" altLang="ja-JP" sz="2400" dirty="0"/>
+          </a:p>
+          <a:p>
+            <a:r>
+              <a:rPr kumimoji="1" lang="en-US" altLang="ja-JP" sz="2400" dirty="0">
+                <a:solidFill>
+                  <a:schemeClr val="bg1"/>
+                </a:solidFill>
+                <a:highlight>
+                  <a:srgbClr val="000000"/>
+                </a:highlight>
+              </a:rPr>
+              <a:t>echo %</a:t>
+            </a:r>
+            <a:r>
+              <a:rPr kumimoji="1" lang="en-US" altLang="ja-JP" sz="2400" dirty="0" err="1">
+                <a:solidFill>
+                  <a:schemeClr val="bg1"/>
+                </a:solidFill>
+                <a:highlight>
+                  <a:srgbClr val="000000"/>
+                </a:highlight>
+              </a:rPr>
+              <a:t>errorlevel</a:t>
+            </a:r>
+            <a:r>
+              <a:rPr kumimoji="1" lang="en-US" altLang="ja-JP" sz="2400" dirty="0">
+                <a:solidFill>
+                  <a:schemeClr val="bg1"/>
+                </a:solidFill>
+                <a:highlight>
+                  <a:srgbClr val="000000"/>
+                </a:highlight>
+              </a:rPr>
+              <a:t>%</a:t>
+            </a:r>
+          </a:p>
+          <a:p>
+            <a:endParaRPr kumimoji="1" lang="en-US" altLang="ja-JP" sz="2400" dirty="0">
+              <a:solidFill>
+                <a:schemeClr val="bg1"/>
+              </a:solidFill>
+            </a:endParaRPr>
+          </a:p>
+          <a:p>
+            <a:r>
+              <a:rPr kumimoji="1" lang="ja-JP" altLang="en-US" sz="2400" dirty="0"/>
+              <a:t>で戻り値を確認できる</a:t>
+            </a:r>
+            <a:endParaRPr kumimoji="1" lang="en-US" altLang="ja-JP" sz="2400" dirty="0"/>
+          </a:p>
+        </p:txBody>
+      </p:sp>
+    </p:spTree>
+    <p:extLst>
+      <p:ext uri="{BB962C8B-B14F-4D97-AF65-F5344CB8AC3E}">
+        <p14:creationId xmlns:p14="http://schemas.microsoft.com/office/powerpoint/2010/main" val="2822554990"/>
+      </p:ext>
+    </p:extLst>
+  </p:cSld>
+  <p:clrMapOvr>
+    <a:masterClrMapping/>
+  </p:clrMapOvr>
+</p:sld>
+</file>
+
+<file path=ppt/slides/slide24.xml><?xml version="1.0" encoding="utf-8"?>
+<p:sld xmlns:a="http://schemas.openxmlformats.org/drawingml/2006/main" xmlns:r="http://schemas.openxmlformats.org/officeDocument/2006/relationships" xmlns:p="http://schemas.openxmlformats.org/presentationml/2006/main">
+  <p:cSld>
+    <p:spTree>
+      <p:nvGrpSpPr>
+        <p:cNvPr id="1" name=""/>
+        <p:cNvGrpSpPr/>
+        <p:nvPr/>
+      </p:nvGrpSpPr>
+      <p:grpSpPr>
+        <a:xfrm>
+          <a:off x="0" y="0"/>
+          <a:ext cx="0" cy="0"/>
+          <a:chOff x="0" y="0"/>
+          <a:chExt cx="0" cy="0"/>
+        </a:xfrm>
+      </p:grpSpPr>
+      <p:sp>
+        <p:nvSpPr>
+          <p:cNvPr id="2" name="タイトル 1">
+            <a:extLst>
+              <a:ext uri="{FF2B5EF4-FFF2-40B4-BE49-F238E27FC236}">
                 <a16:creationId xmlns:a16="http://schemas.microsoft.com/office/drawing/2014/main" id="{EC1D9B36-FFC2-4D52-A2A6-FEEE7804F5FA}"/>
               </a:ext>
             </a:extLst>
@@ -6358,8 +7869,12 @@
               <a:t>C++</a:t>
             </a:r>
             <a:r>
+              <a:rPr kumimoji="1" lang="ja-JP" altLang="en-US" dirty="0" err="1"/>
+              <a:t>での</a:t>
+            </a:r>
+            <a:r>
               <a:rPr kumimoji="1" lang="ja-JP" altLang="en-US" dirty="0"/>
-              <a:t>のための準備</a:t>
+              <a:t>コンパイル方法</a:t>
             </a:r>
           </a:p>
         </p:txBody>
@@ -6505,6 +8020,1965 @@
     <p:extLst>
       <p:ext uri="{BB962C8B-B14F-4D97-AF65-F5344CB8AC3E}">
         <p14:creationId xmlns:p14="http://schemas.microsoft.com/office/powerpoint/2010/main" val="1304145244"/>
+      </p:ext>
+    </p:extLst>
+  </p:cSld>
+  <p:clrMapOvr>
+    <a:masterClrMapping/>
+  </p:clrMapOvr>
+</p:sld>
+</file>
+
+<file path=ppt/slides/slide25.xml><?xml version="1.0" encoding="utf-8"?>
+<p:sld xmlns:a="http://schemas.openxmlformats.org/drawingml/2006/main" xmlns:r="http://schemas.openxmlformats.org/officeDocument/2006/relationships" xmlns:p="http://schemas.openxmlformats.org/presentationml/2006/main">
+  <p:cSld>
+    <p:spTree>
+      <p:nvGrpSpPr>
+        <p:cNvPr id="1" name=""/>
+        <p:cNvGrpSpPr/>
+        <p:nvPr/>
+      </p:nvGrpSpPr>
+      <p:grpSpPr>
+        <a:xfrm>
+          <a:off x="0" y="0"/>
+          <a:ext cx="0" cy="0"/>
+          <a:chOff x="0" y="0"/>
+          <a:chExt cx="0" cy="0"/>
+        </a:xfrm>
+      </p:grpSpPr>
+      <p:sp>
+        <p:nvSpPr>
+          <p:cNvPr id="2" name="タイトル 1">
+            <a:extLst>
+              <a:ext uri="{FF2B5EF4-FFF2-40B4-BE49-F238E27FC236}">
+                <a16:creationId xmlns:a16="http://schemas.microsoft.com/office/drawing/2014/main" id="{F11F3668-F205-48C5-AC01-19611EFE561B}"/>
+              </a:ext>
+            </a:extLst>
+          </p:cNvPr>
+          <p:cNvSpPr>
+            <a:spLocks noGrp="1"/>
+          </p:cNvSpPr>
+          <p:nvPr>
+            <p:ph type="title"/>
+          </p:nvPr>
+        </p:nvSpPr>
+        <p:spPr/>
+        <p:txBody>
+          <a:bodyPr/>
+          <a:lstStyle/>
+          <a:p>
+            <a:r>
+              <a:rPr kumimoji="1" lang="en-US" altLang="ja-JP" dirty="0"/>
+              <a:t>string</a:t>
+            </a:r>
+            <a:r>
+              <a:rPr kumimoji="1" lang="ja-JP" altLang="en-US" dirty="0"/>
+              <a:t>型</a:t>
+            </a:r>
+          </a:p>
+        </p:txBody>
+      </p:sp>
+      <p:sp>
+        <p:nvSpPr>
+          <p:cNvPr id="3" name="コンテンツ プレースホルダー 2">
+            <a:extLst>
+              <a:ext uri="{FF2B5EF4-FFF2-40B4-BE49-F238E27FC236}">
+                <a16:creationId xmlns:a16="http://schemas.microsoft.com/office/drawing/2014/main" id="{64DBE417-57E9-44A6-BB52-B2F9986BB7B2}"/>
+              </a:ext>
+            </a:extLst>
+          </p:cNvPr>
+          <p:cNvSpPr>
+            <a:spLocks noGrp="1"/>
+          </p:cNvSpPr>
+          <p:nvPr>
+            <p:ph idx="1"/>
+          </p:nvPr>
+        </p:nvSpPr>
+        <p:spPr/>
+        <p:txBody>
+          <a:bodyPr>
+            <a:normAutofit/>
+          </a:bodyPr>
+          <a:lstStyle/>
+          <a:p>
+            <a:r>
+              <a:rPr lang="en-US" altLang="ja-JP" dirty="0"/>
+              <a:t>C++</a:t>
+            </a:r>
+            <a:r>
+              <a:rPr lang="ja-JP" altLang="en-US" dirty="0"/>
+              <a:t>用フォルダに</a:t>
+            </a:r>
+            <a:r>
+              <a:rPr lang="en-US" altLang="ja-JP" b="1" dirty="0"/>
+              <a:t>Sample204</a:t>
+            </a:r>
+            <a:r>
+              <a:rPr lang="ja-JP" altLang="en-US" dirty="0"/>
+              <a:t>フォルダを作成する</a:t>
+            </a:r>
+            <a:br>
+              <a:rPr lang="en-US" altLang="ja-JP" dirty="0"/>
+            </a:br>
+            <a:r>
+              <a:rPr lang="ja-JP" altLang="en-US" dirty="0"/>
+              <a:t>にはコマンドプロンプトで</a:t>
+            </a:r>
+            <a:br>
+              <a:rPr lang="en-US" altLang="ja-JP" dirty="0"/>
+            </a:br>
+            <a:r>
+              <a:rPr lang="en-US" altLang="ja-JP" dirty="0">
+                <a:solidFill>
+                  <a:srgbClr val="00B0F0"/>
+                </a:solidFill>
+              </a:rPr>
+              <a:t>cd ..					</a:t>
+            </a:r>
+            <a:r>
+              <a:rPr lang="ja-JP" altLang="en-US" sz="2800" dirty="0">
+                <a:solidFill>
+                  <a:srgbClr val="00B050"/>
+                </a:solidFill>
+              </a:rPr>
+              <a:t>一つ上のフォルダへ戻る</a:t>
+            </a:r>
+            <a:br>
+              <a:rPr lang="en-US" altLang="ja-JP" dirty="0"/>
+            </a:br>
+            <a:r>
+              <a:rPr lang="en-US" altLang="ja-JP" dirty="0" err="1">
+                <a:solidFill>
+                  <a:srgbClr val="00B0F0"/>
+                </a:solidFill>
+              </a:rPr>
+              <a:t>mkdir</a:t>
+            </a:r>
+            <a:r>
+              <a:rPr lang="en-US" altLang="ja-JP" dirty="0">
+                <a:solidFill>
+                  <a:srgbClr val="00B0F0"/>
+                </a:solidFill>
+              </a:rPr>
+              <a:t> Sample204		</a:t>
+            </a:r>
+            <a:r>
+              <a:rPr lang="ja-JP" altLang="en-US" sz="2800" dirty="0">
+                <a:solidFill>
+                  <a:srgbClr val="00B050"/>
+                </a:solidFill>
+              </a:rPr>
+              <a:t>フォルダの作成</a:t>
+            </a:r>
+            <a:br>
+              <a:rPr lang="en-US" altLang="ja-JP" dirty="0"/>
+            </a:br>
+            <a:r>
+              <a:rPr lang="en-US" altLang="ja-JP" dirty="0">
+                <a:solidFill>
+                  <a:srgbClr val="00B0F0"/>
+                </a:solidFill>
+              </a:rPr>
+              <a:t>cd Sample204			</a:t>
+            </a:r>
+            <a:r>
+              <a:rPr lang="ja-JP" altLang="en-US" sz="2800" dirty="0">
+                <a:solidFill>
+                  <a:srgbClr val="00B050"/>
+                </a:solidFill>
+              </a:rPr>
+              <a:t>作成したフォルダ内へ移動</a:t>
+            </a:r>
+            <a:br>
+              <a:rPr lang="en-US" altLang="ja-JP" dirty="0"/>
+            </a:br>
+            <a:endParaRPr lang="en-US" altLang="ja-JP" dirty="0"/>
+          </a:p>
+          <a:p>
+            <a:r>
+              <a:rPr lang="en-US" altLang="ja-JP" dirty="0"/>
+              <a:t>main.cpp</a:t>
+            </a:r>
+            <a:r>
+              <a:rPr lang="ja-JP" altLang="en-US" dirty="0"/>
+              <a:t>を新規作成</a:t>
+            </a:r>
+            <a:br>
+              <a:rPr lang="en-US" altLang="ja-JP" dirty="0"/>
+            </a:br>
+            <a:r>
+              <a:rPr lang="en-US" altLang="ja-JP" dirty="0">
+                <a:solidFill>
+                  <a:srgbClr val="00B0F0"/>
+                </a:solidFill>
+              </a:rPr>
+              <a:t>copy </a:t>
+            </a:r>
+            <a:r>
+              <a:rPr lang="en-US" altLang="ja-JP" dirty="0" err="1">
+                <a:solidFill>
+                  <a:srgbClr val="00B0F0"/>
+                </a:solidFill>
+              </a:rPr>
+              <a:t>nul</a:t>
+            </a:r>
+            <a:r>
+              <a:rPr lang="en-US" altLang="ja-JP" dirty="0">
+                <a:solidFill>
+                  <a:srgbClr val="00B0F0"/>
+                </a:solidFill>
+              </a:rPr>
+              <a:t> main.cpp</a:t>
+            </a:r>
+          </a:p>
+        </p:txBody>
+      </p:sp>
+    </p:spTree>
+    <p:extLst>
+      <p:ext uri="{BB962C8B-B14F-4D97-AF65-F5344CB8AC3E}">
+        <p14:creationId xmlns:p14="http://schemas.microsoft.com/office/powerpoint/2010/main" val="1943761031"/>
+      </p:ext>
+    </p:extLst>
+  </p:cSld>
+  <p:clrMapOvr>
+    <a:masterClrMapping/>
+  </p:clrMapOvr>
+</p:sld>
+</file>
+
+<file path=ppt/slides/slide26.xml><?xml version="1.0" encoding="utf-8"?>
+<p:sld xmlns:a="http://schemas.openxmlformats.org/drawingml/2006/main" xmlns:r="http://schemas.openxmlformats.org/officeDocument/2006/relationships" xmlns:p="http://schemas.openxmlformats.org/presentationml/2006/main">
+  <p:cSld>
+    <p:spTree>
+      <p:nvGrpSpPr>
+        <p:cNvPr id="1" name=""/>
+        <p:cNvGrpSpPr/>
+        <p:nvPr/>
+      </p:nvGrpSpPr>
+      <p:grpSpPr>
+        <a:xfrm>
+          <a:off x="0" y="0"/>
+          <a:ext cx="0" cy="0"/>
+          <a:chOff x="0" y="0"/>
+          <a:chExt cx="0" cy="0"/>
+        </a:xfrm>
+      </p:grpSpPr>
+      <p:sp>
+        <p:nvSpPr>
+          <p:cNvPr id="2" name="タイトル 1">
+            <a:extLst>
+              <a:ext uri="{FF2B5EF4-FFF2-40B4-BE49-F238E27FC236}">
+                <a16:creationId xmlns:a16="http://schemas.microsoft.com/office/drawing/2014/main" id="{F11F3668-F205-48C5-AC01-19611EFE561B}"/>
+              </a:ext>
+            </a:extLst>
+          </p:cNvPr>
+          <p:cNvSpPr>
+            <a:spLocks noGrp="1"/>
+          </p:cNvSpPr>
+          <p:nvPr>
+            <p:ph type="title"/>
+          </p:nvPr>
+        </p:nvSpPr>
+        <p:spPr/>
+        <p:txBody>
+          <a:bodyPr/>
+          <a:lstStyle/>
+          <a:p>
+            <a:r>
+              <a:rPr lang="en-US" altLang="ja-JP" dirty="0"/>
+              <a:t>string</a:t>
+            </a:r>
+            <a:r>
+              <a:rPr lang="ja-JP" altLang="en-US" dirty="0"/>
+              <a:t>型</a:t>
+            </a:r>
+            <a:endParaRPr kumimoji="1" lang="ja-JP" altLang="en-US" dirty="0"/>
+          </a:p>
+        </p:txBody>
+      </p:sp>
+      <p:sp>
+        <p:nvSpPr>
+          <p:cNvPr id="3" name="コンテンツ プレースホルダー 2">
+            <a:extLst>
+              <a:ext uri="{FF2B5EF4-FFF2-40B4-BE49-F238E27FC236}">
+                <a16:creationId xmlns:a16="http://schemas.microsoft.com/office/drawing/2014/main" id="{64DBE417-57E9-44A6-BB52-B2F9986BB7B2}"/>
+              </a:ext>
+            </a:extLst>
+          </p:cNvPr>
+          <p:cNvSpPr>
+            <a:spLocks noGrp="1"/>
+          </p:cNvSpPr>
+          <p:nvPr>
+            <p:ph idx="1"/>
+          </p:nvPr>
+        </p:nvSpPr>
+        <p:spPr/>
+        <p:txBody>
+          <a:bodyPr>
+            <a:normAutofit/>
+          </a:bodyPr>
+          <a:lstStyle/>
+          <a:p>
+            <a:r>
+              <a:rPr kumimoji="1" lang="en-US" altLang="ja-JP" dirty="0"/>
+              <a:t>main.cpp</a:t>
+            </a:r>
+            <a:r>
+              <a:rPr lang="en-US" altLang="ja-JP" dirty="0"/>
+              <a:t>(Sample204)</a:t>
+            </a:r>
+            <a:br>
+              <a:rPr lang="en-US" altLang="ja-JP" dirty="0"/>
+            </a:br>
+            <a:endParaRPr lang="en-US" altLang="ja-JP" dirty="0"/>
+          </a:p>
+          <a:p>
+            <a:pPr marL="0" indent="0">
+              <a:buNone/>
+            </a:pPr>
+            <a:br>
+              <a:rPr lang="en-US" altLang="ja-JP" dirty="0"/>
+            </a:br>
+            <a:br>
+              <a:rPr lang="en-US" altLang="ja-JP" dirty="0"/>
+            </a:br>
+            <a:br>
+              <a:rPr lang="en-US" altLang="ja-JP" dirty="0"/>
+            </a:br>
+            <a:br>
+              <a:rPr lang="en-US" altLang="ja-JP" sz="2400" dirty="0"/>
+            </a:br>
+            <a:br>
+              <a:rPr lang="en-US" altLang="ja-JP" sz="2400" dirty="0"/>
+            </a:br>
+            <a:endParaRPr lang="en-US" altLang="ja-JP" sz="2400" dirty="0"/>
+          </a:p>
+          <a:p>
+            <a:pPr marL="0" indent="0">
+              <a:buNone/>
+            </a:pPr>
+            <a:br>
+              <a:rPr lang="en-US" altLang="ja-JP" sz="2400" dirty="0"/>
+            </a:br>
+            <a:br>
+              <a:rPr lang="en-US" altLang="ja-JP" sz="2400" dirty="0"/>
+            </a:br>
+            <a:endParaRPr lang="en-US" altLang="ja-JP" dirty="0">
+              <a:solidFill>
+                <a:srgbClr val="FF0000"/>
+              </a:solidFill>
+            </a:endParaRPr>
+          </a:p>
+        </p:txBody>
+      </p:sp>
+      <p:sp>
+        <p:nvSpPr>
+          <p:cNvPr id="5" name="テキスト ボックス 4">
+            <a:extLst>
+              <a:ext uri="{FF2B5EF4-FFF2-40B4-BE49-F238E27FC236}">
+                <a16:creationId xmlns:a16="http://schemas.microsoft.com/office/drawing/2014/main" id="{9E32883C-0E37-4F07-9861-27609819CE8C}"/>
+              </a:ext>
+            </a:extLst>
+          </p:cNvPr>
+          <p:cNvSpPr txBox="1"/>
+          <p:nvPr/>
+        </p:nvSpPr>
+        <p:spPr>
+          <a:xfrm>
+            <a:off x="1048254" y="1942532"/>
+            <a:ext cx="10768607" cy="4524315"/>
+          </a:xfrm>
+          <a:prstGeom prst="rect">
+            <a:avLst/>
+          </a:prstGeom>
+          <a:noFill/>
+          <a:ln>
+            <a:solidFill>
+              <a:schemeClr val="tx1"/>
+            </a:solidFill>
+          </a:ln>
+        </p:spPr>
+        <p:txBody>
+          <a:bodyPr wrap="square" rtlCol="0">
+            <a:spAutoFit/>
+          </a:bodyPr>
+          <a:lstStyle/>
+          <a:p>
+            <a:r>
+              <a:rPr kumimoji="1" lang="en-US" altLang="ja-JP" sz="2400" dirty="0"/>
+              <a:t>#include &lt;iostream&gt;</a:t>
+            </a:r>
+            <a:br>
+              <a:rPr kumimoji="1" lang="en-US" altLang="ja-JP" sz="2400" dirty="0"/>
+            </a:br>
+            <a:r>
+              <a:rPr kumimoji="1" lang="en-US" altLang="ja-JP" sz="2400" dirty="0"/>
+              <a:t>#include &lt;string&gt;</a:t>
+            </a:r>
+          </a:p>
+          <a:p>
+            <a:r>
+              <a:rPr kumimoji="1" lang="en-US" altLang="ja-JP" sz="2400" dirty="0"/>
+              <a:t>using namespace std;</a:t>
+            </a:r>
+          </a:p>
+          <a:p>
+            <a:endParaRPr kumimoji="1" lang="en-US" altLang="ja-JP" sz="2400" dirty="0"/>
+          </a:p>
+          <a:p>
+            <a:r>
+              <a:rPr kumimoji="1" lang="en-US" altLang="ja-JP" sz="2400" dirty="0"/>
+              <a:t>int main() {</a:t>
+            </a:r>
+            <a:br>
+              <a:rPr kumimoji="1" lang="en-US" altLang="ja-JP" sz="2400" dirty="0"/>
+            </a:br>
+            <a:r>
+              <a:rPr kumimoji="1" lang="en-US" altLang="ja-JP" sz="2400" dirty="0"/>
+              <a:t>    </a:t>
+            </a:r>
+            <a:r>
+              <a:rPr kumimoji="1" lang="en-US" altLang="ja-JP" sz="2400" b="1" dirty="0">
+                <a:solidFill>
+                  <a:srgbClr val="00B050"/>
+                </a:solidFill>
+              </a:rPr>
+              <a:t>string</a:t>
+            </a:r>
+            <a:r>
+              <a:rPr kumimoji="1" lang="en-US" altLang="ja-JP" sz="2400" dirty="0"/>
+              <a:t> s, t;</a:t>
+            </a:r>
+            <a:br>
+              <a:rPr kumimoji="1" lang="en-US" altLang="ja-JP" sz="2400" dirty="0"/>
+            </a:br>
+            <a:r>
+              <a:rPr kumimoji="1" lang="en-US" altLang="ja-JP" sz="2400" dirty="0"/>
+              <a:t>    t = “</a:t>
+            </a:r>
+            <a:r>
+              <a:rPr kumimoji="1" lang="ja-JP" altLang="en-US" sz="2400" dirty="0"/>
+              <a:t>入力された文字列は「</a:t>
+            </a:r>
+            <a:r>
+              <a:rPr kumimoji="1" lang="en-US" altLang="ja-JP" sz="2400" dirty="0"/>
+              <a:t>”;</a:t>
+            </a:r>
+            <a:br>
+              <a:rPr kumimoji="1" lang="en-US" altLang="ja-JP" sz="2400" dirty="0"/>
+            </a:br>
+            <a:r>
+              <a:rPr kumimoji="1" lang="en-US" altLang="ja-JP" sz="2400" dirty="0"/>
+              <a:t>    </a:t>
+            </a:r>
+            <a:r>
+              <a:rPr kumimoji="1" lang="en-US" altLang="ja-JP" sz="2400" dirty="0" err="1"/>
+              <a:t>cout</a:t>
+            </a:r>
+            <a:r>
+              <a:rPr kumimoji="1" lang="en-US" altLang="ja-JP" sz="2400" dirty="0"/>
+              <a:t> &lt;&lt; “</a:t>
+            </a:r>
+            <a:r>
+              <a:rPr kumimoji="1" lang="ja-JP" altLang="en-US" sz="2400" dirty="0"/>
+              <a:t>文字列を入力</a:t>
+            </a:r>
+            <a:r>
+              <a:rPr kumimoji="1" lang="en-US" altLang="ja-JP" sz="2400" dirty="0"/>
+              <a:t>:”;</a:t>
+            </a:r>
+            <a:br>
+              <a:rPr kumimoji="1" lang="en-US" altLang="ja-JP" sz="2400" dirty="0"/>
+            </a:br>
+            <a:r>
+              <a:rPr kumimoji="1" lang="en-US" altLang="ja-JP" sz="2400" dirty="0"/>
+              <a:t>    </a:t>
+            </a:r>
+            <a:r>
+              <a:rPr kumimoji="1" lang="en-US" altLang="ja-JP" sz="2400" dirty="0" err="1"/>
+              <a:t>cin</a:t>
+            </a:r>
+            <a:r>
+              <a:rPr kumimoji="1" lang="en-US" altLang="ja-JP" sz="2400" dirty="0"/>
+              <a:t> &gt;&gt; s;</a:t>
+            </a:r>
+          </a:p>
+          <a:p>
+            <a:r>
+              <a:rPr kumimoji="1" lang="ja-JP" altLang="en-US" sz="2400" dirty="0"/>
+              <a:t>    </a:t>
+            </a:r>
+            <a:r>
+              <a:rPr kumimoji="1" lang="en-US" altLang="ja-JP" sz="2400" dirty="0" err="1"/>
+              <a:t>cout</a:t>
+            </a:r>
+            <a:r>
+              <a:rPr kumimoji="1" lang="en-US" altLang="ja-JP" sz="2400" dirty="0"/>
+              <a:t> &lt;&lt; t + s &lt;&lt; “</a:t>
+            </a:r>
+            <a:r>
+              <a:rPr kumimoji="1" lang="ja-JP" altLang="en-US" sz="2400" dirty="0"/>
+              <a:t>」です。</a:t>
+            </a:r>
+            <a:r>
+              <a:rPr kumimoji="1" lang="en-US" altLang="ja-JP" sz="2400" dirty="0"/>
+              <a:t>” &lt;&lt; </a:t>
+            </a:r>
+            <a:r>
+              <a:rPr kumimoji="1" lang="en-US" altLang="ja-JP" sz="2400" dirty="0" err="1"/>
+              <a:t>endl</a:t>
+            </a:r>
+            <a:r>
+              <a:rPr kumimoji="1" lang="en-US" altLang="ja-JP" sz="2400" dirty="0"/>
+              <a:t>;</a:t>
+            </a:r>
+            <a:r>
+              <a:rPr kumimoji="1" lang="ja-JP" altLang="en-US" sz="2400" dirty="0"/>
+              <a:t>    </a:t>
+            </a:r>
+            <a:endParaRPr kumimoji="1" lang="en-US" altLang="ja-JP" sz="2400" dirty="0"/>
+          </a:p>
+          <a:p>
+            <a:r>
+              <a:rPr kumimoji="1" lang="en-US" altLang="ja-JP" sz="2400" dirty="0"/>
+              <a:t>    return 0;</a:t>
+            </a:r>
+            <a:r>
+              <a:rPr kumimoji="1" lang="ja-JP" altLang="en-US" sz="2400" dirty="0"/>
+              <a:t>　　　　</a:t>
+            </a:r>
+            <a:endParaRPr kumimoji="1" lang="en-US" altLang="ja-JP" sz="2400" dirty="0"/>
+          </a:p>
+          <a:p>
+            <a:r>
+              <a:rPr kumimoji="1" lang="en-US" altLang="ja-JP" sz="2400" dirty="0"/>
+              <a:t>}</a:t>
+            </a:r>
+          </a:p>
+        </p:txBody>
+      </p:sp>
+      <p:sp>
+        <p:nvSpPr>
+          <p:cNvPr id="4" name="テキスト ボックス 3">
+            <a:extLst>
+              <a:ext uri="{FF2B5EF4-FFF2-40B4-BE49-F238E27FC236}">
+                <a16:creationId xmlns:a16="http://schemas.microsoft.com/office/drawing/2014/main" id="{05B52B40-6336-287D-8C5D-9B262CD0CCBC}"/>
+              </a:ext>
+            </a:extLst>
+          </p:cNvPr>
+          <p:cNvSpPr txBox="1"/>
+          <p:nvPr/>
+        </p:nvSpPr>
+        <p:spPr>
+          <a:xfrm>
+            <a:off x="4487197" y="3431887"/>
+            <a:ext cx="4394152" cy="523220"/>
+          </a:xfrm>
+          <a:prstGeom prst="rect">
+            <a:avLst/>
+          </a:prstGeom>
+          <a:solidFill>
+            <a:schemeClr val="bg1"/>
+          </a:solidFill>
+          <a:ln w="19050">
+            <a:solidFill>
+              <a:srgbClr val="FF0000"/>
+            </a:solidFill>
+          </a:ln>
+        </p:spPr>
+        <p:txBody>
+          <a:bodyPr wrap="none" rtlCol="0">
+            <a:spAutoFit/>
+          </a:bodyPr>
+          <a:lstStyle/>
+          <a:p>
+            <a:r>
+              <a:rPr kumimoji="1" lang="ja-JP" altLang="en-US" sz="2800" dirty="0"/>
+              <a:t>文字列変数</a:t>
+            </a:r>
+            <a:r>
+              <a:rPr kumimoji="1" lang="en-US" altLang="ja-JP" sz="2800" dirty="0">
+                <a:solidFill>
+                  <a:srgbClr val="00B050"/>
+                </a:solidFill>
+              </a:rPr>
+              <a:t>string</a:t>
+            </a:r>
+            <a:r>
+              <a:rPr kumimoji="1" lang="ja-JP" altLang="en-US" sz="2800" dirty="0"/>
+              <a:t>の宣言</a:t>
+            </a:r>
+            <a:endParaRPr kumimoji="1" lang="ja-JP" altLang="en-US" sz="2800" dirty="0">
+              <a:solidFill>
+                <a:srgbClr val="00B050"/>
+              </a:solidFill>
+            </a:endParaRPr>
+          </a:p>
+        </p:txBody>
+      </p:sp>
+    </p:spTree>
+    <p:extLst>
+      <p:ext uri="{BB962C8B-B14F-4D97-AF65-F5344CB8AC3E}">
+        <p14:creationId xmlns:p14="http://schemas.microsoft.com/office/powerpoint/2010/main" val="3548330959"/>
+      </p:ext>
+    </p:extLst>
+  </p:cSld>
+  <p:clrMapOvr>
+    <a:masterClrMapping/>
+  </p:clrMapOvr>
+</p:sld>
+</file>
+
+<file path=ppt/slides/slide27.xml><?xml version="1.0" encoding="utf-8"?>
+<p:sld xmlns:a="http://schemas.openxmlformats.org/drawingml/2006/main" xmlns:r="http://schemas.openxmlformats.org/officeDocument/2006/relationships" xmlns:p="http://schemas.openxmlformats.org/presentationml/2006/main">
+  <p:cSld>
+    <p:spTree>
+      <p:nvGrpSpPr>
+        <p:cNvPr id="1" name=""/>
+        <p:cNvGrpSpPr/>
+        <p:nvPr/>
+      </p:nvGrpSpPr>
+      <p:grpSpPr>
+        <a:xfrm>
+          <a:off x="0" y="0"/>
+          <a:ext cx="0" cy="0"/>
+          <a:chOff x="0" y="0"/>
+          <a:chExt cx="0" cy="0"/>
+        </a:xfrm>
+      </p:grpSpPr>
+      <p:sp>
+        <p:nvSpPr>
+          <p:cNvPr id="2" name="タイトル 1">
+            <a:extLst>
+              <a:ext uri="{FF2B5EF4-FFF2-40B4-BE49-F238E27FC236}">
+                <a16:creationId xmlns:a16="http://schemas.microsoft.com/office/drawing/2014/main" id="{F11F3668-F205-48C5-AC01-19611EFE561B}"/>
+              </a:ext>
+            </a:extLst>
+          </p:cNvPr>
+          <p:cNvSpPr>
+            <a:spLocks noGrp="1"/>
+          </p:cNvSpPr>
+          <p:nvPr>
+            <p:ph type="title"/>
+          </p:nvPr>
+        </p:nvSpPr>
+        <p:spPr/>
+        <p:txBody>
+          <a:bodyPr/>
+          <a:lstStyle/>
+          <a:p>
+            <a:r>
+              <a:rPr lang="en-US" altLang="ja-JP" dirty="0"/>
+              <a:t>string</a:t>
+            </a:r>
+            <a:r>
+              <a:rPr lang="ja-JP" altLang="en-US" dirty="0"/>
+              <a:t>型</a:t>
+            </a:r>
+            <a:endParaRPr kumimoji="1" lang="ja-JP" altLang="en-US" dirty="0"/>
+          </a:p>
+        </p:txBody>
+      </p:sp>
+      <p:sp>
+        <p:nvSpPr>
+          <p:cNvPr id="3" name="コンテンツ プレースホルダー 2">
+            <a:extLst>
+              <a:ext uri="{FF2B5EF4-FFF2-40B4-BE49-F238E27FC236}">
+                <a16:creationId xmlns:a16="http://schemas.microsoft.com/office/drawing/2014/main" id="{64DBE417-57E9-44A6-BB52-B2F9986BB7B2}"/>
+              </a:ext>
+            </a:extLst>
+          </p:cNvPr>
+          <p:cNvSpPr>
+            <a:spLocks noGrp="1"/>
+          </p:cNvSpPr>
+          <p:nvPr>
+            <p:ph idx="1"/>
+          </p:nvPr>
+        </p:nvSpPr>
+        <p:spPr/>
+        <p:txBody>
+          <a:bodyPr>
+            <a:normAutofit/>
+          </a:bodyPr>
+          <a:lstStyle/>
+          <a:p>
+            <a:r>
+              <a:rPr kumimoji="1" lang="en-US" altLang="ja-JP" dirty="0"/>
+              <a:t>main.cpp</a:t>
+            </a:r>
+            <a:r>
+              <a:rPr lang="en-US" altLang="ja-JP" dirty="0"/>
+              <a:t>(Sample204)</a:t>
+            </a:r>
+            <a:br>
+              <a:rPr lang="en-US" altLang="ja-JP" dirty="0"/>
+            </a:br>
+            <a:endParaRPr lang="en-US" altLang="ja-JP" dirty="0"/>
+          </a:p>
+          <a:p>
+            <a:pPr marL="0" indent="0">
+              <a:buNone/>
+            </a:pPr>
+            <a:br>
+              <a:rPr lang="en-US" altLang="ja-JP" dirty="0"/>
+            </a:br>
+            <a:br>
+              <a:rPr lang="en-US" altLang="ja-JP" dirty="0"/>
+            </a:br>
+            <a:br>
+              <a:rPr lang="en-US" altLang="ja-JP" dirty="0"/>
+            </a:br>
+            <a:br>
+              <a:rPr lang="en-US" altLang="ja-JP" sz="2400" dirty="0"/>
+            </a:br>
+            <a:br>
+              <a:rPr lang="en-US" altLang="ja-JP" sz="2400" dirty="0"/>
+            </a:br>
+            <a:endParaRPr lang="en-US" altLang="ja-JP" sz="2400" dirty="0"/>
+          </a:p>
+          <a:p>
+            <a:pPr marL="0" indent="0">
+              <a:buNone/>
+            </a:pPr>
+            <a:br>
+              <a:rPr lang="en-US" altLang="ja-JP" sz="2400" dirty="0"/>
+            </a:br>
+            <a:br>
+              <a:rPr lang="en-US" altLang="ja-JP" sz="2400" dirty="0"/>
+            </a:br>
+            <a:endParaRPr lang="en-US" altLang="ja-JP" dirty="0">
+              <a:solidFill>
+                <a:srgbClr val="FF0000"/>
+              </a:solidFill>
+            </a:endParaRPr>
+          </a:p>
+        </p:txBody>
+      </p:sp>
+      <p:sp>
+        <p:nvSpPr>
+          <p:cNvPr id="5" name="テキスト ボックス 4">
+            <a:extLst>
+              <a:ext uri="{FF2B5EF4-FFF2-40B4-BE49-F238E27FC236}">
+                <a16:creationId xmlns:a16="http://schemas.microsoft.com/office/drawing/2014/main" id="{9E32883C-0E37-4F07-9861-27609819CE8C}"/>
+              </a:ext>
+            </a:extLst>
+          </p:cNvPr>
+          <p:cNvSpPr txBox="1"/>
+          <p:nvPr/>
+        </p:nvSpPr>
+        <p:spPr>
+          <a:xfrm>
+            <a:off x="1048254" y="1942532"/>
+            <a:ext cx="10768607" cy="4524315"/>
+          </a:xfrm>
+          <a:prstGeom prst="rect">
+            <a:avLst/>
+          </a:prstGeom>
+          <a:noFill/>
+          <a:ln>
+            <a:solidFill>
+              <a:schemeClr val="tx1"/>
+            </a:solidFill>
+          </a:ln>
+        </p:spPr>
+        <p:txBody>
+          <a:bodyPr wrap="square" rtlCol="0">
+            <a:spAutoFit/>
+          </a:bodyPr>
+          <a:lstStyle/>
+          <a:p>
+            <a:r>
+              <a:rPr kumimoji="1" lang="en-US" altLang="ja-JP" sz="2400" dirty="0"/>
+              <a:t>#include &lt;iostream&gt;</a:t>
+            </a:r>
+            <a:br>
+              <a:rPr kumimoji="1" lang="en-US" altLang="ja-JP" sz="2400" dirty="0"/>
+            </a:br>
+            <a:r>
+              <a:rPr kumimoji="1" lang="en-US" altLang="ja-JP" sz="2400" dirty="0"/>
+              <a:t>#include &lt;string&gt;</a:t>
+            </a:r>
+          </a:p>
+          <a:p>
+            <a:r>
+              <a:rPr kumimoji="1" lang="en-US" altLang="ja-JP" sz="2400" dirty="0"/>
+              <a:t>using namespace std;</a:t>
+            </a:r>
+          </a:p>
+          <a:p>
+            <a:endParaRPr kumimoji="1" lang="en-US" altLang="ja-JP" sz="2400" dirty="0"/>
+          </a:p>
+          <a:p>
+            <a:r>
+              <a:rPr kumimoji="1" lang="en-US" altLang="ja-JP" sz="2400" dirty="0"/>
+              <a:t>int main() {</a:t>
+            </a:r>
+            <a:br>
+              <a:rPr kumimoji="1" lang="en-US" altLang="ja-JP" sz="2400" dirty="0"/>
+            </a:br>
+            <a:r>
+              <a:rPr kumimoji="1" lang="en-US" altLang="ja-JP" sz="2400" dirty="0"/>
+              <a:t>    string s, t;</a:t>
+            </a:r>
+            <a:br>
+              <a:rPr kumimoji="1" lang="en-US" altLang="ja-JP" sz="2400" dirty="0"/>
+            </a:br>
+            <a:r>
+              <a:rPr kumimoji="1" lang="en-US" altLang="ja-JP" sz="2400" dirty="0"/>
+              <a:t>    </a:t>
+            </a:r>
+            <a:r>
+              <a:rPr kumimoji="1" lang="en-US" altLang="ja-JP" sz="2400" b="1" dirty="0">
+                <a:solidFill>
+                  <a:srgbClr val="FF0000"/>
+                </a:solidFill>
+              </a:rPr>
+              <a:t>t =</a:t>
+            </a:r>
+            <a:r>
+              <a:rPr kumimoji="1" lang="en-US" altLang="ja-JP" sz="2400" dirty="0"/>
+              <a:t> “</a:t>
+            </a:r>
+            <a:r>
+              <a:rPr kumimoji="1" lang="ja-JP" altLang="en-US" sz="2400" dirty="0"/>
+              <a:t>入力された文字列は「</a:t>
+            </a:r>
+            <a:r>
+              <a:rPr kumimoji="1" lang="en-US" altLang="ja-JP" sz="2400" dirty="0"/>
+              <a:t>”;</a:t>
+            </a:r>
+            <a:br>
+              <a:rPr kumimoji="1" lang="en-US" altLang="ja-JP" sz="2400" dirty="0"/>
+            </a:br>
+            <a:r>
+              <a:rPr kumimoji="1" lang="en-US" altLang="ja-JP" sz="2400" dirty="0"/>
+              <a:t>    </a:t>
+            </a:r>
+            <a:r>
+              <a:rPr kumimoji="1" lang="en-US" altLang="ja-JP" sz="2400" dirty="0" err="1"/>
+              <a:t>cout</a:t>
+            </a:r>
+            <a:r>
+              <a:rPr kumimoji="1" lang="en-US" altLang="ja-JP" sz="2400" dirty="0"/>
+              <a:t> &lt;&lt; “</a:t>
+            </a:r>
+            <a:r>
+              <a:rPr kumimoji="1" lang="ja-JP" altLang="en-US" sz="2400" dirty="0"/>
+              <a:t>文字列を入力</a:t>
+            </a:r>
+            <a:r>
+              <a:rPr kumimoji="1" lang="en-US" altLang="ja-JP" sz="2400" dirty="0"/>
+              <a:t>:”;</a:t>
+            </a:r>
+            <a:br>
+              <a:rPr kumimoji="1" lang="en-US" altLang="ja-JP" sz="2400" dirty="0"/>
+            </a:br>
+            <a:r>
+              <a:rPr kumimoji="1" lang="en-US" altLang="ja-JP" sz="2400" dirty="0"/>
+              <a:t>    </a:t>
+            </a:r>
+            <a:r>
+              <a:rPr kumimoji="1" lang="en-US" altLang="ja-JP" sz="2400" dirty="0" err="1"/>
+              <a:t>cin</a:t>
+            </a:r>
+            <a:r>
+              <a:rPr kumimoji="1" lang="en-US" altLang="ja-JP" sz="2400" dirty="0"/>
+              <a:t> &gt;&gt; s;</a:t>
+            </a:r>
+          </a:p>
+          <a:p>
+            <a:r>
+              <a:rPr kumimoji="1" lang="ja-JP" altLang="en-US" sz="2400" dirty="0"/>
+              <a:t>    </a:t>
+            </a:r>
+            <a:r>
+              <a:rPr kumimoji="1" lang="en-US" altLang="ja-JP" sz="2400" dirty="0" err="1"/>
+              <a:t>cout</a:t>
+            </a:r>
+            <a:r>
+              <a:rPr kumimoji="1" lang="en-US" altLang="ja-JP" sz="2400" dirty="0"/>
+              <a:t> &lt;&lt; t + s &lt;&lt; “</a:t>
+            </a:r>
+            <a:r>
+              <a:rPr kumimoji="1" lang="ja-JP" altLang="en-US" sz="2400" dirty="0"/>
+              <a:t>」です。</a:t>
+            </a:r>
+            <a:r>
+              <a:rPr kumimoji="1" lang="en-US" altLang="ja-JP" sz="2400" dirty="0"/>
+              <a:t>” &lt;&lt; </a:t>
+            </a:r>
+            <a:r>
+              <a:rPr kumimoji="1" lang="en-US" altLang="ja-JP" sz="2400" dirty="0" err="1"/>
+              <a:t>endl</a:t>
+            </a:r>
+            <a:r>
+              <a:rPr kumimoji="1" lang="en-US" altLang="ja-JP" sz="2400" dirty="0"/>
+              <a:t>;</a:t>
+            </a:r>
+            <a:r>
+              <a:rPr kumimoji="1" lang="ja-JP" altLang="en-US" sz="2400" dirty="0"/>
+              <a:t>    </a:t>
+            </a:r>
+            <a:endParaRPr kumimoji="1" lang="en-US" altLang="ja-JP" sz="2400" dirty="0"/>
+          </a:p>
+          <a:p>
+            <a:r>
+              <a:rPr kumimoji="1" lang="en-US" altLang="ja-JP" sz="2400" dirty="0"/>
+              <a:t>    return 0;</a:t>
+            </a:r>
+            <a:r>
+              <a:rPr kumimoji="1" lang="ja-JP" altLang="en-US" sz="2400" dirty="0"/>
+              <a:t>　　　　</a:t>
+            </a:r>
+            <a:endParaRPr kumimoji="1" lang="en-US" altLang="ja-JP" sz="2400" dirty="0"/>
+          </a:p>
+          <a:p>
+            <a:r>
+              <a:rPr kumimoji="1" lang="en-US" altLang="ja-JP" sz="2400" dirty="0"/>
+              <a:t>}</a:t>
+            </a:r>
+          </a:p>
+        </p:txBody>
+      </p:sp>
+      <p:sp>
+        <p:nvSpPr>
+          <p:cNvPr id="4" name="テキスト ボックス 3">
+            <a:extLst>
+              <a:ext uri="{FF2B5EF4-FFF2-40B4-BE49-F238E27FC236}">
+                <a16:creationId xmlns:a16="http://schemas.microsoft.com/office/drawing/2014/main" id="{05B52B40-6336-287D-8C5D-9B262CD0CCBC}"/>
+              </a:ext>
+            </a:extLst>
+          </p:cNvPr>
+          <p:cNvSpPr txBox="1"/>
+          <p:nvPr/>
+        </p:nvSpPr>
+        <p:spPr>
+          <a:xfrm>
+            <a:off x="6536394" y="2133023"/>
+            <a:ext cx="4607352" cy="2246769"/>
+          </a:xfrm>
+          <a:prstGeom prst="rect">
+            <a:avLst/>
+          </a:prstGeom>
+          <a:solidFill>
+            <a:schemeClr val="bg1"/>
+          </a:solidFill>
+          <a:ln w="19050">
+            <a:solidFill>
+              <a:srgbClr val="FF0000"/>
+            </a:solidFill>
+          </a:ln>
+        </p:spPr>
+        <p:txBody>
+          <a:bodyPr wrap="none" rtlCol="0">
+            <a:spAutoFit/>
+          </a:bodyPr>
+          <a:lstStyle/>
+          <a:p>
+            <a:r>
+              <a:rPr kumimoji="1" lang="en-US" altLang="ja-JP" sz="2800" dirty="0"/>
+              <a:t>string</a:t>
+            </a:r>
+            <a:r>
+              <a:rPr kumimoji="1" lang="ja-JP" altLang="en-US" sz="2800" dirty="0"/>
+              <a:t>型の変数には</a:t>
+            </a:r>
+            <a:endParaRPr kumimoji="1" lang="en-US" altLang="ja-JP" sz="2800" dirty="0"/>
+          </a:p>
+          <a:p>
+            <a:r>
+              <a:rPr kumimoji="1" lang="ja-JP" altLang="en-US" sz="2800" dirty="0"/>
+              <a:t>代入演算子「</a:t>
+            </a:r>
+            <a:r>
+              <a:rPr kumimoji="1" lang="ja-JP" altLang="en-US" sz="2800" dirty="0">
+                <a:solidFill>
+                  <a:srgbClr val="FF0000"/>
+                </a:solidFill>
+              </a:rPr>
+              <a:t>＝</a:t>
+            </a:r>
+            <a:r>
+              <a:rPr kumimoji="1" lang="ja-JP" altLang="en-US" sz="2800" dirty="0"/>
+              <a:t>」を使って</a:t>
+            </a:r>
+            <a:endParaRPr kumimoji="1" lang="en-US" altLang="ja-JP" sz="2800" dirty="0"/>
+          </a:p>
+          <a:p>
+            <a:r>
+              <a:rPr kumimoji="1" lang="ja-JP" altLang="en-US" sz="2800" dirty="0"/>
+              <a:t>直接文字列の</a:t>
+            </a:r>
+            <a:r>
+              <a:rPr kumimoji="1" lang="ja-JP" altLang="en-US" sz="2800" b="1" dirty="0">
+                <a:solidFill>
+                  <a:srgbClr val="FF0000"/>
+                </a:solidFill>
+              </a:rPr>
+              <a:t>代入</a:t>
+            </a:r>
+            <a:r>
+              <a:rPr kumimoji="1" lang="ja-JP" altLang="en-US" sz="2800" dirty="0"/>
+              <a:t>が可能</a:t>
+            </a:r>
+            <a:br>
+              <a:rPr kumimoji="1" lang="en-US" altLang="ja-JP" sz="2800" dirty="0"/>
+            </a:br>
+            <a:br>
+              <a:rPr kumimoji="1" lang="en-US" altLang="ja-JP" sz="2800" dirty="0"/>
+            </a:br>
+            <a:r>
+              <a:rPr kumimoji="1" lang="en-US" altLang="ja-JP" sz="2800" dirty="0"/>
+              <a:t>※C</a:t>
+            </a:r>
+            <a:r>
+              <a:rPr kumimoji="1" lang="ja-JP" altLang="en-US" sz="2800" dirty="0"/>
+              <a:t>言語では</a:t>
+            </a:r>
+            <a:r>
+              <a:rPr kumimoji="1" lang="en-US" altLang="ja-JP" sz="2800" dirty="0" err="1"/>
+              <a:t>strcpy</a:t>
+            </a:r>
+            <a:r>
+              <a:rPr kumimoji="1" lang="ja-JP" altLang="en-US" sz="2800" dirty="0"/>
+              <a:t>が必要</a:t>
+            </a:r>
+          </a:p>
+        </p:txBody>
+      </p:sp>
+    </p:spTree>
+    <p:extLst>
+      <p:ext uri="{BB962C8B-B14F-4D97-AF65-F5344CB8AC3E}">
+        <p14:creationId xmlns:p14="http://schemas.microsoft.com/office/powerpoint/2010/main" val="1117198497"/>
+      </p:ext>
+    </p:extLst>
+  </p:cSld>
+  <p:clrMapOvr>
+    <a:masterClrMapping/>
+  </p:clrMapOvr>
+</p:sld>
+</file>
+
+<file path=ppt/slides/slide28.xml><?xml version="1.0" encoding="utf-8"?>
+<p:sld xmlns:a="http://schemas.openxmlformats.org/drawingml/2006/main" xmlns:r="http://schemas.openxmlformats.org/officeDocument/2006/relationships" xmlns:p="http://schemas.openxmlformats.org/presentationml/2006/main">
+  <p:cSld>
+    <p:spTree>
+      <p:nvGrpSpPr>
+        <p:cNvPr id="1" name=""/>
+        <p:cNvGrpSpPr/>
+        <p:nvPr/>
+      </p:nvGrpSpPr>
+      <p:grpSpPr>
+        <a:xfrm>
+          <a:off x="0" y="0"/>
+          <a:ext cx="0" cy="0"/>
+          <a:chOff x="0" y="0"/>
+          <a:chExt cx="0" cy="0"/>
+        </a:xfrm>
+      </p:grpSpPr>
+      <p:sp>
+        <p:nvSpPr>
+          <p:cNvPr id="2" name="タイトル 1">
+            <a:extLst>
+              <a:ext uri="{FF2B5EF4-FFF2-40B4-BE49-F238E27FC236}">
+                <a16:creationId xmlns:a16="http://schemas.microsoft.com/office/drawing/2014/main" id="{F11F3668-F205-48C5-AC01-19611EFE561B}"/>
+              </a:ext>
+            </a:extLst>
+          </p:cNvPr>
+          <p:cNvSpPr>
+            <a:spLocks noGrp="1"/>
+          </p:cNvSpPr>
+          <p:nvPr>
+            <p:ph type="title"/>
+          </p:nvPr>
+        </p:nvSpPr>
+        <p:spPr/>
+        <p:txBody>
+          <a:bodyPr/>
+          <a:lstStyle/>
+          <a:p>
+            <a:r>
+              <a:rPr lang="en-US" altLang="ja-JP" dirty="0"/>
+              <a:t>string</a:t>
+            </a:r>
+            <a:r>
+              <a:rPr lang="ja-JP" altLang="en-US" dirty="0"/>
+              <a:t>型</a:t>
+            </a:r>
+            <a:endParaRPr kumimoji="1" lang="ja-JP" altLang="en-US" dirty="0"/>
+          </a:p>
+        </p:txBody>
+      </p:sp>
+      <p:sp>
+        <p:nvSpPr>
+          <p:cNvPr id="3" name="コンテンツ プレースホルダー 2">
+            <a:extLst>
+              <a:ext uri="{FF2B5EF4-FFF2-40B4-BE49-F238E27FC236}">
+                <a16:creationId xmlns:a16="http://schemas.microsoft.com/office/drawing/2014/main" id="{64DBE417-57E9-44A6-BB52-B2F9986BB7B2}"/>
+              </a:ext>
+            </a:extLst>
+          </p:cNvPr>
+          <p:cNvSpPr>
+            <a:spLocks noGrp="1"/>
+          </p:cNvSpPr>
+          <p:nvPr>
+            <p:ph idx="1"/>
+          </p:nvPr>
+        </p:nvSpPr>
+        <p:spPr/>
+        <p:txBody>
+          <a:bodyPr>
+            <a:normAutofit/>
+          </a:bodyPr>
+          <a:lstStyle/>
+          <a:p>
+            <a:r>
+              <a:rPr kumimoji="1" lang="en-US" altLang="ja-JP" dirty="0"/>
+              <a:t>main.cpp</a:t>
+            </a:r>
+            <a:r>
+              <a:rPr lang="en-US" altLang="ja-JP" dirty="0"/>
+              <a:t>(Sample204)</a:t>
+            </a:r>
+            <a:br>
+              <a:rPr lang="en-US" altLang="ja-JP" dirty="0"/>
+            </a:br>
+            <a:endParaRPr lang="en-US" altLang="ja-JP" dirty="0"/>
+          </a:p>
+          <a:p>
+            <a:pPr marL="0" indent="0">
+              <a:buNone/>
+            </a:pPr>
+            <a:br>
+              <a:rPr lang="en-US" altLang="ja-JP" dirty="0"/>
+            </a:br>
+            <a:br>
+              <a:rPr lang="en-US" altLang="ja-JP" dirty="0"/>
+            </a:br>
+            <a:br>
+              <a:rPr lang="en-US" altLang="ja-JP" dirty="0"/>
+            </a:br>
+            <a:br>
+              <a:rPr lang="en-US" altLang="ja-JP" sz="2400" dirty="0"/>
+            </a:br>
+            <a:br>
+              <a:rPr lang="en-US" altLang="ja-JP" sz="2400" dirty="0"/>
+            </a:br>
+            <a:endParaRPr lang="en-US" altLang="ja-JP" sz="2400" dirty="0"/>
+          </a:p>
+          <a:p>
+            <a:pPr marL="0" indent="0">
+              <a:buNone/>
+            </a:pPr>
+            <a:br>
+              <a:rPr lang="en-US" altLang="ja-JP" sz="2400" dirty="0"/>
+            </a:br>
+            <a:br>
+              <a:rPr lang="en-US" altLang="ja-JP" sz="2400" dirty="0"/>
+            </a:br>
+            <a:endParaRPr lang="en-US" altLang="ja-JP" dirty="0">
+              <a:solidFill>
+                <a:srgbClr val="FF0000"/>
+              </a:solidFill>
+            </a:endParaRPr>
+          </a:p>
+        </p:txBody>
+      </p:sp>
+      <p:sp>
+        <p:nvSpPr>
+          <p:cNvPr id="5" name="テキスト ボックス 4">
+            <a:extLst>
+              <a:ext uri="{FF2B5EF4-FFF2-40B4-BE49-F238E27FC236}">
+                <a16:creationId xmlns:a16="http://schemas.microsoft.com/office/drawing/2014/main" id="{9E32883C-0E37-4F07-9861-27609819CE8C}"/>
+              </a:ext>
+            </a:extLst>
+          </p:cNvPr>
+          <p:cNvSpPr txBox="1"/>
+          <p:nvPr/>
+        </p:nvSpPr>
+        <p:spPr>
+          <a:xfrm>
+            <a:off x="1048254" y="1942532"/>
+            <a:ext cx="10768607" cy="4524315"/>
+          </a:xfrm>
+          <a:prstGeom prst="rect">
+            <a:avLst/>
+          </a:prstGeom>
+          <a:noFill/>
+          <a:ln>
+            <a:solidFill>
+              <a:schemeClr val="tx1"/>
+            </a:solidFill>
+          </a:ln>
+        </p:spPr>
+        <p:txBody>
+          <a:bodyPr wrap="square" rtlCol="0">
+            <a:spAutoFit/>
+          </a:bodyPr>
+          <a:lstStyle/>
+          <a:p>
+            <a:r>
+              <a:rPr kumimoji="1" lang="en-US" altLang="ja-JP" sz="2400" dirty="0"/>
+              <a:t>#include &lt;iostream&gt;</a:t>
+            </a:r>
+            <a:br>
+              <a:rPr kumimoji="1" lang="en-US" altLang="ja-JP" sz="2400" dirty="0"/>
+            </a:br>
+            <a:r>
+              <a:rPr kumimoji="1" lang="en-US" altLang="ja-JP" sz="2400" dirty="0"/>
+              <a:t>#include &lt;string&gt;</a:t>
+            </a:r>
+          </a:p>
+          <a:p>
+            <a:r>
+              <a:rPr kumimoji="1" lang="en-US" altLang="ja-JP" sz="2400" dirty="0"/>
+              <a:t>using namespace std;</a:t>
+            </a:r>
+          </a:p>
+          <a:p>
+            <a:endParaRPr kumimoji="1" lang="en-US" altLang="ja-JP" sz="2400" dirty="0"/>
+          </a:p>
+          <a:p>
+            <a:r>
+              <a:rPr kumimoji="1" lang="en-US" altLang="ja-JP" sz="2400" dirty="0"/>
+              <a:t>int main() {</a:t>
+            </a:r>
+            <a:br>
+              <a:rPr kumimoji="1" lang="en-US" altLang="ja-JP" sz="2400" dirty="0"/>
+            </a:br>
+            <a:r>
+              <a:rPr kumimoji="1" lang="en-US" altLang="ja-JP" sz="2400" dirty="0"/>
+              <a:t>    string s, t;</a:t>
+            </a:r>
+            <a:br>
+              <a:rPr kumimoji="1" lang="en-US" altLang="ja-JP" sz="2400" dirty="0"/>
+            </a:br>
+            <a:r>
+              <a:rPr kumimoji="1" lang="en-US" altLang="ja-JP" sz="2400" dirty="0"/>
+              <a:t>    </a:t>
+            </a:r>
+            <a:r>
+              <a:rPr kumimoji="1" lang="en-US" altLang="ja-JP" sz="2400" b="1" dirty="0"/>
+              <a:t>t</a:t>
+            </a:r>
+            <a:r>
+              <a:rPr kumimoji="1" lang="en-US" altLang="ja-JP" sz="2400" b="1" dirty="0">
+                <a:solidFill>
+                  <a:srgbClr val="FF0000"/>
+                </a:solidFill>
+              </a:rPr>
+              <a:t> </a:t>
+            </a:r>
+            <a:r>
+              <a:rPr kumimoji="1" lang="en-US" altLang="ja-JP" sz="2400" dirty="0"/>
+              <a:t>= “</a:t>
+            </a:r>
+            <a:r>
+              <a:rPr kumimoji="1" lang="ja-JP" altLang="en-US" sz="2400" dirty="0"/>
+              <a:t>入力された文字列は「</a:t>
+            </a:r>
+            <a:r>
+              <a:rPr kumimoji="1" lang="en-US" altLang="ja-JP" sz="2400" dirty="0"/>
+              <a:t>”;</a:t>
+            </a:r>
+            <a:br>
+              <a:rPr kumimoji="1" lang="en-US" altLang="ja-JP" sz="2400" dirty="0"/>
+            </a:br>
+            <a:r>
+              <a:rPr kumimoji="1" lang="en-US" altLang="ja-JP" sz="2400" dirty="0"/>
+              <a:t>    </a:t>
+            </a:r>
+            <a:r>
+              <a:rPr kumimoji="1" lang="en-US" altLang="ja-JP" sz="2400" dirty="0" err="1"/>
+              <a:t>cout</a:t>
+            </a:r>
+            <a:r>
+              <a:rPr kumimoji="1" lang="en-US" altLang="ja-JP" sz="2400" dirty="0"/>
+              <a:t> &lt;&lt; “</a:t>
+            </a:r>
+            <a:r>
+              <a:rPr kumimoji="1" lang="ja-JP" altLang="en-US" sz="2400" dirty="0"/>
+              <a:t>文字列を入力</a:t>
+            </a:r>
+            <a:r>
+              <a:rPr kumimoji="1" lang="en-US" altLang="ja-JP" sz="2400" dirty="0"/>
+              <a:t>:”;</a:t>
+            </a:r>
+            <a:br>
+              <a:rPr kumimoji="1" lang="en-US" altLang="ja-JP" sz="2400" dirty="0"/>
+            </a:br>
+            <a:r>
+              <a:rPr kumimoji="1" lang="en-US" altLang="ja-JP" sz="2400" dirty="0"/>
+              <a:t>    </a:t>
+            </a:r>
+            <a:r>
+              <a:rPr kumimoji="1" lang="en-US" altLang="ja-JP" sz="2400" dirty="0" err="1"/>
+              <a:t>cin</a:t>
+            </a:r>
+            <a:r>
+              <a:rPr kumimoji="1" lang="en-US" altLang="ja-JP" sz="2400" dirty="0"/>
+              <a:t> &gt;&gt; s;</a:t>
+            </a:r>
+          </a:p>
+          <a:p>
+            <a:r>
+              <a:rPr kumimoji="1" lang="ja-JP" altLang="en-US" sz="2400" dirty="0"/>
+              <a:t>    </a:t>
+            </a:r>
+            <a:r>
+              <a:rPr kumimoji="1" lang="en-US" altLang="ja-JP" sz="2400" dirty="0" err="1"/>
+              <a:t>cout</a:t>
+            </a:r>
+            <a:r>
+              <a:rPr kumimoji="1" lang="en-US" altLang="ja-JP" sz="2400" dirty="0"/>
+              <a:t> &lt;&lt; </a:t>
+            </a:r>
+            <a:r>
+              <a:rPr kumimoji="1" lang="en-US" altLang="ja-JP" sz="2400" dirty="0">
+                <a:solidFill>
+                  <a:srgbClr val="FF0000"/>
+                </a:solidFill>
+              </a:rPr>
+              <a:t>t </a:t>
+            </a:r>
+            <a:r>
+              <a:rPr kumimoji="1" lang="en-US" altLang="ja-JP" sz="2400" b="1" dirty="0">
+                <a:solidFill>
+                  <a:srgbClr val="FF0000"/>
+                </a:solidFill>
+              </a:rPr>
+              <a:t>+</a:t>
+            </a:r>
+            <a:r>
+              <a:rPr kumimoji="1" lang="en-US" altLang="ja-JP" sz="2400" dirty="0">
+                <a:solidFill>
+                  <a:srgbClr val="FF0000"/>
+                </a:solidFill>
+              </a:rPr>
+              <a:t> s </a:t>
+            </a:r>
+            <a:r>
+              <a:rPr kumimoji="1" lang="en-US" altLang="ja-JP" sz="2400" dirty="0"/>
+              <a:t>&lt;&lt; “</a:t>
+            </a:r>
+            <a:r>
+              <a:rPr kumimoji="1" lang="ja-JP" altLang="en-US" sz="2400" dirty="0"/>
+              <a:t>」です。</a:t>
+            </a:r>
+            <a:r>
+              <a:rPr kumimoji="1" lang="en-US" altLang="ja-JP" sz="2400" dirty="0"/>
+              <a:t>” &lt;&lt; </a:t>
+            </a:r>
+            <a:r>
+              <a:rPr kumimoji="1" lang="en-US" altLang="ja-JP" sz="2400" dirty="0" err="1"/>
+              <a:t>endl</a:t>
+            </a:r>
+            <a:r>
+              <a:rPr kumimoji="1" lang="en-US" altLang="ja-JP" sz="2400" dirty="0"/>
+              <a:t>;</a:t>
+            </a:r>
+            <a:r>
+              <a:rPr kumimoji="1" lang="ja-JP" altLang="en-US" sz="2400" dirty="0"/>
+              <a:t>    </a:t>
+            </a:r>
+            <a:endParaRPr kumimoji="1" lang="en-US" altLang="ja-JP" sz="2400" dirty="0"/>
+          </a:p>
+          <a:p>
+            <a:r>
+              <a:rPr kumimoji="1" lang="en-US" altLang="ja-JP" sz="2400" dirty="0"/>
+              <a:t>    return 0;</a:t>
+            </a:r>
+            <a:r>
+              <a:rPr kumimoji="1" lang="ja-JP" altLang="en-US" sz="2400" dirty="0"/>
+              <a:t>　　　　</a:t>
+            </a:r>
+            <a:endParaRPr kumimoji="1" lang="en-US" altLang="ja-JP" sz="2400" dirty="0"/>
+          </a:p>
+          <a:p>
+            <a:r>
+              <a:rPr kumimoji="1" lang="en-US" altLang="ja-JP" sz="2400" dirty="0"/>
+              <a:t>}</a:t>
+            </a:r>
+          </a:p>
+        </p:txBody>
+      </p:sp>
+      <p:sp>
+        <p:nvSpPr>
+          <p:cNvPr id="4" name="テキスト ボックス 3">
+            <a:extLst>
+              <a:ext uri="{FF2B5EF4-FFF2-40B4-BE49-F238E27FC236}">
+                <a16:creationId xmlns:a16="http://schemas.microsoft.com/office/drawing/2014/main" id="{05B52B40-6336-287D-8C5D-9B262CD0CCBC}"/>
+              </a:ext>
+            </a:extLst>
+          </p:cNvPr>
+          <p:cNvSpPr txBox="1"/>
+          <p:nvPr/>
+        </p:nvSpPr>
+        <p:spPr>
+          <a:xfrm>
+            <a:off x="6536394" y="2133023"/>
+            <a:ext cx="4607352" cy="2246769"/>
+          </a:xfrm>
+          <a:prstGeom prst="rect">
+            <a:avLst/>
+          </a:prstGeom>
+          <a:solidFill>
+            <a:schemeClr val="bg1"/>
+          </a:solidFill>
+          <a:ln w="19050">
+            <a:solidFill>
+              <a:srgbClr val="FF0000"/>
+            </a:solidFill>
+          </a:ln>
+        </p:spPr>
+        <p:txBody>
+          <a:bodyPr wrap="none" rtlCol="0">
+            <a:spAutoFit/>
+          </a:bodyPr>
+          <a:lstStyle/>
+          <a:p>
+            <a:r>
+              <a:rPr kumimoji="1" lang="en-US" altLang="ja-JP" sz="2800" dirty="0"/>
+              <a:t>string</a:t>
+            </a:r>
+            <a:r>
+              <a:rPr kumimoji="1" lang="ja-JP" altLang="en-US" sz="2800" dirty="0"/>
+              <a:t>型の変数では</a:t>
+            </a:r>
+            <a:endParaRPr kumimoji="1" lang="en-US" altLang="ja-JP" sz="2800" dirty="0"/>
+          </a:p>
+          <a:p>
+            <a:r>
+              <a:rPr kumimoji="1" lang="ja-JP" altLang="en-US" sz="2800" dirty="0"/>
+              <a:t>加算演算子「</a:t>
+            </a:r>
+            <a:r>
+              <a:rPr kumimoji="1" lang="ja-JP" altLang="en-US" sz="2800" dirty="0">
+                <a:solidFill>
+                  <a:srgbClr val="FF0000"/>
+                </a:solidFill>
+              </a:rPr>
+              <a:t>＋</a:t>
+            </a:r>
+            <a:r>
+              <a:rPr kumimoji="1" lang="ja-JP" altLang="en-US" sz="2800" dirty="0"/>
+              <a:t>」を使って</a:t>
+            </a:r>
+            <a:endParaRPr kumimoji="1" lang="en-US" altLang="ja-JP" sz="2800" dirty="0"/>
+          </a:p>
+          <a:p>
+            <a:r>
+              <a:rPr kumimoji="1" lang="ja-JP" altLang="en-US" sz="2800" dirty="0"/>
+              <a:t>文字列の</a:t>
+            </a:r>
+            <a:r>
+              <a:rPr kumimoji="1" lang="ja-JP" altLang="en-US" sz="2800" b="1" dirty="0">
+                <a:solidFill>
+                  <a:srgbClr val="FF0000"/>
+                </a:solidFill>
+              </a:rPr>
+              <a:t>連結</a:t>
+            </a:r>
+            <a:r>
+              <a:rPr kumimoji="1" lang="ja-JP" altLang="en-US" sz="2800" dirty="0"/>
+              <a:t>が可能</a:t>
+            </a:r>
+            <a:br>
+              <a:rPr kumimoji="1" lang="en-US" altLang="ja-JP" sz="2800" dirty="0"/>
+            </a:br>
+            <a:br>
+              <a:rPr kumimoji="1" lang="en-US" altLang="ja-JP" sz="2800" dirty="0"/>
+            </a:br>
+            <a:r>
+              <a:rPr kumimoji="1" lang="en-US" altLang="ja-JP" sz="2800" dirty="0"/>
+              <a:t>※C</a:t>
+            </a:r>
+            <a:r>
+              <a:rPr kumimoji="1" lang="ja-JP" altLang="en-US" sz="2800" dirty="0"/>
+              <a:t>言語では</a:t>
+            </a:r>
+            <a:r>
+              <a:rPr kumimoji="1" lang="en-US" altLang="ja-JP" sz="2800" dirty="0" err="1"/>
+              <a:t>strcat</a:t>
+            </a:r>
+            <a:r>
+              <a:rPr kumimoji="1" lang="ja-JP" altLang="en-US" sz="2800" dirty="0"/>
+              <a:t>が必要</a:t>
+            </a:r>
+          </a:p>
+        </p:txBody>
+      </p:sp>
+    </p:spTree>
+    <p:extLst>
+      <p:ext uri="{BB962C8B-B14F-4D97-AF65-F5344CB8AC3E}">
+        <p14:creationId xmlns:p14="http://schemas.microsoft.com/office/powerpoint/2010/main" val="1008962871"/>
+      </p:ext>
+    </p:extLst>
+  </p:cSld>
+  <p:clrMapOvr>
+    <a:masterClrMapping/>
+  </p:clrMapOvr>
+</p:sld>
+</file>
+
+<file path=ppt/slides/slide29.xml><?xml version="1.0" encoding="utf-8"?>
+<p:sld xmlns:a="http://schemas.openxmlformats.org/drawingml/2006/main" xmlns:r="http://schemas.openxmlformats.org/officeDocument/2006/relationships" xmlns:p="http://schemas.openxmlformats.org/presentationml/2006/main">
+  <p:cSld>
+    <p:spTree>
+      <p:nvGrpSpPr>
+        <p:cNvPr id="1" name=""/>
+        <p:cNvGrpSpPr/>
+        <p:nvPr/>
+      </p:nvGrpSpPr>
+      <p:grpSpPr>
+        <a:xfrm>
+          <a:off x="0" y="0"/>
+          <a:ext cx="0" cy="0"/>
+          <a:chOff x="0" y="0"/>
+          <a:chExt cx="0" cy="0"/>
+        </a:xfrm>
+      </p:grpSpPr>
+      <p:sp>
+        <p:nvSpPr>
+          <p:cNvPr id="2" name="タイトル 1">
+            <a:extLst>
+              <a:ext uri="{FF2B5EF4-FFF2-40B4-BE49-F238E27FC236}">
+                <a16:creationId xmlns:a16="http://schemas.microsoft.com/office/drawing/2014/main" id="{F11F3668-F205-48C5-AC01-19611EFE561B}"/>
+              </a:ext>
+            </a:extLst>
+          </p:cNvPr>
+          <p:cNvSpPr>
+            <a:spLocks noGrp="1"/>
+          </p:cNvSpPr>
+          <p:nvPr>
+            <p:ph type="title"/>
+          </p:nvPr>
+        </p:nvSpPr>
+        <p:spPr/>
+        <p:txBody>
+          <a:bodyPr/>
+          <a:lstStyle/>
+          <a:p>
+            <a:r>
+              <a:rPr lang="en-US" altLang="ja-JP" dirty="0"/>
+              <a:t>string</a:t>
+            </a:r>
+            <a:r>
+              <a:rPr lang="ja-JP" altLang="en-US" dirty="0"/>
+              <a:t>型</a:t>
+            </a:r>
+            <a:endParaRPr kumimoji="1" lang="ja-JP" altLang="en-US" dirty="0"/>
+          </a:p>
+        </p:txBody>
+      </p:sp>
+      <p:sp>
+        <p:nvSpPr>
+          <p:cNvPr id="3" name="コンテンツ プレースホルダー 2">
+            <a:extLst>
+              <a:ext uri="{FF2B5EF4-FFF2-40B4-BE49-F238E27FC236}">
+                <a16:creationId xmlns:a16="http://schemas.microsoft.com/office/drawing/2014/main" id="{64DBE417-57E9-44A6-BB52-B2F9986BB7B2}"/>
+              </a:ext>
+            </a:extLst>
+          </p:cNvPr>
+          <p:cNvSpPr>
+            <a:spLocks noGrp="1"/>
+          </p:cNvSpPr>
+          <p:nvPr>
+            <p:ph idx="1"/>
+          </p:nvPr>
+        </p:nvSpPr>
+        <p:spPr/>
+        <p:txBody>
+          <a:bodyPr>
+            <a:normAutofit/>
+          </a:bodyPr>
+          <a:lstStyle/>
+          <a:p>
+            <a:r>
+              <a:rPr kumimoji="1" lang="en-US" altLang="ja-JP" dirty="0"/>
+              <a:t>main.cpp</a:t>
+            </a:r>
+            <a:r>
+              <a:rPr lang="en-US" altLang="ja-JP" dirty="0"/>
+              <a:t>(Sample204)</a:t>
+            </a:r>
+            <a:br>
+              <a:rPr lang="en-US" altLang="ja-JP" dirty="0"/>
+            </a:br>
+            <a:endParaRPr lang="en-US" altLang="ja-JP" dirty="0"/>
+          </a:p>
+          <a:p>
+            <a:pPr marL="0" indent="0">
+              <a:buNone/>
+            </a:pPr>
+            <a:br>
+              <a:rPr lang="en-US" altLang="ja-JP" dirty="0"/>
+            </a:br>
+            <a:br>
+              <a:rPr lang="en-US" altLang="ja-JP" dirty="0"/>
+            </a:br>
+            <a:br>
+              <a:rPr lang="en-US" altLang="ja-JP" dirty="0"/>
+            </a:br>
+            <a:br>
+              <a:rPr lang="en-US" altLang="ja-JP" sz="2400" dirty="0"/>
+            </a:br>
+            <a:br>
+              <a:rPr lang="en-US" altLang="ja-JP" sz="2400" dirty="0"/>
+            </a:br>
+            <a:endParaRPr lang="en-US" altLang="ja-JP" sz="2400" dirty="0"/>
+          </a:p>
+          <a:p>
+            <a:pPr marL="0" indent="0">
+              <a:buNone/>
+            </a:pPr>
+            <a:br>
+              <a:rPr lang="en-US" altLang="ja-JP" sz="2400" dirty="0"/>
+            </a:br>
+            <a:br>
+              <a:rPr lang="en-US" altLang="ja-JP" sz="2400" dirty="0"/>
+            </a:br>
+            <a:endParaRPr lang="en-US" altLang="ja-JP" dirty="0">
+              <a:solidFill>
+                <a:srgbClr val="FF0000"/>
+              </a:solidFill>
+            </a:endParaRPr>
+          </a:p>
+        </p:txBody>
+      </p:sp>
+      <p:sp>
+        <p:nvSpPr>
+          <p:cNvPr id="5" name="テキスト ボックス 4">
+            <a:extLst>
+              <a:ext uri="{FF2B5EF4-FFF2-40B4-BE49-F238E27FC236}">
+                <a16:creationId xmlns:a16="http://schemas.microsoft.com/office/drawing/2014/main" id="{9E32883C-0E37-4F07-9861-27609819CE8C}"/>
+              </a:ext>
+            </a:extLst>
+          </p:cNvPr>
+          <p:cNvSpPr txBox="1"/>
+          <p:nvPr/>
+        </p:nvSpPr>
+        <p:spPr>
+          <a:xfrm>
+            <a:off x="1048254" y="1942532"/>
+            <a:ext cx="10768607" cy="4524315"/>
+          </a:xfrm>
+          <a:prstGeom prst="rect">
+            <a:avLst/>
+          </a:prstGeom>
+          <a:noFill/>
+          <a:ln>
+            <a:solidFill>
+              <a:schemeClr val="tx1"/>
+            </a:solidFill>
+          </a:ln>
+        </p:spPr>
+        <p:txBody>
+          <a:bodyPr wrap="square" rtlCol="0">
+            <a:spAutoFit/>
+          </a:bodyPr>
+          <a:lstStyle/>
+          <a:p>
+            <a:r>
+              <a:rPr kumimoji="1" lang="en-US" altLang="ja-JP" sz="2400" dirty="0"/>
+              <a:t>#include &lt;iostream&gt;</a:t>
+            </a:r>
+            <a:br>
+              <a:rPr kumimoji="1" lang="en-US" altLang="ja-JP" sz="2400" dirty="0"/>
+            </a:br>
+            <a:r>
+              <a:rPr kumimoji="1" lang="en-US" altLang="ja-JP" sz="2400" dirty="0"/>
+              <a:t>#include &lt;string&gt;</a:t>
+            </a:r>
+          </a:p>
+          <a:p>
+            <a:r>
+              <a:rPr kumimoji="1" lang="en-US" altLang="ja-JP" sz="2400" dirty="0"/>
+              <a:t>using namespace std;</a:t>
+            </a:r>
+          </a:p>
+          <a:p>
+            <a:endParaRPr kumimoji="1" lang="en-US" altLang="ja-JP" sz="2400" dirty="0"/>
+          </a:p>
+          <a:p>
+            <a:r>
+              <a:rPr kumimoji="1" lang="en-US" altLang="ja-JP" sz="2400" dirty="0"/>
+              <a:t>int main() {</a:t>
+            </a:r>
+            <a:br>
+              <a:rPr kumimoji="1" lang="en-US" altLang="ja-JP" sz="2400" dirty="0"/>
+            </a:br>
+            <a:r>
+              <a:rPr kumimoji="1" lang="en-US" altLang="ja-JP" sz="2400" dirty="0"/>
+              <a:t>    string s, t;</a:t>
+            </a:r>
+            <a:br>
+              <a:rPr kumimoji="1" lang="en-US" altLang="ja-JP" sz="2400" dirty="0"/>
+            </a:br>
+            <a:r>
+              <a:rPr kumimoji="1" lang="en-US" altLang="ja-JP" sz="2400" dirty="0"/>
+              <a:t>    </a:t>
+            </a:r>
+            <a:r>
+              <a:rPr kumimoji="1" lang="en-US" altLang="ja-JP" sz="2400" b="1" dirty="0"/>
+              <a:t>t</a:t>
+            </a:r>
+            <a:r>
+              <a:rPr kumimoji="1" lang="en-US" altLang="ja-JP" sz="2400" b="1" dirty="0">
+                <a:solidFill>
+                  <a:srgbClr val="FF0000"/>
+                </a:solidFill>
+              </a:rPr>
+              <a:t> </a:t>
+            </a:r>
+            <a:r>
+              <a:rPr kumimoji="1" lang="en-US" altLang="ja-JP" sz="2400" dirty="0"/>
+              <a:t>= “</a:t>
+            </a:r>
+            <a:r>
+              <a:rPr kumimoji="1" lang="ja-JP" altLang="en-US" sz="2400" dirty="0"/>
+              <a:t>入力された文字列は「</a:t>
+            </a:r>
+            <a:r>
+              <a:rPr kumimoji="1" lang="en-US" altLang="ja-JP" sz="2400" dirty="0"/>
+              <a:t>”;</a:t>
+            </a:r>
+            <a:br>
+              <a:rPr kumimoji="1" lang="en-US" altLang="ja-JP" sz="2400" dirty="0"/>
+            </a:br>
+            <a:r>
+              <a:rPr kumimoji="1" lang="en-US" altLang="ja-JP" sz="2400" dirty="0"/>
+              <a:t>    </a:t>
+            </a:r>
+            <a:r>
+              <a:rPr kumimoji="1" lang="en-US" altLang="ja-JP" sz="2400" dirty="0" err="1"/>
+              <a:t>cout</a:t>
+            </a:r>
+            <a:r>
+              <a:rPr kumimoji="1" lang="en-US" altLang="ja-JP" sz="2400" dirty="0"/>
+              <a:t> &lt;&lt; “</a:t>
+            </a:r>
+            <a:r>
+              <a:rPr kumimoji="1" lang="ja-JP" altLang="en-US" sz="2400" dirty="0"/>
+              <a:t>文字列を入力</a:t>
+            </a:r>
+            <a:r>
+              <a:rPr kumimoji="1" lang="en-US" altLang="ja-JP" sz="2400" dirty="0"/>
+              <a:t>:”;</a:t>
+            </a:r>
+            <a:br>
+              <a:rPr kumimoji="1" lang="en-US" altLang="ja-JP" sz="2400" dirty="0"/>
+            </a:br>
+            <a:r>
+              <a:rPr kumimoji="1" lang="en-US" altLang="ja-JP" sz="2400" dirty="0"/>
+              <a:t>    </a:t>
+            </a:r>
+            <a:r>
+              <a:rPr kumimoji="1" lang="en-US" altLang="ja-JP" sz="2400" dirty="0" err="1"/>
+              <a:t>cin</a:t>
+            </a:r>
+            <a:r>
+              <a:rPr kumimoji="1" lang="en-US" altLang="ja-JP" sz="2400" dirty="0"/>
+              <a:t> &gt;&gt; s;</a:t>
+            </a:r>
+          </a:p>
+          <a:p>
+            <a:r>
+              <a:rPr kumimoji="1" lang="ja-JP" altLang="en-US" sz="2400" dirty="0"/>
+              <a:t>    </a:t>
+            </a:r>
+            <a:r>
+              <a:rPr kumimoji="1" lang="en-US" altLang="ja-JP" sz="2400" dirty="0" err="1"/>
+              <a:t>cout</a:t>
+            </a:r>
+            <a:r>
+              <a:rPr kumimoji="1" lang="en-US" altLang="ja-JP" sz="2400" dirty="0"/>
+              <a:t> &lt;&lt; </a:t>
+            </a:r>
+            <a:r>
+              <a:rPr kumimoji="1" lang="en-US" altLang="ja-JP" sz="2400" dirty="0">
+                <a:solidFill>
+                  <a:srgbClr val="FF0000"/>
+                </a:solidFill>
+              </a:rPr>
+              <a:t>t </a:t>
+            </a:r>
+            <a:r>
+              <a:rPr kumimoji="1" lang="en-US" altLang="ja-JP" sz="2400" b="1" dirty="0">
+                <a:solidFill>
+                  <a:srgbClr val="FF0000"/>
+                </a:solidFill>
+              </a:rPr>
+              <a:t>+</a:t>
+            </a:r>
+            <a:r>
+              <a:rPr kumimoji="1" lang="en-US" altLang="ja-JP" sz="2400" dirty="0">
+                <a:solidFill>
+                  <a:srgbClr val="FF0000"/>
+                </a:solidFill>
+              </a:rPr>
+              <a:t> s </a:t>
+            </a:r>
+            <a:r>
+              <a:rPr kumimoji="1" lang="en-US" altLang="ja-JP" sz="2400" dirty="0"/>
+              <a:t>&lt;&lt; “</a:t>
+            </a:r>
+            <a:r>
+              <a:rPr kumimoji="1" lang="ja-JP" altLang="en-US" sz="2400" dirty="0"/>
+              <a:t>」です。</a:t>
+            </a:r>
+            <a:r>
+              <a:rPr kumimoji="1" lang="en-US" altLang="ja-JP" sz="2400" dirty="0"/>
+              <a:t>” &lt;&lt; </a:t>
+            </a:r>
+            <a:r>
+              <a:rPr kumimoji="1" lang="en-US" altLang="ja-JP" sz="2400" dirty="0" err="1"/>
+              <a:t>endl</a:t>
+            </a:r>
+            <a:r>
+              <a:rPr kumimoji="1" lang="en-US" altLang="ja-JP" sz="2400" dirty="0"/>
+              <a:t>;</a:t>
+            </a:r>
+            <a:r>
+              <a:rPr kumimoji="1" lang="ja-JP" altLang="en-US" sz="2400" dirty="0"/>
+              <a:t>    </a:t>
+            </a:r>
+            <a:endParaRPr kumimoji="1" lang="en-US" altLang="ja-JP" sz="2400" dirty="0"/>
+          </a:p>
+          <a:p>
+            <a:r>
+              <a:rPr kumimoji="1" lang="en-US" altLang="ja-JP" sz="2400" dirty="0"/>
+              <a:t>    return 0;</a:t>
+            </a:r>
+            <a:r>
+              <a:rPr kumimoji="1" lang="ja-JP" altLang="en-US" sz="2400" dirty="0"/>
+              <a:t>　　　　</a:t>
+            </a:r>
+            <a:endParaRPr kumimoji="1" lang="en-US" altLang="ja-JP" sz="2400" dirty="0"/>
+          </a:p>
+          <a:p>
+            <a:r>
+              <a:rPr kumimoji="1" lang="en-US" altLang="ja-JP" sz="2400" dirty="0"/>
+              <a:t>}</a:t>
+            </a:r>
+          </a:p>
+        </p:txBody>
+      </p:sp>
+      <p:sp>
+        <p:nvSpPr>
+          <p:cNvPr id="4" name="テキスト ボックス 3">
+            <a:extLst>
+              <a:ext uri="{FF2B5EF4-FFF2-40B4-BE49-F238E27FC236}">
+                <a16:creationId xmlns:a16="http://schemas.microsoft.com/office/drawing/2014/main" id="{05B52B40-6336-287D-8C5D-9B262CD0CCBC}"/>
+              </a:ext>
+            </a:extLst>
+          </p:cNvPr>
+          <p:cNvSpPr txBox="1"/>
+          <p:nvPr/>
+        </p:nvSpPr>
+        <p:spPr>
+          <a:xfrm>
+            <a:off x="3490085" y="2434974"/>
+            <a:ext cx="5884944" cy="3539430"/>
+          </a:xfrm>
+          <a:prstGeom prst="rect">
+            <a:avLst/>
+          </a:prstGeom>
+          <a:solidFill>
+            <a:schemeClr val="bg1"/>
+          </a:solidFill>
+          <a:ln w="19050">
+            <a:solidFill>
+              <a:srgbClr val="FF0000"/>
+            </a:solidFill>
+          </a:ln>
+        </p:spPr>
+        <p:txBody>
+          <a:bodyPr wrap="none" rtlCol="0">
+            <a:spAutoFit/>
+          </a:bodyPr>
+          <a:lstStyle/>
+          <a:p>
+            <a:r>
+              <a:rPr kumimoji="1" lang="ja-JP" altLang="en-US" sz="2800" dirty="0"/>
+              <a:t>他にも</a:t>
+            </a:r>
+            <a:r>
+              <a:rPr kumimoji="1" lang="en-US" altLang="ja-JP" sz="2800" dirty="0"/>
+              <a:t>string</a:t>
+            </a:r>
+            <a:r>
+              <a:rPr kumimoji="1" lang="ja-JP" altLang="en-US" sz="2800" dirty="0"/>
+              <a:t>型の変数では</a:t>
+            </a:r>
+            <a:endParaRPr kumimoji="1" lang="en-US" altLang="ja-JP" sz="2800" dirty="0"/>
+          </a:p>
+          <a:p>
+            <a:r>
+              <a:rPr kumimoji="1" lang="ja-JP" altLang="en-US" sz="2800" dirty="0"/>
+              <a:t>比較演算子</a:t>
+            </a:r>
+            <a:br>
+              <a:rPr kumimoji="1" lang="en-US" altLang="ja-JP" sz="2800" dirty="0"/>
+            </a:br>
+            <a:br>
+              <a:rPr kumimoji="1" lang="en-US" altLang="ja-JP" sz="2800" dirty="0"/>
+            </a:br>
+            <a:r>
+              <a:rPr kumimoji="1" lang="ja-JP" altLang="en-US" sz="2800" dirty="0"/>
+              <a:t>「</a:t>
+            </a:r>
+            <a:r>
+              <a:rPr kumimoji="1" lang="en-US" altLang="ja-JP" sz="2800" dirty="0">
+                <a:solidFill>
+                  <a:srgbClr val="FF0000"/>
+                </a:solidFill>
+              </a:rPr>
+              <a:t>==, !=, &lt;, &gt;</a:t>
+            </a:r>
+            <a:r>
+              <a:rPr kumimoji="1" lang="ja-JP" altLang="en-US" sz="2800" dirty="0"/>
+              <a:t>」</a:t>
+            </a:r>
+            <a:endParaRPr kumimoji="1" lang="en-US" altLang="ja-JP" sz="2800" dirty="0"/>
+          </a:p>
+          <a:p>
+            <a:br>
+              <a:rPr kumimoji="1" lang="en-US" altLang="ja-JP" sz="2800" dirty="0"/>
+            </a:br>
+            <a:r>
+              <a:rPr kumimoji="1" lang="ja-JP" altLang="en-US" sz="2800" dirty="0"/>
+              <a:t>を文字列同士の比較に使用できる！</a:t>
+            </a:r>
+            <a:br>
+              <a:rPr kumimoji="1" lang="en-US" altLang="ja-JP" sz="2800" dirty="0"/>
+            </a:br>
+            <a:br>
+              <a:rPr kumimoji="1" lang="en-US" altLang="ja-JP" sz="2800" dirty="0"/>
+            </a:br>
+            <a:r>
+              <a:rPr kumimoji="1" lang="en-US" altLang="ja-JP" sz="2800" dirty="0"/>
+              <a:t>※C</a:t>
+            </a:r>
+            <a:r>
+              <a:rPr kumimoji="1" lang="ja-JP" altLang="en-US" sz="2800" dirty="0"/>
+              <a:t>言語では</a:t>
+            </a:r>
+            <a:r>
+              <a:rPr kumimoji="1" lang="en-US" altLang="ja-JP" sz="2800" dirty="0" err="1"/>
+              <a:t>strcmp</a:t>
+            </a:r>
+            <a:r>
+              <a:rPr kumimoji="1" lang="ja-JP" altLang="en-US" sz="2800" dirty="0"/>
+              <a:t>が必要</a:t>
+            </a:r>
+          </a:p>
+        </p:txBody>
+      </p:sp>
+    </p:spTree>
+    <p:extLst>
+      <p:ext uri="{BB962C8B-B14F-4D97-AF65-F5344CB8AC3E}">
+        <p14:creationId xmlns:p14="http://schemas.microsoft.com/office/powerpoint/2010/main" val="888384478"/>
       </p:ext>
     </p:extLst>
   </p:cSld>
@@ -6952,13 +10426,6 @@
             <a:br>
               <a:rPr lang="en-US" altLang="ja-JP" dirty="0"/>
             </a:br>
-            <a:endParaRPr lang="en-US" altLang="ja-JP" dirty="0"/>
-          </a:p>
-          <a:p>
-            <a:r>
-              <a:rPr lang="ja-JP" altLang="en-US" dirty="0"/>
-              <a:t>名前空間は入れ子にできる</a:t>
-            </a:r>
             <a:br>
               <a:rPr lang="en-US" altLang="ja-JP" dirty="0"/>
             </a:br>
@@ -6980,8 +10447,8 @@
         </p:nvSpPr>
         <p:spPr>
           <a:xfrm>
-            <a:off x="946542" y="3678693"/>
-            <a:ext cx="3236784" cy="3046988"/>
+            <a:off x="1050451" y="2537538"/>
+            <a:ext cx="3498073" cy="4031873"/>
           </a:xfrm>
           <a:prstGeom prst="rect">
             <a:avLst/>
@@ -7000,11 +10467,11 @@
           <a:lstStyle/>
           <a:p>
             <a:r>
-              <a:rPr kumimoji="1" lang="en-US" altLang="ja-JP" sz="2400" dirty="0"/>
+              <a:rPr kumimoji="1" lang="en-US" altLang="ja-JP" sz="3200" dirty="0"/>
               <a:t>namespace </a:t>
             </a:r>
             <a:r>
-              <a:rPr kumimoji="1" lang="en-US" altLang="ja-JP" sz="2400" dirty="0">
+              <a:rPr kumimoji="1" lang="en-US" altLang="ja-JP" sz="3200" dirty="0">
                 <a:solidFill>
                   <a:srgbClr val="00B0F0"/>
                 </a:solidFill>
@@ -7012,11 +10479,11 @@
               <a:t>A</a:t>
             </a:r>
             <a:r>
-              <a:rPr kumimoji="1" lang="en-US" altLang="ja-JP" sz="2400" dirty="0"/>
+              <a:rPr kumimoji="1" lang="en-US" altLang="ja-JP" sz="3200" dirty="0"/>
               <a:t> </a:t>
             </a:r>
             <a:r>
-              <a:rPr kumimoji="1" lang="en-US" altLang="ja-JP" sz="2400" dirty="0">
+              <a:rPr kumimoji="1" lang="en-US" altLang="ja-JP" sz="3200" dirty="0">
                 <a:solidFill>
                   <a:srgbClr val="00B0F0"/>
                 </a:solidFill>
@@ -7024,14 +10491,14 @@
               <a:t>{</a:t>
             </a:r>
             <a:br>
-              <a:rPr kumimoji="1" lang="en-US" altLang="ja-JP" sz="2400" dirty="0"/>
-            </a:br>
-            <a:r>
-              <a:rPr kumimoji="1" lang="en-US" altLang="ja-JP" sz="2400" dirty="0"/>
+              <a:rPr kumimoji="1" lang="en-US" altLang="ja-JP" sz="3200" dirty="0"/>
+            </a:br>
+            <a:r>
+              <a:rPr kumimoji="1" lang="en-US" altLang="ja-JP" sz="3200" dirty="0"/>
               <a:t>  int </a:t>
             </a:r>
             <a:r>
-              <a:rPr kumimoji="1" lang="en-US" altLang="ja-JP" sz="2400" dirty="0">
+              <a:rPr kumimoji="1" lang="en-US" altLang="ja-JP" sz="3200" dirty="0">
                 <a:solidFill>
                   <a:srgbClr val="FF0000"/>
                 </a:solidFill>
@@ -7039,17 +10506,27 @@
               <a:t>b</a:t>
             </a:r>
             <a:r>
-              <a:rPr kumimoji="1" lang="en-US" altLang="ja-JP" sz="2400" dirty="0"/>
+              <a:rPr kumimoji="1" lang="en-US" altLang="ja-JP" sz="3200" dirty="0"/>
               <a:t> = 0;</a:t>
             </a:r>
           </a:p>
           <a:p>
             <a:r>
-              <a:rPr kumimoji="1" lang="en-US" altLang="ja-JP" sz="2400" dirty="0"/>
-              <a:t>  namespace </a:t>
-            </a:r>
-            <a:r>
-              <a:rPr kumimoji="1" lang="en-US" altLang="ja-JP" sz="2400" dirty="0">
+              <a:rPr kumimoji="1" lang="en-US" altLang="ja-JP" sz="3200" dirty="0">
+                <a:solidFill>
+                  <a:srgbClr val="00B0F0"/>
+                </a:solidFill>
+              </a:rPr>
+              <a:t>}</a:t>
+            </a:r>
+          </a:p>
+          <a:p>
+            <a:r>
+              <a:rPr kumimoji="1" lang="en-US" altLang="ja-JP" sz="3200" dirty="0"/>
+              <a:t>namespace </a:t>
+            </a:r>
+            <a:r>
+              <a:rPr kumimoji="1" lang="en-US" altLang="ja-JP" sz="3200" dirty="0">
                 <a:solidFill>
                   <a:srgbClr val="00B050"/>
                 </a:solidFill>
@@ -7057,11 +10534,11 @@
               <a:t>B</a:t>
             </a:r>
             <a:r>
-              <a:rPr kumimoji="1" lang="en-US" altLang="ja-JP" sz="2400" dirty="0"/>
+              <a:rPr kumimoji="1" lang="en-US" altLang="ja-JP" sz="3200" dirty="0"/>
               <a:t> </a:t>
             </a:r>
             <a:r>
-              <a:rPr kumimoji="1" lang="en-US" altLang="ja-JP" sz="2400" dirty="0">
+              <a:rPr kumimoji="1" lang="en-US" altLang="ja-JP" sz="3200" dirty="0">
                 <a:solidFill>
                   <a:srgbClr val="00B050"/>
                 </a:solidFill>
@@ -7071,11 +10548,15 @@
           </a:p>
           <a:p>
             <a:r>
-              <a:rPr kumimoji="1" lang="en-US" altLang="ja-JP" sz="2400" dirty="0"/>
-              <a:t>    int </a:t>
-            </a:r>
-            <a:r>
-              <a:rPr kumimoji="1" lang="en-US" altLang="ja-JP" sz="2400" dirty="0">
+              <a:rPr kumimoji="1" lang="ja-JP" altLang="en-US" sz="3200" dirty="0"/>
+              <a:t>　　</a:t>
+            </a:r>
+            <a:r>
+              <a:rPr kumimoji="1" lang="en-US" altLang="ja-JP" sz="3200" dirty="0"/>
+              <a:t>int </a:t>
+            </a:r>
+            <a:r>
+              <a:rPr kumimoji="1" lang="en-US" altLang="ja-JP" sz="3200" dirty="0">
                 <a:solidFill>
                   <a:srgbClr val="FF0000"/>
                 </a:solidFill>
@@ -7083,17 +10564,13 @@
               <a:t>b</a:t>
             </a:r>
             <a:r>
-              <a:rPr kumimoji="1" lang="en-US" altLang="ja-JP" sz="2400" dirty="0"/>
+              <a:rPr kumimoji="1" lang="en-US" altLang="ja-JP" sz="3200" dirty="0"/>
               <a:t> = 9;</a:t>
             </a:r>
           </a:p>
           <a:p>
             <a:r>
-              <a:rPr kumimoji="1" lang="ja-JP" altLang="en-US" sz="2400" dirty="0"/>
-              <a:t>　　</a:t>
-            </a:r>
-            <a:r>
-              <a:rPr kumimoji="1" lang="en-US" altLang="ja-JP" sz="2400" dirty="0">
+              <a:rPr kumimoji="1" lang="en-US" altLang="ja-JP" sz="3200" dirty="0">
                 <a:solidFill>
                   <a:srgbClr val="00B050"/>
                 </a:solidFill>
@@ -7103,33 +10580,23 @@
           </a:p>
           <a:p>
             <a:r>
-              <a:rPr kumimoji="1" lang="en-US" altLang="ja-JP" sz="2400" dirty="0">
-                <a:solidFill>
-                  <a:srgbClr val="00B0F0"/>
-                </a:solidFill>
-              </a:rPr>
-              <a:t>}</a:t>
-            </a:r>
-          </a:p>
-          <a:p>
-            <a:r>
-              <a:rPr kumimoji="1" lang="en-US" altLang="ja-JP" sz="2400" dirty="0" err="1"/>
+              <a:rPr kumimoji="1" lang="en-US" altLang="ja-JP" sz="3200" dirty="0" err="1"/>
               <a:t>cout</a:t>
             </a:r>
             <a:r>
-              <a:rPr kumimoji="1" lang="en-US" altLang="ja-JP" sz="2400" dirty="0"/>
+              <a:rPr kumimoji="1" lang="en-US" altLang="ja-JP" sz="3200" dirty="0"/>
               <a:t> &lt;&lt; A::b;</a:t>
             </a:r>
             <a:br>
-              <a:rPr kumimoji="1" lang="en-US" altLang="ja-JP" sz="2400" dirty="0"/>
-            </a:br>
-            <a:r>
-              <a:rPr kumimoji="1" lang="en-US" altLang="ja-JP" sz="2400" dirty="0" err="1"/>
+              <a:rPr kumimoji="1" lang="en-US" altLang="ja-JP" sz="3200" dirty="0"/>
+            </a:br>
+            <a:r>
+              <a:rPr kumimoji="1" lang="en-US" altLang="ja-JP" sz="3200" dirty="0" err="1"/>
               <a:t>cout</a:t>
             </a:r>
             <a:r>
-              <a:rPr kumimoji="1" lang="en-US" altLang="ja-JP" sz="2400" dirty="0"/>
-              <a:t> &lt;&lt; A::B::b;</a:t>
+              <a:rPr kumimoji="1" lang="en-US" altLang="ja-JP" sz="3200" dirty="0"/>
+              <a:t> &lt;&lt; B::b;</a:t>
             </a:r>
           </a:p>
         </p:txBody>
@@ -7148,7 +10615,7 @@
         </p:nvSpPr>
         <p:spPr>
           <a:xfrm>
-            <a:off x="6580756" y="4980102"/>
+            <a:off x="5201339" y="5093274"/>
             <a:ext cx="5306535" cy="954107"/>
           </a:xfrm>
           <a:prstGeom prst="rect">
@@ -7205,18 +10672,6 @@
             <a:r>
               <a:rPr kumimoji="1" lang="en-US" altLang="ja-JP" sz="2800" dirty="0">
                 <a:solidFill>
-                  <a:srgbClr val="00B0F0"/>
-                </a:solidFill>
-              </a:rPr>
-              <a:t>A</a:t>
-            </a:r>
-            <a:r>
-              <a:rPr kumimoji="1" lang="en-US" altLang="ja-JP" sz="2800" dirty="0"/>
-              <a:t>::</a:t>
-            </a:r>
-            <a:r>
-              <a:rPr kumimoji="1" lang="en-US" altLang="ja-JP" sz="2800" dirty="0">
-                <a:solidFill>
                   <a:srgbClr val="00B050"/>
                 </a:solidFill>
               </a:rPr>
@@ -7263,7 +10718,7 @@
         </p:nvSpPr>
         <p:spPr>
           <a:xfrm>
-            <a:off x="7352257" y="2592505"/>
+            <a:off x="5201339" y="2537538"/>
             <a:ext cx="4357283" cy="2246769"/>
           </a:xfrm>
           <a:prstGeom prst="rect">
@@ -7383,7 +10838,7 @@
         </p:nvSpPr>
         <p:spPr>
           <a:xfrm>
-            <a:off x="7254240" y="3027702"/>
+            <a:off x="5103322" y="2972735"/>
             <a:ext cx="1055097" cy="276999"/>
           </a:xfrm>
           <a:prstGeom prst="rect">
@@ -7501,7 +10956,11 @@
           <a:lstStyle/>
           <a:p>
             <a:r>
-              <a:rPr lang="ja-JP" altLang="en-US" b="1" dirty="0"/>
+              <a:rPr lang="ja-JP" altLang="en-US" b="1" dirty="0">
+                <a:solidFill>
+                  <a:srgbClr val="00B050"/>
+                </a:solidFill>
+              </a:rPr>
               <a:t>ストリームの概念</a:t>
             </a:r>
             <a:br>
@@ -7571,11 +11030,19 @@
           </a:p>
           <a:p>
             <a:r>
-              <a:rPr kumimoji="1" lang="ja-JP" altLang="en-US" b="1" dirty="0"/>
-              <a:t>文字型変数</a:t>
-            </a:r>
-            <a:r>
-              <a:rPr kumimoji="1" lang="en-US" altLang="ja-JP" b="1" dirty="0"/>
+              <a:rPr kumimoji="1" lang="ja-JP" altLang="en-US" b="1" dirty="0">
+                <a:solidFill>
+                  <a:srgbClr val="00B050"/>
+                </a:solidFill>
+              </a:rPr>
+              <a:t>文字列変数</a:t>
+            </a:r>
+            <a:r>
+              <a:rPr kumimoji="1" lang="en-US" altLang="ja-JP" b="1" dirty="0">
+                <a:solidFill>
+                  <a:srgbClr val="00B050"/>
+                </a:solidFill>
+              </a:rPr>
               <a:t>string</a:t>
             </a:r>
             <a:br>
@@ -7715,7 +11182,11 @@
           <a:lstStyle/>
           <a:p>
             <a:r>
-              <a:rPr lang="ja-JP" altLang="en-US" b="1" dirty="0"/>
+              <a:rPr lang="ja-JP" altLang="en-US" b="1" dirty="0">
+                <a:solidFill>
+                  <a:srgbClr val="00B050"/>
+                </a:solidFill>
+              </a:rPr>
               <a:t>型推論</a:t>
             </a:r>
             <a:br>
@@ -7896,7 +11367,11 @@
           </a:p>
           <a:p>
             <a:r>
-              <a:rPr lang="ja-JP" altLang="en-US" b="1" dirty="0"/>
+              <a:rPr lang="ja-JP" altLang="en-US" b="1" dirty="0">
+                <a:solidFill>
+                  <a:srgbClr val="00B050"/>
+                </a:solidFill>
+              </a:rPr>
               <a:t>スマートポインタ</a:t>
             </a:r>
             <a:br>
@@ -7929,7 +11404,19 @@
               <a:rPr lang="ja-JP" altLang="en-US" dirty="0"/>
               <a:t>行えるようにしたポインタ</a:t>
             </a:r>
-            <a:endParaRPr lang="en-US" altLang="ja-JP" dirty="0"/>
+            <a:r>
+              <a:rPr lang="ja-JP" altLang="en-US" dirty="0">
+                <a:solidFill>
+                  <a:srgbClr val="FF0000"/>
+                </a:solidFill>
+              </a:rPr>
+              <a:t>（２年生で習う）</a:t>
+            </a:r>
+            <a:endParaRPr lang="en-US" altLang="ja-JP" dirty="0">
+              <a:solidFill>
+                <a:srgbClr val="FF0000"/>
+              </a:solidFill>
+            </a:endParaRPr>
           </a:p>
         </p:txBody>
       </p:sp>
@@ -8028,11 +11515,19 @@
           <a:lstStyle/>
           <a:p>
             <a:r>
-              <a:rPr lang="en-US" altLang="ja-JP" b="1" dirty="0"/>
+              <a:rPr lang="en-US" altLang="ja-JP" b="1" dirty="0">
+                <a:solidFill>
+                  <a:srgbClr val="00B050"/>
+                </a:solidFill>
+              </a:rPr>
               <a:t>bool</a:t>
             </a:r>
             <a:r>
-              <a:rPr lang="ja-JP" altLang="en-US" b="1" dirty="0"/>
+              <a:rPr lang="ja-JP" altLang="en-US" b="1" dirty="0">
+                <a:solidFill>
+                  <a:srgbClr val="00B050"/>
+                </a:solidFill>
+              </a:rPr>
               <a:t>型</a:t>
             </a:r>
             <a:br>
@@ -8114,7 +11609,31 @@
                   <a:srgbClr val="00B050"/>
                 </a:solidFill>
               </a:rPr>
-              <a:t>オブジェクト</a:t>
+              <a:t>オブジェクト　</a:t>
+            </a:r>
+            <a:r>
+              <a:rPr kumimoji="1" lang="en-US" altLang="ja-JP" b="1" dirty="0">
+                <a:solidFill>
+                  <a:srgbClr val="FF00FF"/>
+                </a:solidFill>
+              </a:rPr>
+              <a:t>【</a:t>
+            </a:r>
+            <a:r>
+              <a:rPr kumimoji="1" lang="ja-JP" altLang="en-US" b="1" dirty="0">
+                <a:solidFill>
+                  <a:srgbClr val="FF00FF"/>
+                </a:solidFill>
+              </a:rPr>
+              <a:t>重要</a:t>
+            </a:r>
+            <a:r>
+              <a:rPr kumimoji="1" lang="en-US" altLang="ja-JP" b="1" dirty="0">
+                <a:solidFill>
+                  <a:srgbClr val="FF00FF"/>
+                </a:solidFill>
+              </a:rPr>
+              <a:t>!!!】</a:t>
             </a:r>
             <a:br>
               <a:rPr kumimoji="1" lang="en-US" altLang="ja-JP" dirty="0"/>
@@ -8339,6 +11858,29 @@
           <a:p>
             <a:r>
               <a:rPr lang="ja-JP" altLang="en-US" dirty="0"/>
+              <a:t>コンテナ（</a:t>
+            </a:r>
+            <a:r>
+              <a:rPr lang="en-US" altLang="ja-JP" dirty="0"/>
+              <a:t>vector</a:t>
+            </a:r>
+            <a:r>
+              <a:rPr lang="ja-JP" altLang="en-US" dirty="0"/>
+              <a:t>／</a:t>
+            </a:r>
+            <a:r>
+              <a:rPr lang="en-US" altLang="ja-JP" dirty="0"/>
+              <a:t>list</a:t>
+            </a:r>
+            <a:r>
+              <a:rPr lang="ja-JP" altLang="en-US" dirty="0"/>
+              <a:t>／イテレータ）</a:t>
+            </a:r>
+            <a:endParaRPr lang="en-US" altLang="ja-JP" dirty="0"/>
+          </a:p>
+          <a:p>
+            <a:r>
+              <a:rPr lang="ja-JP" altLang="en-US" dirty="0"/>
               <a:t>テンプレート</a:t>
             </a:r>
             <a:endParaRPr lang="en-US" altLang="ja-JP" dirty="0"/>
@@ -8349,29 +11891,6 @@
               <a:t>オーバーロード</a:t>
             </a:r>
             <a:endParaRPr lang="en-US" altLang="ja-JP" dirty="0"/>
-          </a:p>
-          <a:p>
-            <a:r>
-              <a:rPr kumimoji="1" lang="ja-JP" altLang="en-US" dirty="0"/>
-              <a:t>コンテナ（</a:t>
-            </a:r>
-            <a:r>
-              <a:rPr kumimoji="1" lang="en-US" altLang="ja-JP" dirty="0"/>
-              <a:t>vector</a:t>
-            </a:r>
-            <a:r>
-              <a:rPr kumimoji="1" lang="ja-JP" altLang="en-US" dirty="0"/>
-              <a:t>／</a:t>
-            </a:r>
-            <a:r>
-              <a:rPr lang="en-US" altLang="ja-JP" dirty="0"/>
-              <a:t>list</a:t>
-            </a:r>
-            <a:r>
-              <a:rPr kumimoji="1" lang="ja-JP" altLang="en-US" dirty="0"/>
-              <a:t>／イテレータ）</a:t>
-            </a:r>
-            <a:endParaRPr kumimoji="1" lang="en-US" altLang="ja-JP" dirty="0"/>
           </a:p>
         </p:txBody>
       </p:sp>
@@ -8455,6 +11974,60 @@
             <a:r>
               <a:rPr kumimoji="1" lang="ja-JP" altLang="en-US" sz="3600" dirty="0"/>
               <a:t>クラス関連</a:t>
+            </a:r>
+          </a:p>
+        </p:txBody>
+      </p:sp>
+      <p:sp>
+        <p:nvSpPr>
+          <p:cNvPr id="6" name="テキスト ボックス 5">
+            <a:extLst>
+              <a:ext uri="{FF2B5EF4-FFF2-40B4-BE49-F238E27FC236}">
+                <a16:creationId xmlns:a16="http://schemas.microsoft.com/office/drawing/2014/main" id="{1DA2F8F6-DAD9-430F-8F45-9F70BD6BF32B}"/>
+              </a:ext>
+            </a:extLst>
+          </p:cNvPr>
+          <p:cNvSpPr txBox="1"/>
+          <p:nvPr/>
+        </p:nvSpPr>
+        <p:spPr>
+          <a:xfrm>
+            <a:off x="5905292" y="5616494"/>
+            <a:ext cx="5763116" cy="954107"/>
+          </a:xfrm>
+          <a:prstGeom prst="rect">
+            <a:avLst/>
+          </a:prstGeom>
+          <a:noFill/>
+        </p:spPr>
+        <p:txBody>
+          <a:bodyPr wrap="none" rtlCol="0">
+            <a:spAutoFit/>
+          </a:bodyPr>
+          <a:lstStyle/>
+          <a:p>
+            <a:r>
+              <a:rPr kumimoji="1" lang="ja-JP" altLang="en-US" sz="2800" dirty="0">
+                <a:solidFill>
+                  <a:srgbClr val="00B0F0"/>
+                </a:solidFill>
+              </a:rPr>
+              <a:t>いきなりは覚えられないので、</a:t>
+            </a:r>
+            <a:endParaRPr kumimoji="1" lang="en-US" altLang="ja-JP" sz="2800" dirty="0">
+              <a:solidFill>
+                <a:srgbClr val="00B0F0"/>
+              </a:solidFill>
+            </a:endParaRPr>
+          </a:p>
+          <a:p>
+            <a:r>
+              <a:rPr kumimoji="1" lang="ja-JP" altLang="en-US" sz="2800" dirty="0">
+                <a:solidFill>
+                  <a:srgbClr val="00B0F0"/>
+                </a:solidFill>
+              </a:rPr>
+              <a:t>講義中に出てきたときに解説します</a:t>
             </a:r>
           </a:p>
         </p:txBody>
@@ -8589,6 +12162,21 @@
             <a:br>
               <a:rPr kumimoji="1" lang="en-US" altLang="ja-JP" dirty="0"/>
             </a:br>
+            <a:r>
+              <a:rPr kumimoji="1" lang="ja-JP" altLang="en-US" dirty="0"/>
+              <a:t>ここでは</a:t>
+            </a:r>
+            <a:r>
+              <a:rPr kumimoji="1" lang="en-US" altLang="ja-JP" dirty="0">
+                <a:solidFill>
+                  <a:srgbClr val="FF0000"/>
+                </a:solidFill>
+              </a:rPr>
+              <a:t>cpp2025</a:t>
+            </a:r>
+            <a:br>
+              <a:rPr kumimoji="1" lang="en-US" altLang="ja-JP" dirty="0"/>
+            </a:br>
             <a:br>
               <a:rPr kumimoji="1" lang="en-US" altLang="ja-JP" dirty="0"/>
             </a:br>
@@ -8601,7 +12189,11 @@
               <a:t>は</a:t>
             </a:r>
             <a:r>
-              <a:rPr kumimoji="1" lang="en-US" altLang="ja-JP" dirty="0"/>
+              <a:rPr kumimoji="1" lang="en-US" altLang="ja-JP" dirty="0">
+                <a:solidFill>
+                  <a:srgbClr val="FF0000"/>
+                </a:solidFill>
+              </a:rPr>
               <a:t>C++</a:t>
             </a:r>
             <a:r>
@@ -8916,6 +12508,99 @@
           <a:p>
             <a:pPr algn="ctr"/>
             <a:endParaRPr kumimoji="1" lang="ja-JP" altLang="en-US"/>
+          </a:p>
+        </p:txBody>
+      </p:sp>
+      <p:sp>
+        <p:nvSpPr>
+          <p:cNvPr id="11" name="正方形/長方形 10">
+            <a:extLst>
+              <a:ext uri="{FF2B5EF4-FFF2-40B4-BE49-F238E27FC236}">
+                <a16:creationId xmlns:a16="http://schemas.microsoft.com/office/drawing/2014/main" id="{1C651834-4C69-4C96-8B56-20288C3C8413}"/>
+              </a:ext>
+            </a:extLst>
+          </p:cNvPr>
+          <p:cNvSpPr/>
+          <p:nvPr/>
+        </p:nvSpPr>
+        <p:spPr>
+          <a:xfrm>
+            <a:off x="6712299" y="1653413"/>
+            <a:ext cx="870495" cy="226585"/>
+          </a:xfrm>
+          <a:prstGeom prst="rect">
+            <a:avLst/>
+          </a:prstGeom>
+          <a:solidFill>
+            <a:schemeClr val="bg1"/>
+          </a:solidFill>
+          <a:ln>
+            <a:solidFill>
+              <a:schemeClr val="bg1"/>
+            </a:solidFill>
+          </a:ln>
+        </p:spPr>
+        <p:style>
+          <a:lnRef idx="2">
+            <a:schemeClr val="accent1">
+              <a:shade val="50000"/>
+            </a:schemeClr>
+          </a:lnRef>
+          <a:fillRef idx="1">
+            <a:schemeClr val="accent1"/>
+          </a:fillRef>
+          <a:effectRef idx="0">
+            <a:schemeClr val="accent1"/>
+          </a:effectRef>
+          <a:fontRef idx="minor">
+            <a:schemeClr val="lt1"/>
+          </a:fontRef>
+        </p:style>
+        <p:txBody>
+          <a:bodyPr rtlCol="0" anchor="ctr"/>
+          <a:lstStyle/>
+          <a:p>
+            <a:pPr algn="ctr"/>
+            <a:endParaRPr kumimoji="1" lang="ja-JP" altLang="en-US"/>
+          </a:p>
+        </p:txBody>
+      </p:sp>
+      <p:sp>
+        <p:nvSpPr>
+          <p:cNvPr id="12" name="テキスト ボックス 11">
+            <a:extLst>
+              <a:ext uri="{FF2B5EF4-FFF2-40B4-BE49-F238E27FC236}">
+                <a16:creationId xmlns:a16="http://schemas.microsoft.com/office/drawing/2014/main" id="{4BB139C6-CE51-45D5-B1B3-45E13C11791E}"/>
+              </a:ext>
+            </a:extLst>
+          </p:cNvPr>
+          <p:cNvSpPr txBox="1"/>
+          <p:nvPr/>
+        </p:nvSpPr>
+        <p:spPr>
+          <a:xfrm>
+            <a:off x="6632692" y="1563746"/>
+            <a:ext cx="1358064" cy="369332"/>
+          </a:xfrm>
+          <a:prstGeom prst="rect">
+            <a:avLst/>
+          </a:prstGeom>
+          <a:noFill/>
+        </p:spPr>
+        <p:txBody>
+          <a:bodyPr wrap="none" rtlCol="0">
+            <a:spAutoFit/>
+          </a:bodyPr>
+          <a:lstStyle/>
+          <a:p>
+            <a:r>
+              <a:rPr kumimoji="1" lang="ja-JP" altLang="en-US" b="1" dirty="0">
+                <a:solidFill>
+                  <a:srgbClr val="FF0000"/>
+                </a:solidFill>
+              </a:rPr>
+              <a:t>ｃｐｐ２０２５</a:t>
+            </a:r>
           </a:p>
         </p:txBody>
       </p:sp>
